--- a/reference_material/slides/007_other_data_structures.pptx
+++ b/reference_material/slides/007_other_data_structures.pptx
@@ -6,20 +6,32 @@
   </p:sldMasterIdLst>
   <p:sldIdLst>
     <p:sldId id="270" r:id="rId2"/>
-    <p:sldId id="256" r:id="rId3"/>
-    <p:sldId id="257" r:id="rId4"/>
-    <p:sldId id="259" r:id="rId5"/>
-    <p:sldId id="266" r:id="rId6"/>
-    <p:sldId id="267" r:id="rId7"/>
-    <p:sldId id="268" r:id="rId8"/>
-    <p:sldId id="258" r:id="rId9"/>
-    <p:sldId id="260" r:id="rId10"/>
-    <p:sldId id="261" r:id="rId11"/>
-    <p:sldId id="269" r:id="rId12"/>
-    <p:sldId id="262" r:id="rId13"/>
-    <p:sldId id="263" r:id="rId14"/>
-    <p:sldId id="264" r:id="rId15"/>
-    <p:sldId id="265" r:id="rId16"/>
+    <p:sldId id="277" r:id="rId3"/>
+    <p:sldId id="282" r:id="rId4"/>
+    <p:sldId id="278" r:id="rId5"/>
+    <p:sldId id="279" r:id="rId6"/>
+    <p:sldId id="280" r:id="rId7"/>
+    <p:sldId id="281" r:id="rId8"/>
+    <p:sldId id="256" r:id="rId9"/>
+    <p:sldId id="257" r:id="rId10"/>
+    <p:sldId id="273" r:id="rId11"/>
+    <p:sldId id="259" r:id="rId12"/>
+    <p:sldId id="266" r:id="rId13"/>
+    <p:sldId id="267" r:id="rId14"/>
+    <p:sldId id="275" r:id="rId15"/>
+    <p:sldId id="276" r:id="rId16"/>
+    <p:sldId id="271" r:id="rId17"/>
+    <p:sldId id="268" r:id="rId18"/>
+    <p:sldId id="258" r:id="rId19"/>
+    <p:sldId id="260" r:id="rId20"/>
+    <p:sldId id="261" r:id="rId21"/>
+    <p:sldId id="269" r:id="rId22"/>
+    <p:sldId id="274" r:id="rId23"/>
+    <p:sldId id="262" r:id="rId24"/>
+    <p:sldId id="263" r:id="rId25"/>
+    <p:sldId id="264" r:id="rId26"/>
+    <p:sldId id="272" r:id="rId27"/>
+    <p:sldId id="265" r:id="rId28"/>
   </p:sldIdLst>
   <p:sldSz cx="12192000" cy="6858000"/>
   <p:notesSz cx="6858000" cy="9144000"/>
@@ -118,6 +130,66 @@
       </a:defRPr>
     </a:lvl9pPr>
   </p:defaultTextStyle>
+  <p:extLst>
+    <p:ext uri="{521415D9-36F7-43E2-AB2F-B90AF26B5E84}">
+      <p14:sectionLst xmlns:p14="http://schemas.microsoft.com/office/powerpoint/2010/main">
+        <p14:section name="Default Section" id="{C90AF663-26B5-A94E-A532-10FD4C98C2D8}">
+          <p14:sldIdLst>
+            <p14:sldId id="270"/>
+          </p14:sldIdLst>
+        </p14:section>
+        <p14:section name="Object Review" id="{9BA41C80-6C22-A540-B8E9-3A6D167751FD}">
+          <p14:sldIdLst>
+            <p14:sldId id="277"/>
+            <p14:sldId id="282"/>
+            <p14:sldId id="278"/>
+            <p14:sldId id="279"/>
+            <p14:sldId id="280"/>
+            <p14:sldId id="281"/>
+          </p14:sldIdLst>
+        </p14:section>
+        <p14:section name="Data Struct" id="{E745D3C9-01C1-9E4D-8958-134A2FC8B613}">
+          <p14:sldIdLst>
+            <p14:sldId id="256"/>
+            <p14:sldId id="257"/>
+            <p14:sldId id="273"/>
+            <p14:sldId id="259"/>
+          </p14:sldIdLst>
+        </p14:section>
+        <p14:section name="Mutability" id="{CB33975B-FF2C-4B4D-B79E-B852769E9DF6}">
+          <p14:sldIdLst>
+            <p14:sldId id="266"/>
+            <p14:sldId id="267"/>
+            <p14:sldId id="275"/>
+            <p14:sldId id="276"/>
+          </p14:sldIdLst>
+        </p14:section>
+        <p14:section name="Data Structures" id="{6DD6C416-F4E3-1044-88E0-4986C7A378EE}">
+          <p14:sldIdLst>
+            <p14:sldId id="271"/>
+            <p14:sldId id="268"/>
+            <p14:sldId id="258"/>
+            <p14:sldId id="260"/>
+            <p14:sldId id="261"/>
+            <p14:sldId id="269"/>
+          </p14:sldIdLst>
+        </p14:section>
+        <p14:section name="Less Common Structures" id="{00D2C932-4752-A44B-9AD3-268272353C30}">
+          <p14:sldIdLst>
+            <p14:sldId id="274"/>
+            <p14:sldId id="262"/>
+            <p14:sldId id="263"/>
+            <p14:sldId id="264"/>
+            <p14:sldId id="272"/>
+            <p14:sldId id="265"/>
+          </p14:sldIdLst>
+        </p14:section>
+      </p14:sectionLst>
+    </p:ext>
+    <p:ext uri="{EFAFB233-063F-42B5-8137-9DF3F51BA10A}">
+      <p15:sldGuideLst xmlns:p15="http://schemas.microsoft.com/office/powerpoint/2012/main"/>
+    </p:ext>
+  </p:extLst>
 </p:presentation>
 </file>
 
@@ -260,7 +332,7 @@
           <a:p>
             <a:fld id="{6066AF0A-8DA5-274F-9961-5C116AFECF35}" type="datetimeFigureOut">
               <a:rPr lang="en-US" smtClean="0"/>
-              <a:t>9/18/23</a:t>
+              <a:t>9/18/24</a:t>
             </a:fld>
             <a:endParaRPr lang="en-US"/>
           </a:p>
@@ -471,7 +543,7 @@
           <a:p>
             <a:fld id="{6066AF0A-8DA5-274F-9961-5C116AFECF35}" type="datetimeFigureOut">
               <a:rPr lang="en-US" smtClean="0"/>
-              <a:t>9/18/23</a:t>
+              <a:t>9/18/24</a:t>
             </a:fld>
             <a:endParaRPr lang="en-US"/>
           </a:p>
@@ -686,7 +758,7 @@
           <a:p>
             <a:fld id="{6066AF0A-8DA5-274F-9961-5C116AFECF35}" type="datetimeFigureOut">
               <a:rPr lang="en-US" smtClean="0"/>
-              <a:t>9/18/23</a:t>
+              <a:t>9/18/24</a:t>
             </a:fld>
             <a:endParaRPr lang="en-US"/>
           </a:p>
@@ -887,7 +959,7 @@
           <a:p>
             <a:fld id="{6066AF0A-8DA5-274F-9961-5C116AFECF35}" type="datetimeFigureOut">
               <a:rPr lang="en-US" smtClean="0"/>
-              <a:t>9/18/23</a:t>
+              <a:t>9/18/24</a:t>
             </a:fld>
             <a:endParaRPr lang="en-US"/>
           </a:p>
@@ -1166,7 +1238,7 @@
           <a:p>
             <a:fld id="{6066AF0A-8DA5-274F-9961-5C116AFECF35}" type="datetimeFigureOut">
               <a:rPr lang="en-US" smtClean="0"/>
-              <a:t>9/18/23</a:t>
+              <a:t>9/18/24</a:t>
             </a:fld>
             <a:endParaRPr lang="en-US"/>
           </a:p>
@@ -1434,7 +1506,7 @@
           <a:p>
             <a:fld id="{6066AF0A-8DA5-274F-9961-5C116AFECF35}" type="datetimeFigureOut">
               <a:rPr lang="en-US" smtClean="0"/>
-              <a:t>9/18/23</a:t>
+              <a:t>9/18/24</a:t>
             </a:fld>
             <a:endParaRPr lang="en-US"/>
           </a:p>
@@ -1850,7 +1922,7 @@
           <a:p>
             <a:fld id="{6066AF0A-8DA5-274F-9961-5C116AFECF35}" type="datetimeFigureOut">
               <a:rPr lang="en-US" smtClean="0"/>
-              <a:t>9/18/23</a:t>
+              <a:t>9/18/24</a:t>
             </a:fld>
             <a:endParaRPr lang="en-US"/>
           </a:p>
@@ -1999,7 +2071,7 @@
           <a:p>
             <a:fld id="{6066AF0A-8DA5-274F-9961-5C116AFECF35}" type="datetimeFigureOut">
               <a:rPr lang="en-US" smtClean="0"/>
-              <a:t>9/18/23</a:t>
+              <a:t>9/18/24</a:t>
             </a:fld>
             <a:endParaRPr lang="en-US"/>
           </a:p>
@@ -2125,7 +2197,7 @@
           <a:p>
             <a:fld id="{6066AF0A-8DA5-274F-9961-5C116AFECF35}" type="datetimeFigureOut">
               <a:rPr lang="en-US" smtClean="0"/>
-              <a:t>9/18/23</a:t>
+              <a:t>9/18/24</a:t>
             </a:fld>
             <a:endParaRPr lang="en-US"/>
           </a:p>
@@ -2376,7 +2448,7 @@
           <a:p>
             <a:fld id="{6066AF0A-8DA5-274F-9961-5C116AFECF35}" type="datetimeFigureOut">
               <a:rPr lang="en-US" smtClean="0"/>
-              <a:t>9/18/23</a:t>
+              <a:t>9/18/24</a:t>
             </a:fld>
             <a:endParaRPr lang="en-US"/>
           </a:p>
@@ -2821,7 +2893,7 @@
           <a:p>
             <a:fld id="{6066AF0A-8DA5-274F-9961-5C116AFECF35}" type="datetimeFigureOut">
               <a:rPr lang="en-US" smtClean="0"/>
-              <a:t>9/18/23</a:t>
+              <a:t>9/18/24</a:t>
             </a:fld>
             <a:endParaRPr lang="en-US"/>
           </a:p>
@@ -3148,7 +3220,7 @@
           <a:p>
             <a:fld id="{6066AF0A-8DA5-274F-9961-5C116AFECF35}" type="datetimeFigureOut">
               <a:rPr lang="en-US" smtClean="0"/>
-              <a:t>9/18/23</a:t>
+              <a:t>9/18/24</a:t>
             </a:fld>
             <a:endParaRPr lang="en-US"/>
           </a:p>
@@ -3680,8 +3752,8 @@
         </p:nvSpPr>
         <p:spPr>
           <a:xfrm>
-            <a:off x="1451579" y="1853754"/>
-            <a:ext cx="9603275" cy="4278105"/>
+            <a:off x="1242391" y="1924216"/>
+            <a:ext cx="10048461" cy="4129265"/>
           </a:xfrm>
         </p:spPr>
         <p:txBody>
@@ -3690,56 +3762,70 @@
           <a:p>
             <a:r>
               <a:rPr lang="en-US" dirty="0"/>
-              <a:t>Lab 1:</a:t>
+              <a:t>New for Today – Mo’ Data Structures, Mo’ Problems (P4E ch9/10, TP ch11/12):</a:t>
             </a:r>
           </a:p>
           <a:p>
             <a:pPr lvl="1"/>
             <a:r>
               <a:rPr lang="en-US" dirty="0"/>
-              <a:t>I’ll grade it later this week. </a:t>
+              <a:t>Other data structures that we commonly see – easy!</a:t>
             </a:r>
           </a:p>
           <a:p>
             <a:pPr lvl="1"/>
             <a:r>
               <a:rPr lang="en-US" dirty="0"/>
-              <a:t>One typo on the example, I’ll adjust some marks to compensate. </a:t>
-            </a:r>
-          </a:p>
-          <a:p>
-            <a:r>
-              <a:rPr lang="en-US" dirty="0"/>
-              <a:t>Today:</a:t>
+              <a:t>There’s a bit on gather/scatter/arguments in the text, ignore that for now. </a:t>
+            </a:r>
+          </a:p>
+          <a:p>
+            <a:r>
+              <a:rPr lang="en-US" dirty="0"/>
+              <a:t>I transferred the lab marks over to the LMS. </a:t>
             </a:r>
           </a:p>
           <a:p>
             <a:pPr lvl="1"/>
             <a:r>
               <a:rPr lang="en-US" dirty="0"/>
-              <a:t>Other data structures. </a:t>
+              <a:t>If yours isn’t there, let me know </a:t>
+            </a:r>
+            <a:r>
+              <a:rPr lang="en-US" dirty="0" err="1"/>
+              <a:t>Github</a:t>
+            </a:r>
+            <a:r>
+              <a:rPr lang="en-US" dirty="0"/>
+              <a:t> account -&gt; name mapping. I likely couldn’t guess it. </a:t>
+            </a:r>
+          </a:p>
+          <a:p>
+            <a:r>
+              <a:rPr lang="en-US" dirty="0"/>
+              <a:t>Lab repository access issues – there’s an announcement on the LMS. </a:t>
             </a:r>
           </a:p>
           <a:p>
             <a:pPr lvl="1"/>
             <a:r>
               <a:rPr lang="en-US" dirty="0"/>
-              <a:t>Recursion. </a:t>
+              <a:t>It appears that it stems from the people who aren’t connected to the GitHub class.</a:t>
             </a:r>
           </a:p>
           <a:p>
             <a:pPr lvl="1"/>
             <a:r>
               <a:rPr lang="en-US" dirty="0"/>
-              <a:t>Some exercises on creating classes using the above. </a:t>
-            </a:r>
+              <a:t>Click yourself when accepting a lab the first time, if you aren’t there let me know. </a:t>
+            </a:r>
+          </a:p>
+          <a:p>
+            <a:endParaRPr lang="en-US" dirty="0"/>
           </a:p>
           <a:p>
             <a:pPr lvl="1"/>
-            <a:r>
-              <a:rPr lang="en-US" dirty="0"/>
-              <a:t>Tangential concepts – compilation/interpretation, call stack, mutability. </a:t>
-            </a:r>
+            <a:endParaRPr lang="en-US" dirty="0"/>
           </a:p>
         </p:txBody>
       </p:sp>
@@ -3757,6 +3843,1773 @@
 </file>
 
 <file path=ppt/slides/slide10.xml><?xml version="1.0" encoding="utf-8"?>
+<p:sld xmlns:a="http://schemas.openxmlformats.org/drawingml/2006/main" xmlns:r="http://schemas.openxmlformats.org/officeDocument/2006/relationships" xmlns:p="http://schemas.openxmlformats.org/presentationml/2006/main" show="0">
+  <p:cSld>
+    <p:spTree>
+      <p:nvGrpSpPr>
+        <p:cNvPr id="1" name=""/>
+        <p:cNvGrpSpPr/>
+        <p:nvPr/>
+      </p:nvGrpSpPr>
+      <p:grpSpPr>
+        <a:xfrm>
+          <a:off x="0" y="0"/>
+          <a:ext cx="0" cy="0"/>
+          <a:chOff x="0" y="0"/>
+          <a:chExt cx="0" cy="0"/>
+        </a:xfrm>
+      </p:grpSpPr>
+      <p:sp>
+        <p:nvSpPr>
+          <p:cNvPr id="2" name="Title 1">
+            <a:extLst>
+              <a:ext uri="{FF2B5EF4-FFF2-40B4-BE49-F238E27FC236}">
+                <a16:creationId xmlns:a16="http://schemas.microsoft.com/office/drawing/2014/main" id="{0A51A2DD-9E04-C225-B36C-005C02F304B4}"/>
+              </a:ext>
+            </a:extLst>
+          </p:cNvPr>
+          <p:cNvSpPr>
+            <a:spLocks noGrp="1"/>
+          </p:cNvSpPr>
+          <p:nvPr>
+            <p:ph type="title"/>
+          </p:nvPr>
+        </p:nvSpPr>
+        <p:spPr/>
+        <p:txBody>
+          <a:bodyPr/>
+          <a:lstStyle/>
+          <a:p>
+            <a:r>
+              <a:rPr lang="en-US" dirty="0"/>
+              <a:t>Shared Functionality in Objects</a:t>
+            </a:r>
+          </a:p>
+        </p:txBody>
+      </p:sp>
+      <p:sp>
+        <p:nvSpPr>
+          <p:cNvPr id="3" name="Content Placeholder 2">
+            <a:extLst>
+              <a:ext uri="{FF2B5EF4-FFF2-40B4-BE49-F238E27FC236}">
+                <a16:creationId xmlns:a16="http://schemas.microsoft.com/office/drawing/2014/main" id="{013C88BD-4F2A-09AC-45E9-18F18A515524}"/>
+              </a:ext>
+            </a:extLst>
+          </p:cNvPr>
+          <p:cNvSpPr>
+            <a:spLocks noGrp="1"/>
+          </p:cNvSpPr>
+          <p:nvPr>
+            <p:ph idx="1"/>
+          </p:nvPr>
+        </p:nvSpPr>
+        <p:spPr/>
+        <p:txBody>
+          <a:bodyPr/>
+          <a:lstStyle/>
+          <a:p>
+            <a:r>
+              <a:rPr lang="en-US" dirty="0"/>
+              <a:t>One of the things that makes objects useful is the ability to ‘share’ abilities. </a:t>
+            </a:r>
+          </a:p>
+          <a:p>
+            <a:endParaRPr lang="en-US" dirty="0"/>
+          </a:p>
+        </p:txBody>
+      </p:sp>
+    </p:spTree>
+    <p:extLst>
+      <p:ext uri="{BB962C8B-B14F-4D97-AF65-F5344CB8AC3E}">
+        <p14:creationId xmlns:p14="http://schemas.microsoft.com/office/powerpoint/2010/main" val="342757241"/>
+      </p:ext>
+    </p:extLst>
+  </p:cSld>
+  <p:clrMapOvr>
+    <a:masterClrMapping/>
+  </p:clrMapOvr>
+</p:sld>
+</file>
+
+<file path=ppt/slides/slide11.xml><?xml version="1.0" encoding="utf-8"?>
+<p:sld xmlns:a="http://schemas.openxmlformats.org/drawingml/2006/main" xmlns:r="http://schemas.openxmlformats.org/officeDocument/2006/relationships" xmlns:p="http://schemas.openxmlformats.org/presentationml/2006/main">
+  <p:cSld>
+    <p:spTree>
+      <p:nvGrpSpPr>
+        <p:cNvPr id="1" name=""/>
+        <p:cNvGrpSpPr/>
+        <p:nvPr/>
+      </p:nvGrpSpPr>
+      <p:grpSpPr>
+        <a:xfrm>
+          <a:off x="0" y="0"/>
+          <a:ext cx="0" cy="0"/>
+          <a:chOff x="0" y="0"/>
+          <a:chExt cx="0" cy="0"/>
+        </a:xfrm>
+      </p:grpSpPr>
+      <p:sp>
+        <p:nvSpPr>
+          <p:cNvPr id="2" name="Title 1">
+            <a:extLst>
+              <a:ext uri="{FF2B5EF4-FFF2-40B4-BE49-F238E27FC236}">
+                <a16:creationId xmlns:a16="http://schemas.microsoft.com/office/drawing/2014/main" id="{2D2EB987-265A-25BC-49B5-B7338CB4B685}"/>
+              </a:ext>
+            </a:extLst>
+          </p:cNvPr>
+          <p:cNvSpPr>
+            <a:spLocks noGrp="1"/>
+          </p:cNvSpPr>
+          <p:nvPr>
+            <p:ph type="title"/>
+          </p:nvPr>
+        </p:nvSpPr>
+        <p:spPr/>
+        <p:txBody>
+          <a:bodyPr/>
+          <a:lstStyle/>
+          <a:p>
+            <a:r>
+              <a:rPr lang="en-US" dirty="0"/>
+              <a:t>Iterability</a:t>
+            </a:r>
+          </a:p>
+        </p:txBody>
+      </p:sp>
+      <p:sp>
+        <p:nvSpPr>
+          <p:cNvPr id="3" name="Content Placeholder 2">
+            <a:extLst>
+              <a:ext uri="{FF2B5EF4-FFF2-40B4-BE49-F238E27FC236}">
+                <a16:creationId xmlns:a16="http://schemas.microsoft.com/office/drawing/2014/main" id="{B2228F40-B540-A33A-1379-25582E5AD90B}"/>
+              </a:ext>
+            </a:extLst>
+          </p:cNvPr>
+          <p:cNvSpPr>
+            <a:spLocks noGrp="1"/>
+          </p:cNvSpPr>
+          <p:nvPr>
+            <p:ph idx="1"/>
+          </p:nvPr>
+        </p:nvSpPr>
+        <p:spPr>
+          <a:xfrm>
+            <a:off x="1451579" y="1853754"/>
+            <a:ext cx="9603275" cy="4199727"/>
+          </a:xfrm>
+        </p:spPr>
+        <p:txBody>
+          <a:bodyPr/>
+          <a:lstStyle/>
+          <a:p>
+            <a:r>
+              <a:rPr lang="en-US" dirty="0"/>
+              <a:t>Later in machine learning, we have some methods that can accept an array, list, or </a:t>
+            </a:r>
+            <a:r>
+              <a:rPr lang="en-US" dirty="0" err="1"/>
+              <a:t>dataframe</a:t>
+            </a:r>
+            <a:r>
+              <a:rPr lang="en-US" dirty="0"/>
+              <a:t> without any adaptation on our end because of this interoperability. </a:t>
+            </a:r>
+          </a:p>
+          <a:p>
+            <a:r>
+              <a:rPr lang="en-US" dirty="0"/>
+              <a:t>These data structures can be iterated through. </a:t>
+            </a:r>
+          </a:p>
+          <a:p>
+            <a:r>
+              <a:rPr lang="en-US" dirty="0"/>
+              <a:t>Can use a for loop just as we would with a list. </a:t>
+            </a:r>
+          </a:p>
+          <a:p>
+            <a:r>
+              <a:rPr lang="en-US" dirty="0"/>
+              <a:t>Each data structure provides it’s own “next” (internally, we don’t need to worry about it now), so anything asking for the “next item”, like a loop, will work. </a:t>
+            </a:r>
+          </a:p>
+          <a:p>
+            <a:pPr marL="0" indent="0">
+              <a:buNone/>
+            </a:pPr>
+            <a:endParaRPr lang="en-US" dirty="0"/>
+          </a:p>
+        </p:txBody>
+      </p:sp>
+      <p:pic>
+        <p:nvPicPr>
+          <p:cNvPr id="5122" name="Picture 2" descr="A Step by Step Guide on Iterator in Python">
+            <a:extLst>
+              <a:ext uri="{FF2B5EF4-FFF2-40B4-BE49-F238E27FC236}">
+                <a16:creationId xmlns:a16="http://schemas.microsoft.com/office/drawing/2014/main" id="{9095753C-A229-DF7B-758D-05AEF544F4AB}"/>
+              </a:ext>
+            </a:extLst>
+          </p:cNvPr>
+          <p:cNvPicPr>
+            <a:picLocks noChangeAspect="1" noChangeArrowheads="1"/>
+          </p:cNvPicPr>
+          <p:nvPr/>
+        </p:nvPicPr>
+        <p:blipFill rotWithShape="1">
+          <a:blip r:embed="rId2">
+            <a:extLst>
+              <a:ext uri="{28A0092B-C50C-407E-A947-70E740481C1C}">
+                <a14:useLocalDpi xmlns:a14="http://schemas.microsoft.com/office/drawing/2010/main" val="0"/>
+              </a:ext>
+            </a:extLst>
+          </a:blip>
+          <a:srcRect t="11378" b="6299"/>
+          <a:stretch/>
+        </p:blipFill>
+        <p:spPr bwMode="auto">
+          <a:xfrm>
+            <a:off x="3189009" y="4538126"/>
+            <a:ext cx="5813981" cy="2319874"/>
+          </a:xfrm>
+          <a:prstGeom prst="rect">
+            <a:avLst/>
+          </a:prstGeom>
+          <a:noFill/>
+          <a:extLst>
+            <a:ext uri="{909E8E84-426E-40DD-AFC4-6F175D3DCCD1}">
+              <a14:hiddenFill xmlns:a14="http://schemas.microsoft.com/office/drawing/2010/main">
+                <a:solidFill>
+                  <a:srgbClr val="FFFFFF"/>
+                </a:solidFill>
+              </a14:hiddenFill>
+            </a:ext>
+          </a:extLst>
+        </p:spPr>
+      </p:pic>
+    </p:spTree>
+    <p:extLst>
+      <p:ext uri="{BB962C8B-B14F-4D97-AF65-F5344CB8AC3E}">
+        <p14:creationId xmlns:p14="http://schemas.microsoft.com/office/powerpoint/2010/main" val="1626823428"/>
+      </p:ext>
+    </p:extLst>
+  </p:cSld>
+  <p:clrMapOvr>
+    <a:masterClrMapping/>
+  </p:clrMapOvr>
+</p:sld>
+</file>
+
+<file path=ppt/slides/slide12.xml><?xml version="1.0" encoding="utf-8"?>
+<p:sld xmlns:a="http://schemas.openxmlformats.org/drawingml/2006/main" xmlns:r="http://schemas.openxmlformats.org/officeDocument/2006/relationships" xmlns:p="http://schemas.openxmlformats.org/presentationml/2006/main">
+  <p:cSld>
+    <p:spTree>
+      <p:nvGrpSpPr>
+        <p:cNvPr id="1" name=""/>
+        <p:cNvGrpSpPr/>
+        <p:nvPr/>
+      </p:nvGrpSpPr>
+      <p:grpSpPr>
+        <a:xfrm>
+          <a:off x="0" y="0"/>
+          <a:ext cx="0" cy="0"/>
+          <a:chOff x="0" y="0"/>
+          <a:chExt cx="0" cy="0"/>
+        </a:xfrm>
+      </p:grpSpPr>
+      <p:sp>
+        <p:nvSpPr>
+          <p:cNvPr id="2" name="Title 1">
+            <a:extLst>
+              <a:ext uri="{FF2B5EF4-FFF2-40B4-BE49-F238E27FC236}">
+                <a16:creationId xmlns:a16="http://schemas.microsoft.com/office/drawing/2014/main" id="{D9972E24-1C11-4ED8-BB7F-BE2F8BFEFA4E}"/>
+              </a:ext>
+            </a:extLst>
+          </p:cNvPr>
+          <p:cNvSpPr>
+            <a:spLocks noGrp="1"/>
+          </p:cNvSpPr>
+          <p:nvPr>
+            <p:ph type="title"/>
+          </p:nvPr>
+        </p:nvSpPr>
+        <p:spPr/>
+        <p:txBody>
+          <a:bodyPr/>
+          <a:lstStyle/>
+          <a:p>
+            <a:r>
+              <a:rPr lang="en-US" dirty="0"/>
+              <a:t>Mutability</a:t>
+            </a:r>
+          </a:p>
+        </p:txBody>
+      </p:sp>
+      <p:sp>
+        <p:nvSpPr>
+          <p:cNvPr id="3" name="Content Placeholder 2">
+            <a:extLst>
+              <a:ext uri="{FF2B5EF4-FFF2-40B4-BE49-F238E27FC236}">
+                <a16:creationId xmlns:a16="http://schemas.microsoft.com/office/drawing/2014/main" id="{2BB717B3-289E-3F24-5A07-451F9478EBAE}"/>
+              </a:ext>
+            </a:extLst>
+          </p:cNvPr>
+          <p:cNvSpPr>
+            <a:spLocks noGrp="1"/>
+          </p:cNvSpPr>
+          <p:nvPr>
+            <p:ph idx="1"/>
+          </p:nvPr>
+        </p:nvSpPr>
+        <p:spPr>
+          <a:xfrm>
+            <a:off x="5128550" y="1853754"/>
+            <a:ext cx="7063450" cy="4199727"/>
+          </a:xfrm>
+        </p:spPr>
+        <p:txBody>
+          <a:bodyPr>
+            <a:normAutofit/>
+          </a:bodyPr>
+          <a:lstStyle/>
+          <a:p>
+            <a:r>
+              <a:rPr lang="en-US" dirty="0"/>
+              <a:t>Another concept that is important in data structures is mutability, or the ability to be changed. </a:t>
+            </a:r>
+          </a:p>
+          <a:p>
+            <a:r>
+              <a:rPr lang="en-US" dirty="0"/>
+              <a:t>Different data structures differ on if items are mutable. </a:t>
+            </a:r>
+          </a:p>
+          <a:p>
+            <a:pPr lvl="1"/>
+            <a:r>
+              <a:rPr lang="en-US" dirty="0"/>
+              <a:t>Tuples are immutable – the items in a tuple can’t be changed. </a:t>
+            </a:r>
+          </a:p>
+          <a:p>
+            <a:pPr lvl="1"/>
+            <a:r>
+              <a:rPr lang="en-US" dirty="0"/>
+              <a:t>Lists and Dictionaries are mutable – we can change anything. </a:t>
+            </a:r>
+          </a:p>
+          <a:p>
+            <a:pPr lvl="1"/>
+            <a:r>
+              <a:rPr lang="en-US" dirty="0"/>
+              <a:t>Strings are immutable – we get a new one back if we change it. </a:t>
+            </a:r>
+          </a:p>
+          <a:p>
+            <a:r>
+              <a:rPr lang="en-US" dirty="0"/>
+              <a:t>The difference is the actual space in memory - mutable things stay where they are, immutable are created elsewhere. </a:t>
+            </a:r>
+          </a:p>
+        </p:txBody>
+      </p:sp>
+      <p:pic>
+        <p:nvPicPr>
+          <p:cNvPr id="4098" name="Picture 2" descr="What are Mutable Data Types in Python? - Scaler Topics">
+            <a:extLst>
+              <a:ext uri="{FF2B5EF4-FFF2-40B4-BE49-F238E27FC236}">
+                <a16:creationId xmlns:a16="http://schemas.microsoft.com/office/drawing/2014/main" id="{35DE1998-5576-5113-8953-03185102B41A}"/>
+              </a:ext>
+            </a:extLst>
+          </p:cNvPr>
+          <p:cNvPicPr>
+            <a:picLocks noChangeAspect="1" noChangeArrowheads="1"/>
+          </p:cNvPicPr>
+          <p:nvPr/>
+        </p:nvPicPr>
+        <p:blipFill rotWithShape="1">
+          <a:blip r:embed="rId2">
+            <a:extLst>
+              <a:ext uri="{28A0092B-C50C-407E-A947-70E740481C1C}">
+                <a14:useLocalDpi xmlns:a14="http://schemas.microsoft.com/office/drawing/2010/main" val="0"/>
+              </a:ext>
+            </a:extLst>
+          </a:blip>
+          <a:srcRect l="16121" t="9968" r="16323" b="24013"/>
+          <a:stretch/>
+        </p:blipFill>
+        <p:spPr bwMode="auto">
+          <a:xfrm>
+            <a:off x="0" y="2225781"/>
+            <a:ext cx="5128550" cy="3617650"/>
+          </a:xfrm>
+          <a:prstGeom prst="rect">
+            <a:avLst/>
+          </a:prstGeom>
+          <a:noFill/>
+          <a:extLst>
+            <a:ext uri="{909E8E84-426E-40DD-AFC4-6F175D3DCCD1}">
+              <a14:hiddenFill xmlns:a14="http://schemas.microsoft.com/office/drawing/2010/main">
+                <a:solidFill>
+                  <a:srgbClr val="FFFFFF"/>
+                </a:solidFill>
+              </a14:hiddenFill>
+            </a:ext>
+          </a:extLst>
+        </p:spPr>
+      </p:pic>
+    </p:spTree>
+    <p:extLst>
+      <p:ext uri="{BB962C8B-B14F-4D97-AF65-F5344CB8AC3E}">
+        <p14:creationId xmlns:p14="http://schemas.microsoft.com/office/powerpoint/2010/main" val="137009437"/>
+      </p:ext>
+    </p:extLst>
+  </p:cSld>
+  <p:clrMapOvr>
+    <a:masterClrMapping/>
+  </p:clrMapOvr>
+</p:sld>
+</file>
+
+<file path=ppt/slides/slide13.xml><?xml version="1.0" encoding="utf-8"?>
+<p:sld xmlns:a="http://schemas.openxmlformats.org/drawingml/2006/main" xmlns:r="http://schemas.openxmlformats.org/officeDocument/2006/relationships" xmlns:p="http://schemas.openxmlformats.org/presentationml/2006/main">
+  <p:cSld>
+    <p:spTree>
+      <p:nvGrpSpPr>
+        <p:cNvPr id="1" name=""/>
+        <p:cNvGrpSpPr/>
+        <p:nvPr/>
+      </p:nvGrpSpPr>
+      <p:grpSpPr>
+        <a:xfrm>
+          <a:off x="0" y="0"/>
+          <a:ext cx="0" cy="0"/>
+          <a:chOff x="0" y="0"/>
+          <a:chExt cx="0" cy="0"/>
+        </a:xfrm>
+      </p:grpSpPr>
+      <p:sp>
+        <p:nvSpPr>
+          <p:cNvPr id="2" name="Title 1">
+            <a:extLst>
+              <a:ext uri="{FF2B5EF4-FFF2-40B4-BE49-F238E27FC236}">
+                <a16:creationId xmlns:a16="http://schemas.microsoft.com/office/drawing/2014/main" id="{F297E73D-CF79-511E-81E7-02BEFAE7A173}"/>
+              </a:ext>
+            </a:extLst>
+          </p:cNvPr>
+          <p:cNvSpPr>
+            <a:spLocks noGrp="1"/>
+          </p:cNvSpPr>
+          <p:nvPr>
+            <p:ph type="title"/>
+          </p:nvPr>
+        </p:nvSpPr>
+        <p:spPr/>
+        <p:txBody>
+          <a:bodyPr/>
+          <a:lstStyle/>
+          <a:p>
+            <a:r>
+              <a:rPr lang="en-US" dirty="0"/>
+              <a:t>Mutability Reasons</a:t>
+            </a:r>
+          </a:p>
+        </p:txBody>
+      </p:sp>
+      <p:sp>
+        <p:nvSpPr>
+          <p:cNvPr id="3" name="Content Placeholder 2">
+            <a:extLst>
+              <a:ext uri="{FF2B5EF4-FFF2-40B4-BE49-F238E27FC236}">
+                <a16:creationId xmlns:a16="http://schemas.microsoft.com/office/drawing/2014/main" id="{2181178B-202F-6EE0-A760-B36240A93A8C}"/>
+              </a:ext>
+            </a:extLst>
+          </p:cNvPr>
+          <p:cNvSpPr>
+            <a:spLocks noGrp="1"/>
+          </p:cNvSpPr>
+          <p:nvPr>
+            <p:ph idx="1"/>
+          </p:nvPr>
+        </p:nvSpPr>
+        <p:spPr>
+          <a:xfrm>
+            <a:off x="1451579" y="1853754"/>
+            <a:ext cx="9603275" cy="4199727"/>
+          </a:xfrm>
+        </p:spPr>
+        <p:txBody>
+          <a:bodyPr/>
+          <a:lstStyle/>
+          <a:p>
+            <a:r>
+              <a:rPr lang="en-US" dirty="0"/>
+              <a:t>Why would anyone want an unchanging variable?</a:t>
+            </a:r>
+          </a:p>
+          <a:p>
+            <a:r>
+              <a:rPr lang="en-US" dirty="0"/>
+              <a:t>Immutable objects can allow for:</a:t>
+            </a:r>
+          </a:p>
+          <a:p>
+            <a:pPr lvl="1"/>
+            <a:r>
+              <a:rPr lang="en-US" dirty="0"/>
+              <a:t>Provability – if we need to mathematically prove a program works (e.g. mission-critical). </a:t>
+            </a:r>
+          </a:p>
+          <a:p>
+            <a:pPr lvl="1"/>
+            <a:r>
+              <a:rPr lang="en-US" dirty="0"/>
+              <a:t>Thread safe – programs that are multithreaded are easier with immutable variables. </a:t>
+            </a:r>
+          </a:p>
+          <a:p>
+            <a:pPr lvl="1"/>
+            <a:r>
+              <a:rPr lang="en-US" dirty="0"/>
+              <a:t>Efficiency - since immutable things don’t change, compilers* can allocate exact memory. </a:t>
+            </a:r>
+          </a:p>
+          <a:p>
+            <a:r>
+              <a:rPr lang="en-US" dirty="0"/>
+              <a:t>This stuff can matter a lot when doing lower-level coding. </a:t>
+            </a:r>
+          </a:p>
+          <a:p>
+            <a:pPr lvl="1"/>
+            <a:r>
+              <a:rPr lang="en-US" dirty="0"/>
+              <a:t>Can “fix” objects that we know will not need to change. </a:t>
+            </a:r>
+          </a:p>
+          <a:p>
+            <a:pPr lvl="1"/>
+            <a:r>
+              <a:rPr lang="en-US" dirty="0"/>
+              <a:t>Compilers can rely on this non-changing rule, and optimize around it. </a:t>
+            </a:r>
+          </a:p>
+          <a:p>
+            <a:r>
+              <a:rPr lang="en-US" dirty="0"/>
+              <a:t>These concerns are usually not super relevant to us using Python for data science. </a:t>
+            </a:r>
+          </a:p>
+          <a:p>
+            <a:endParaRPr lang="en-US" dirty="0"/>
+          </a:p>
+        </p:txBody>
+      </p:sp>
+    </p:spTree>
+    <p:extLst>
+      <p:ext uri="{BB962C8B-B14F-4D97-AF65-F5344CB8AC3E}">
+        <p14:creationId xmlns:p14="http://schemas.microsoft.com/office/powerpoint/2010/main" val="1049731650"/>
+      </p:ext>
+    </p:extLst>
+  </p:cSld>
+  <p:clrMapOvr>
+    <a:masterClrMapping/>
+  </p:clrMapOvr>
+</p:sld>
+</file>
+
+<file path=ppt/slides/slide14.xml><?xml version="1.0" encoding="utf-8"?>
+<p:sld xmlns:a="http://schemas.openxmlformats.org/drawingml/2006/main" xmlns:r="http://schemas.openxmlformats.org/officeDocument/2006/relationships" xmlns:p="http://schemas.openxmlformats.org/presentationml/2006/main">
+  <p:cSld>
+    <p:spTree>
+      <p:nvGrpSpPr>
+        <p:cNvPr id="1" name=""/>
+        <p:cNvGrpSpPr/>
+        <p:nvPr/>
+      </p:nvGrpSpPr>
+      <p:grpSpPr>
+        <a:xfrm>
+          <a:off x="0" y="0"/>
+          <a:ext cx="0" cy="0"/>
+          <a:chOff x="0" y="0"/>
+          <a:chExt cx="0" cy="0"/>
+        </a:xfrm>
+      </p:grpSpPr>
+      <p:sp>
+        <p:nvSpPr>
+          <p:cNvPr id="2" name="Title 1">
+            <a:extLst>
+              <a:ext uri="{FF2B5EF4-FFF2-40B4-BE49-F238E27FC236}">
+                <a16:creationId xmlns:a16="http://schemas.microsoft.com/office/drawing/2014/main" id="{FAE3B593-6B8A-7D72-2DBC-392EFB462940}"/>
+              </a:ext>
+            </a:extLst>
+          </p:cNvPr>
+          <p:cNvSpPr>
+            <a:spLocks noGrp="1"/>
+          </p:cNvSpPr>
+          <p:nvPr>
+            <p:ph type="title"/>
+          </p:nvPr>
+        </p:nvSpPr>
+        <p:spPr/>
+        <p:txBody>
+          <a:bodyPr/>
+          <a:lstStyle/>
+          <a:p>
+            <a:r>
+              <a:rPr lang="en-US" dirty="0"/>
+              <a:t>Mutability and You…</a:t>
+            </a:r>
+          </a:p>
+        </p:txBody>
+      </p:sp>
+      <p:sp>
+        <p:nvSpPr>
+          <p:cNvPr id="3" name="Content Placeholder 2">
+            <a:extLst>
+              <a:ext uri="{FF2B5EF4-FFF2-40B4-BE49-F238E27FC236}">
+                <a16:creationId xmlns:a16="http://schemas.microsoft.com/office/drawing/2014/main" id="{7543AF4E-C26A-4227-E998-20B046A1FA87}"/>
+              </a:ext>
+            </a:extLst>
+          </p:cNvPr>
+          <p:cNvSpPr>
+            <a:spLocks noGrp="1"/>
+          </p:cNvSpPr>
+          <p:nvPr>
+            <p:ph idx="1"/>
+          </p:nvPr>
+        </p:nvSpPr>
+        <p:spPr>
+          <a:xfrm>
+            <a:off x="1039907" y="1945341"/>
+            <a:ext cx="10228728" cy="4108139"/>
+          </a:xfrm>
+        </p:spPr>
+        <p:txBody>
+          <a:bodyPr/>
+          <a:lstStyle/>
+          <a:p>
+            <a:r>
+              <a:rPr lang="en-US" dirty="0"/>
+              <a:t>In most cases we see putting things in a mutable/immutable structure is minimally impactful. </a:t>
+            </a:r>
+          </a:p>
+          <a:p>
+            <a:pPr lvl="1"/>
+            <a:r>
+              <a:rPr lang="en-US" dirty="0"/>
+              <a:t>Worst case Ontario, you can just make a new object with the change. </a:t>
+            </a:r>
+          </a:p>
+          <a:p>
+            <a:pPr lvl="1"/>
+            <a:r>
+              <a:rPr lang="en-US" dirty="0"/>
+              <a:t>This is fast if items are small, or you aren’t doing it many times over. </a:t>
+            </a:r>
+          </a:p>
+          <a:p>
+            <a:r>
+              <a:rPr lang="en-US" dirty="0"/>
+              <a:t>There are scenarios where this isn’t true:</a:t>
+            </a:r>
+          </a:p>
+          <a:p>
+            <a:pPr lvl="1"/>
+            <a:r>
+              <a:rPr lang="en-US" dirty="0"/>
+              <a:t>The previous examples of wanting immutability. </a:t>
+            </a:r>
+          </a:p>
+          <a:p>
+            <a:pPr lvl="1"/>
+            <a:r>
+              <a:rPr lang="en-US" dirty="0"/>
+              <a:t>Changing a very large data (e.g. multi-GB </a:t>
+            </a:r>
+            <a:r>
+              <a:rPr lang="en-US" dirty="0" err="1"/>
+              <a:t>dataframe</a:t>
+            </a:r>
+            <a:r>
+              <a:rPr lang="en-US" dirty="0"/>
+              <a:t>) mutable data structure is far less costly than making a copy if it were something immutable. </a:t>
+            </a:r>
+          </a:p>
+          <a:p>
+            <a:r>
+              <a:rPr lang="en-US" dirty="0"/>
+              <a:t>One thing to be careful of are side effects of functions…</a:t>
+            </a:r>
+          </a:p>
+        </p:txBody>
+      </p:sp>
+    </p:spTree>
+    <p:extLst>
+      <p:ext uri="{BB962C8B-B14F-4D97-AF65-F5344CB8AC3E}">
+        <p14:creationId xmlns:p14="http://schemas.microsoft.com/office/powerpoint/2010/main" val="3628414773"/>
+      </p:ext>
+    </p:extLst>
+  </p:cSld>
+  <p:clrMapOvr>
+    <a:masterClrMapping/>
+  </p:clrMapOvr>
+</p:sld>
+</file>
+
+<file path=ppt/slides/slide15.xml><?xml version="1.0" encoding="utf-8"?>
+<p:sld xmlns:a="http://schemas.openxmlformats.org/drawingml/2006/main" xmlns:r="http://schemas.openxmlformats.org/officeDocument/2006/relationships" xmlns:p="http://schemas.openxmlformats.org/presentationml/2006/main">
+  <p:cSld>
+    <p:bg>
+      <p:bgPr>
+        <a:gradFill rotWithShape="1">
+          <a:gsLst>
+            <a:gs pos="0">
+              <a:schemeClr val="bg2">
+                <a:tint val="94000"/>
+                <a:satMod val="80000"/>
+                <a:lumMod val="106000"/>
+              </a:schemeClr>
+            </a:gs>
+            <a:gs pos="100000">
+              <a:schemeClr val="bg2">
+                <a:shade val="80000"/>
+              </a:schemeClr>
+            </a:gs>
+          </a:gsLst>
+          <a:path path="circle">
+            <a:fillToRect l="43000" r="43000" b="100000"/>
+          </a:path>
+        </a:gradFill>
+        <a:effectLst/>
+      </p:bgPr>
+    </p:bg>
+    <p:spTree>
+      <p:nvGrpSpPr>
+        <p:cNvPr id="1" name=""/>
+        <p:cNvGrpSpPr/>
+        <p:nvPr/>
+      </p:nvGrpSpPr>
+      <p:grpSpPr>
+        <a:xfrm>
+          <a:off x="0" y="0"/>
+          <a:ext cx="0" cy="0"/>
+          <a:chOff x="0" y="0"/>
+          <a:chExt cx="0" cy="0"/>
+        </a:xfrm>
+      </p:grpSpPr>
+      <p:sp>
+        <p:nvSpPr>
+          <p:cNvPr id="2" name="Title 1">
+            <a:extLst>
+              <a:ext uri="{FF2B5EF4-FFF2-40B4-BE49-F238E27FC236}">
+                <a16:creationId xmlns:a16="http://schemas.microsoft.com/office/drawing/2014/main" id="{A890EB11-D9D4-687E-157F-A30CA8365221}"/>
+              </a:ext>
+            </a:extLst>
+          </p:cNvPr>
+          <p:cNvSpPr>
+            <a:spLocks noGrp="1"/>
+          </p:cNvSpPr>
+          <p:nvPr>
+            <p:ph type="title"/>
+          </p:nvPr>
+        </p:nvSpPr>
+        <p:spPr>
+          <a:xfrm>
+            <a:off x="1451579" y="804519"/>
+            <a:ext cx="9603275" cy="1049235"/>
+          </a:xfrm>
+        </p:spPr>
+        <p:txBody>
+          <a:bodyPr>
+            <a:normAutofit/>
+          </a:bodyPr>
+          <a:lstStyle/>
+          <a:p>
+            <a:r>
+              <a:rPr lang="en-US" dirty="0"/>
+              <a:t>Side Effects</a:t>
+            </a:r>
+          </a:p>
+        </p:txBody>
+      </p:sp>
+      <p:sp>
+        <p:nvSpPr>
+          <p:cNvPr id="3" name="Content Placeholder 2">
+            <a:extLst>
+              <a:ext uri="{FF2B5EF4-FFF2-40B4-BE49-F238E27FC236}">
+                <a16:creationId xmlns:a16="http://schemas.microsoft.com/office/drawing/2014/main" id="{41414449-200C-CE05-4C86-C34AA4FDB1CA}"/>
+              </a:ext>
+            </a:extLst>
+          </p:cNvPr>
+          <p:cNvSpPr>
+            <a:spLocks noGrp="1"/>
+          </p:cNvSpPr>
+          <p:nvPr>
+            <p:ph idx="1"/>
+          </p:nvPr>
+        </p:nvSpPr>
+        <p:spPr>
+          <a:xfrm>
+            <a:off x="6177437" y="1853752"/>
+            <a:ext cx="6014563" cy="4199729"/>
+          </a:xfrm>
+        </p:spPr>
+        <p:txBody>
+          <a:bodyPr>
+            <a:normAutofit/>
+          </a:bodyPr>
+          <a:lstStyle/>
+          <a:p>
+            <a:pPr>
+              <a:lnSpc>
+                <a:spcPct val="110000"/>
+              </a:lnSpc>
+            </a:pPr>
+            <a:r>
+              <a:rPr lang="en-US" sz="1800" dirty="0"/>
+              <a:t>One thing to be aware of is the potential for side effects. </a:t>
+            </a:r>
+          </a:p>
+          <a:p>
+            <a:pPr lvl="1">
+              <a:lnSpc>
+                <a:spcPct val="110000"/>
+              </a:lnSpc>
+            </a:pPr>
+            <a:r>
+              <a:rPr lang="en-US" dirty="0"/>
+              <a:t>Possible with mutable data types</a:t>
+            </a:r>
+          </a:p>
+          <a:p>
+            <a:pPr lvl="1">
+              <a:lnSpc>
+                <a:spcPct val="110000"/>
+              </a:lnSpc>
+            </a:pPr>
+            <a:r>
+              <a:rPr lang="en-US" dirty="0"/>
+              <a:t>“Accidental” impacts of your functions. </a:t>
+            </a:r>
+          </a:p>
+          <a:p>
+            <a:pPr lvl="1">
+              <a:lnSpc>
+                <a:spcPct val="110000"/>
+              </a:lnSpc>
+            </a:pPr>
+            <a:r>
+              <a:rPr lang="en-US" dirty="0"/>
+              <a:t>When something is changed outside of the value returned by a function or it’s specific target. </a:t>
+            </a:r>
+          </a:p>
+          <a:p>
+            <a:pPr>
+              <a:lnSpc>
+                <a:spcPct val="110000"/>
+              </a:lnSpc>
+            </a:pPr>
+            <a:r>
+              <a:rPr lang="en-US" sz="1800" dirty="0"/>
+              <a:t>For us, we often have data that we want to explore.</a:t>
+            </a:r>
+          </a:p>
+          <a:p>
+            <a:pPr lvl="1">
+              <a:lnSpc>
+                <a:spcPct val="110000"/>
+              </a:lnSpc>
+            </a:pPr>
+            <a:r>
+              <a:rPr lang="en-US" dirty="0"/>
+              <a:t>What you are starting to do in stats. </a:t>
+            </a:r>
+          </a:p>
+          <a:p>
+            <a:pPr lvl="1">
+              <a:lnSpc>
+                <a:spcPct val="110000"/>
+              </a:lnSpc>
+            </a:pPr>
+            <a:r>
+              <a:rPr lang="en-US" dirty="0"/>
+              <a:t>We don’t want to accidentally change data when trying to do something else. </a:t>
+            </a:r>
+          </a:p>
+          <a:p>
+            <a:pPr lvl="1">
+              <a:lnSpc>
+                <a:spcPct val="110000"/>
+              </a:lnSpc>
+            </a:pPr>
+            <a:r>
+              <a:rPr lang="en-US" dirty="0"/>
+              <a:t>E.g. if we have a function that plots data without outliers, we don’t want those outliers removed from the original data as a </a:t>
+            </a:r>
+            <a:r>
+              <a:rPr lang="en-US" i="1" dirty="0"/>
+              <a:t>side effect</a:t>
+            </a:r>
+            <a:r>
+              <a:rPr lang="en-US" dirty="0"/>
+              <a:t> of the plotting. </a:t>
+            </a:r>
+          </a:p>
+        </p:txBody>
+      </p:sp>
+      <p:pic>
+        <p:nvPicPr>
+          <p:cNvPr id="5" name="Picture 4">
+            <a:extLst>
+              <a:ext uri="{FF2B5EF4-FFF2-40B4-BE49-F238E27FC236}">
+                <a16:creationId xmlns:a16="http://schemas.microsoft.com/office/drawing/2014/main" id="{0144D1DA-1050-756A-1748-2BF2DF0255B4}"/>
+              </a:ext>
+            </a:extLst>
+          </p:cNvPr>
+          <p:cNvPicPr>
+            <a:picLocks noChangeAspect="1"/>
+          </p:cNvPicPr>
+          <p:nvPr/>
+        </p:nvPicPr>
+        <p:blipFill>
+          <a:blip r:embed="rId2"/>
+          <a:stretch>
+            <a:fillRect/>
+          </a:stretch>
+        </p:blipFill>
+        <p:spPr>
+          <a:xfrm>
+            <a:off x="0" y="1853752"/>
+            <a:ext cx="6188808" cy="3150495"/>
+          </a:xfrm>
+          <a:prstGeom prst="rect">
+            <a:avLst/>
+          </a:prstGeom>
+        </p:spPr>
+      </p:pic>
+    </p:spTree>
+    <p:extLst>
+      <p:ext uri="{BB962C8B-B14F-4D97-AF65-F5344CB8AC3E}">
+        <p14:creationId xmlns:p14="http://schemas.microsoft.com/office/powerpoint/2010/main" val="3233398846"/>
+      </p:ext>
+    </p:extLst>
+  </p:cSld>
+  <p:clrMapOvr>
+    <a:masterClrMapping/>
+  </p:clrMapOvr>
+</p:sld>
+</file>
+
+<file path=ppt/slides/slide16.xml><?xml version="1.0" encoding="utf-8"?>
+<p:sld xmlns:a="http://schemas.openxmlformats.org/drawingml/2006/main" xmlns:r="http://schemas.openxmlformats.org/officeDocument/2006/relationships" xmlns:p="http://schemas.openxmlformats.org/presentationml/2006/main">
+  <p:cSld>
+    <p:spTree>
+      <p:nvGrpSpPr>
+        <p:cNvPr id="1" name=""/>
+        <p:cNvGrpSpPr/>
+        <p:nvPr/>
+      </p:nvGrpSpPr>
+      <p:grpSpPr>
+        <a:xfrm>
+          <a:off x="0" y="0"/>
+          <a:ext cx="0" cy="0"/>
+          <a:chOff x="0" y="0"/>
+          <a:chExt cx="0" cy="0"/>
+        </a:xfrm>
+      </p:grpSpPr>
+      <p:sp>
+        <p:nvSpPr>
+          <p:cNvPr id="2" name="Title 1">
+            <a:extLst>
+              <a:ext uri="{FF2B5EF4-FFF2-40B4-BE49-F238E27FC236}">
+                <a16:creationId xmlns:a16="http://schemas.microsoft.com/office/drawing/2014/main" id="{0D8B4B08-CBB4-F998-9552-33D61BD2A054}"/>
+              </a:ext>
+            </a:extLst>
+          </p:cNvPr>
+          <p:cNvSpPr>
+            <a:spLocks noGrp="1"/>
+          </p:cNvSpPr>
+          <p:nvPr>
+            <p:ph type="title"/>
+          </p:nvPr>
+        </p:nvSpPr>
+        <p:spPr/>
+        <p:txBody>
+          <a:bodyPr/>
+          <a:lstStyle/>
+          <a:p>
+            <a:endParaRPr lang="en-US"/>
+          </a:p>
+        </p:txBody>
+      </p:sp>
+      <p:sp>
+        <p:nvSpPr>
+          <p:cNvPr id="3" name="Content Placeholder 2">
+            <a:extLst>
+              <a:ext uri="{FF2B5EF4-FFF2-40B4-BE49-F238E27FC236}">
+                <a16:creationId xmlns:a16="http://schemas.microsoft.com/office/drawing/2014/main" id="{3E3270D2-FA25-6E08-FB0E-51B8FD13E8E6}"/>
+              </a:ext>
+            </a:extLst>
+          </p:cNvPr>
+          <p:cNvSpPr>
+            <a:spLocks noGrp="1"/>
+          </p:cNvSpPr>
+          <p:nvPr>
+            <p:ph idx="1"/>
+          </p:nvPr>
+        </p:nvSpPr>
+        <p:spPr/>
+        <p:txBody>
+          <a:bodyPr/>
+          <a:lstStyle/>
+          <a:p>
+            <a:endParaRPr lang="en-US" dirty="0"/>
+          </a:p>
+        </p:txBody>
+      </p:sp>
+      <p:pic>
+        <p:nvPicPr>
+          <p:cNvPr id="1026" name="Picture 2" descr="6 Best Data Structures and Algorithms Courses for Python Developers to  Learn in 2024 | by javinpaul | Becoming Human: Artificial Intelligence  Magazine">
+            <a:extLst>
+              <a:ext uri="{FF2B5EF4-FFF2-40B4-BE49-F238E27FC236}">
+                <a16:creationId xmlns:a16="http://schemas.microsoft.com/office/drawing/2014/main" id="{66DA513C-5438-3D5B-1BD4-E1737434C9FE}"/>
+              </a:ext>
+            </a:extLst>
+          </p:cNvPr>
+          <p:cNvPicPr>
+            <a:picLocks noChangeAspect="1" noChangeArrowheads="1"/>
+          </p:cNvPicPr>
+          <p:nvPr/>
+        </p:nvPicPr>
+        <p:blipFill>
+          <a:blip r:embed="rId2">
+            <a:extLst>
+              <a:ext uri="{28A0092B-C50C-407E-A947-70E740481C1C}">
+                <a14:useLocalDpi xmlns:a14="http://schemas.microsoft.com/office/drawing/2010/main" val="0"/>
+              </a:ext>
+            </a:extLst>
+          </a:blip>
+          <a:srcRect/>
+          <a:stretch>
+            <a:fillRect/>
+          </a:stretch>
+        </p:blipFill>
+        <p:spPr bwMode="auto">
+          <a:xfrm>
+            <a:off x="1358900" y="184150"/>
+            <a:ext cx="9474200" cy="6489700"/>
+          </a:xfrm>
+          <a:prstGeom prst="rect">
+            <a:avLst/>
+          </a:prstGeom>
+          <a:noFill/>
+          <a:extLst>
+            <a:ext uri="{909E8E84-426E-40DD-AFC4-6F175D3DCCD1}">
+              <a14:hiddenFill xmlns:a14="http://schemas.microsoft.com/office/drawing/2010/main">
+                <a:solidFill>
+                  <a:srgbClr val="FFFFFF"/>
+                </a:solidFill>
+              </a14:hiddenFill>
+            </a:ext>
+          </a:extLst>
+        </p:spPr>
+      </p:pic>
+    </p:spTree>
+    <p:extLst>
+      <p:ext uri="{BB962C8B-B14F-4D97-AF65-F5344CB8AC3E}">
+        <p14:creationId xmlns:p14="http://schemas.microsoft.com/office/powerpoint/2010/main" val="3905227621"/>
+      </p:ext>
+    </p:extLst>
+  </p:cSld>
+  <p:clrMapOvr>
+    <a:masterClrMapping/>
+  </p:clrMapOvr>
+</p:sld>
+</file>
+
+<file path=ppt/slides/slide17.xml><?xml version="1.0" encoding="utf-8"?>
+<p:sld xmlns:a="http://schemas.openxmlformats.org/drawingml/2006/main" xmlns:r="http://schemas.openxmlformats.org/officeDocument/2006/relationships" xmlns:p="http://schemas.openxmlformats.org/presentationml/2006/main">
+  <p:cSld>
+    <p:spTree>
+      <p:nvGrpSpPr>
+        <p:cNvPr id="1" name=""/>
+        <p:cNvGrpSpPr/>
+        <p:nvPr/>
+      </p:nvGrpSpPr>
+      <p:grpSpPr>
+        <a:xfrm>
+          <a:off x="0" y="0"/>
+          <a:ext cx="0" cy="0"/>
+          <a:chOff x="0" y="0"/>
+          <a:chExt cx="0" cy="0"/>
+        </a:xfrm>
+      </p:grpSpPr>
+      <p:sp>
+        <p:nvSpPr>
+          <p:cNvPr id="2" name="Title 1">
+            <a:extLst>
+              <a:ext uri="{FF2B5EF4-FFF2-40B4-BE49-F238E27FC236}">
+                <a16:creationId xmlns:a16="http://schemas.microsoft.com/office/drawing/2014/main" id="{8D1910CD-8C5C-33E4-5B51-17363D4AAEB7}"/>
+              </a:ext>
+            </a:extLst>
+          </p:cNvPr>
+          <p:cNvSpPr>
+            <a:spLocks noGrp="1"/>
+          </p:cNvSpPr>
+          <p:nvPr>
+            <p:ph type="title"/>
+          </p:nvPr>
+        </p:nvSpPr>
+        <p:spPr/>
+        <p:txBody>
+          <a:bodyPr/>
+          <a:lstStyle/>
+          <a:p>
+            <a:r>
+              <a:rPr lang="en-US" dirty="0"/>
+              <a:t>Computer Science Detour – Compliers and interpreters</a:t>
+            </a:r>
+          </a:p>
+        </p:txBody>
+      </p:sp>
+      <p:sp>
+        <p:nvSpPr>
+          <p:cNvPr id="3" name="Content Placeholder 2">
+            <a:extLst>
+              <a:ext uri="{FF2B5EF4-FFF2-40B4-BE49-F238E27FC236}">
+                <a16:creationId xmlns:a16="http://schemas.microsoft.com/office/drawing/2014/main" id="{0FA45BBC-0529-7EE6-262E-727B2A58D171}"/>
+              </a:ext>
+            </a:extLst>
+          </p:cNvPr>
+          <p:cNvSpPr>
+            <a:spLocks noGrp="1"/>
+          </p:cNvSpPr>
+          <p:nvPr>
+            <p:ph idx="1"/>
+          </p:nvPr>
+        </p:nvSpPr>
+        <p:spPr>
+          <a:xfrm>
+            <a:off x="4521051" y="1853754"/>
+            <a:ext cx="7670949" cy="4255053"/>
+          </a:xfrm>
+        </p:spPr>
+        <p:txBody>
+          <a:bodyPr>
+            <a:normAutofit lnSpcReduction="10000"/>
+          </a:bodyPr>
+          <a:lstStyle/>
+          <a:p>
+            <a:r>
+              <a:rPr lang="en-US" dirty="0"/>
+              <a:t>Python is an interpreted language – we run code and get results.  </a:t>
+            </a:r>
+          </a:p>
+          <a:p>
+            <a:pPr lvl="1"/>
+            <a:r>
+              <a:rPr lang="en-US" dirty="0"/>
+              <a:t>Also JavaScript, Ruby, PHP.  Sometimes called scripting languages. </a:t>
+            </a:r>
+          </a:p>
+          <a:p>
+            <a:r>
+              <a:rPr lang="en-US" dirty="0"/>
+              <a:t>Other languages are compiled – we compile our code into machine code then run that. </a:t>
+            </a:r>
+          </a:p>
+          <a:p>
+            <a:pPr lvl="1"/>
+            <a:r>
+              <a:rPr lang="en-US" dirty="0"/>
+              <a:t>E.g. C/C++, Java, C#, most things that you install and run. </a:t>
+            </a:r>
+          </a:p>
+          <a:p>
+            <a:r>
+              <a:rPr lang="en-US" dirty="0"/>
+              <a:t>The compiler creates the code that the computer uses.  </a:t>
+            </a:r>
+          </a:p>
+          <a:p>
+            <a:pPr lvl="1"/>
+            <a:r>
+              <a:rPr lang="en-US" dirty="0"/>
+              <a:t>The compiler is very smart – it makes our code better. </a:t>
+            </a:r>
+          </a:p>
+          <a:p>
+            <a:pPr lvl="1"/>
+            <a:r>
+              <a:rPr lang="en-US" dirty="0"/>
+              <a:t>It will try to optimize for efficiency, memory use, and errors. </a:t>
+            </a:r>
+          </a:p>
+          <a:p>
+            <a:r>
+              <a:rPr lang="en-US" dirty="0"/>
+              <a:t>Interpreted is easier to write, read, use, and revise. </a:t>
+            </a:r>
+          </a:p>
+          <a:p>
+            <a:r>
+              <a:rPr lang="en-US" dirty="0"/>
+              <a:t>Compiled is faster, more efficient, and better for “large” progs. </a:t>
+            </a:r>
+          </a:p>
+        </p:txBody>
+      </p:sp>
+      <p:pic>
+        <p:nvPicPr>
+          <p:cNvPr id="4104" name="Picture 8" descr="Blurred Lines: Is Ruby an interpreted language and what does that even  mean? | by Manuel Grullon | Medium">
+            <a:extLst>
+              <a:ext uri="{FF2B5EF4-FFF2-40B4-BE49-F238E27FC236}">
+                <a16:creationId xmlns:a16="http://schemas.microsoft.com/office/drawing/2014/main" id="{120213F4-F074-F5C5-4D3F-A3D1BA222AAE}"/>
+              </a:ext>
+            </a:extLst>
+          </p:cNvPr>
+          <p:cNvPicPr>
+            <a:picLocks noChangeAspect="1" noChangeArrowheads="1"/>
+          </p:cNvPicPr>
+          <p:nvPr/>
+        </p:nvPicPr>
+        <p:blipFill>
+          <a:blip r:embed="rId2">
+            <a:extLst>
+              <a:ext uri="{28A0092B-C50C-407E-A947-70E740481C1C}">
+                <a14:useLocalDpi xmlns:a14="http://schemas.microsoft.com/office/drawing/2010/main" val="0"/>
+              </a:ext>
+            </a:extLst>
+          </a:blip>
+          <a:srcRect/>
+          <a:stretch>
+            <a:fillRect/>
+          </a:stretch>
+        </p:blipFill>
+        <p:spPr bwMode="auto">
+          <a:xfrm>
+            <a:off x="0" y="1900242"/>
+            <a:ext cx="4521051" cy="3104005"/>
+          </a:xfrm>
+          <a:prstGeom prst="rect">
+            <a:avLst/>
+          </a:prstGeom>
+          <a:noFill/>
+          <a:extLst>
+            <a:ext uri="{909E8E84-426E-40DD-AFC4-6F175D3DCCD1}">
+              <a14:hiddenFill xmlns:a14="http://schemas.microsoft.com/office/drawing/2010/main">
+                <a:solidFill>
+                  <a:srgbClr val="FFFFFF"/>
+                </a:solidFill>
+              </a14:hiddenFill>
+            </a:ext>
+          </a:extLst>
+        </p:spPr>
+      </p:pic>
+    </p:spTree>
+    <p:extLst>
+      <p:ext uri="{BB962C8B-B14F-4D97-AF65-F5344CB8AC3E}">
+        <p14:creationId xmlns:p14="http://schemas.microsoft.com/office/powerpoint/2010/main" val="3821680289"/>
+      </p:ext>
+    </p:extLst>
+  </p:cSld>
+  <p:clrMapOvr>
+    <a:masterClrMapping/>
+  </p:clrMapOvr>
+</p:sld>
+</file>
+
+<file path=ppt/slides/slide18.xml><?xml version="1.0" encoding="utf-8"?>
+<p:sld xmlns:a="http://schemas.openxmlformats.org/drawingml/2006/main" xmlns:r="http://schemas.openxmlformats.org/officeDocument/2006/relationships" xmlns:p="http://schemas.openxmlformats.org/presentationml/2006/main">
+  <p:cSld>
+    <p:spTree>
+      <p:nvGrpSpPr>
+        <p:cNvPr id="1" name=""/>
+        <p:cNvGrpSpPr/>
+        <p:nvPr/>
+      </p:nvGrpSpPr>
+      <p:grpSpPr>
+        <a:xfrm>
+          <a:off x="0" y="0"/>
+          <a:ext cx="0" cy="0"/>
+          <a:chOff x="0" y="0"/>
+          <a:chExt cx="0" cy="0"/>
+        </a:xfrm>
+      </p:grpSpPr>
+      <p:sp>
+        <p:nvSpPr>
+          <p:cNvPr id="2" name="Title 1">
+            <a:extLst>
+              <a:ext uri="{FF2B5EF4-FFF2-40B4-BE49-F238E27FC236}">
+                <a16:creationId xmlns:a16="http://schemas.microsoft.com/office/drawing/2014/main" id="{2E155AB3-8F30-E97D-B111-21CEA59F12FA}"/>
+              </a:ext>
+            </a:extLst>
+          </p:cNvPr>
+          <p:cNvSpPr>
+            <a:spLocks noGrp="1"/>
+          </p:cNvSpPr>
+          <p:nvPr>
+            <p:ph type="title"/>
+          </p:nvPr>
+        </p:nvSpPr>
+        <p:spPr/>
+        <p:txBody>
+          <a:bodyPr/>
+          <a:lstStyle/>
+          <a:p>
+            <a:r>
+              <a:rPr lang="en-US" dirty="0"/>
+              <a:t>Unordered Data Structures</a:t>
+            </a:r>
+          </a:p>
+        </p:txBody>
+      </p:sp>
+      <p:sp>
+        <p:nvSpPr>
+          <p:cNvPr id="3" name="Content Placeholder 2">
+            <a:extLst>
+              <a:ext uri="{FF2B5EF4-FFF2-40B4-BE49-F238E27FC236}">
+                <a16:creationId xmlns:a16="http://schemas.microsoft.com/office/drawing/2014/main" id="{D672F9F4-7DC6-EC62-5846-698947A5333D}"/>
+              </a:ext>
+            </a:extLst>
+          </p:cNvPr>
+          <p:cNvSpPr>
+            <a:spLocks noGrp="1"/>
+          </p:cNvSpPr>
+          <p:nvPr>
+            <p:ph idx="1"/>
+          </p:nvPr>
+        </p:nvSpPr>
+        <p:spPr>
+          <a:xfrm>
+            <a:off x="1451579" y="1853755"/>
+            <a:ext cx="9603275" cy="1754418"/>
+          </a:xfrm>
+        </p:spPr>
+        <p:txBody>
+          <a:bodyPr/>
+          <a:lstStyle/>
+          <a:p>
+            <a:r>
+              <a:rPr lang="en-US" dirty="0"/>
+              <a:t>Some data structures hold data without maintaining indices or positions for objects. </a:t>
+            </a:r>
+          </a:p>
+          <a:p>
+            <a:r>
+              <a:rPr lang="en-US" dirty="0"/>
+              <a:t>Interactions with unordered structures is different:</a:t>
+            </a:r>
+          </a:p>
+          <a:p>
+            <a:pPr lvl="1"/>
+            <a:r>
+              <a:rPr lang="en-US" dirty="0"/>
+              <a:t>Interactions with ordered data structures are oriented around the index. </a:t>
+            </a:r>
+          </a:p>
+          <a:p>
+            <a:pPr lvl="1"/>
+            <a:r>
+              <a:rPr lang="en-US" dirty="0"/>
+              <a:t>Interactions with unordered data structures are oriented around the item. </a:t>
+            </a:r>
+          </a:p>
+        </p:txBody>
+      </p:sp>
+      <p:pic>
+        <p:nvPicPr>
+          <p:cNvPr id="3074" name="Picture 2" descr="Python Collections — A Quick Comparison | by Sumedh Waghmare | Medium">
+            <a:extLst>
+              <a:ext uri="{FF2B5EF4-FFF2-40B4-BE49-F238E27FC236}">
+                <a16:creationId xmlns:a16="http://schemas.microsoft.com/office/drawing/2014/main" id="{5C891C55-7C12-053F-9BEE-69F425908114}"/>
+              </a:ext>
+            </a:extLst>
+          </p:cNvPr>
+          <p:cNvPicPr>
+            <a:picLocks noChangeAspect="1" noChangeArrowheads="1"/>
+          </p:cNvPicPr>
+          <p:nvPr/>
+        </p:nvPicPr>
+        <p:blipFill>
+          <a:blip r:embed="rId2">
+            <a:extLst>
+              <a:ext uri="{28A0092B-C50C-407E-A947-70E740481C1C}">
+                <a14:useLocalDpi xmlns:a14="http://schemas.microsoft.com/office/drawing/2010/main" val="0"/>
+              </a:ext>
+            </a:extLst>
+          </a:blip>
+          <a:srcRect/>
+          <a:stretch>
+            <a:fillRect/>
+          </a:stretch>
+        </p:blipFill>
+        <p:spPr bwMode="auto">
+          <a:xfrm>
+            <a:off x="2737846" y="3608173"/>
+            <a:ext cx="6716308" cy="3249827"/>
+          </a:xfrm>
+          <a:prstGeom prst="rect">
+            <a:avLst/>
+          </a:prstGeom>
+          <a:noFill/>
+          <a:extLst>
+            <a:ext uri="{909E8E84-426E-40DD-AFC4-6F175D3DCCD1}">
+              <a14:hiddenFill xmlns:a14="http://schemas.microsoft.com/office/drawing/2010/main">
+                <a:solidFill>
+                  <a:srgbClr val="FFFFFF"/>
+                </a:solidFill>
+              </a14:hiddenFill>
+            </a:ext>
+          </a:extLst>
+        </p:spPr>
+      </p:pic>
+    </p:spTree>
+    <p:extLst>
+      <p:ext uri="{BB962C8B-B14F-4D97-AF65-F5344CB8AC3E}">
+        <p14:creationId xmlns:p14="http://schemas.microsoft.com/office/powerpoint/2010/main" val="1615858933"/>
+      </p:ext>
+    </p:extLst>
+  </p:cSld>
+  <p:clrMapOvr>
+    <a:masterClrMapping/>
+  </p:clrMapOvr>
+</p:sld>
+</file>
+
+<file path=ppt/slides/slide19.xml><?xml version="1.0" encoding="utf-8"?>
+<p:sld xmlns:a="http://schemas.openxmlformats.org/drawingml/2006/main" xmlns:r="http://schemas.openxmlformats.org/officeDocument/2006/relationships" xmlns:p="http://schemas.openxmlformats.org/presentationml/2006/main">
+  <p:cSld>
+    <p:spTree>
+      <p:nvGrpSpPr>
+        <p:cNvPr id="1" name=""/>
+        <p:cNvGrpSpPr/>
+        <p:nvPr/>
+      </p:nvGrpSpPr>
+      <p:grpSpPr>
+        <a:xfrm>
+          <a:off x="0" y="0"/>
+          <a:ext cx="0" cy="0"/>
+          <a:chOff x="0" y="0"/>
+          <a:chExt cx="0" cy="0"/>
+        </a:xfrm>
+      </p:grpSpPr>
+      <p:sp>
+        <p:nvSpPr>
+          <p:cNvPr id="2" name="Title 1">
+            <a:extLst>
+              <a:ext uri="{FF2B5EF4-FFF2-40B4-BE49-F238E27FC236}">
+                <a16:creationId xmlns:a16="http://schemas.microsoft.com/office/drawing/2014/main" id="{B9928EEA-8A50-BF74-119E-91EC4BECCD13}"/>
+              </a:ext>
+            </a:extLst>
+          </p:cNvPr>
+          <p:cNvSpPr>
+            <a:spLocks noGrp="1"/>
+          </p:cNvSpPr>
+          <p:nvPr>
+            <p:ph type="title"/>
+          </p:nvPr>
+        </p:nvSpPr>
+        <p:spPr/>
+        <p:txBody>
+          <a:bodyPr/>
+          <a:lstStyle/>
+          <a:p>
+            <a:r>
+              <a:rPr lang="en-US" dirty="0"/>
+              <a:t>Sets</a:t>
+            </a:r>
+          </a:p>
+        </p:txBody>
+      </p:sp>
+      <p:sp>
+        <p:nvSpPr>
+          <p:cNvPr id="3" name="Content Placeholder 2">
+            <a:extLst>
+              <a:ext uri="{FF2B5EF4-FFF2-40B4-BE49-F238E27FC236}">
+                <a16:creationId xmlns:a16="http://schemas.microsoft.com/office/drawing/2014/main" id="{2952F8A5-C80F-8461-B924-594EF7FB5AF4}"/>
+              </a:ext>
+            </a:extLst>
+          </p:cNvPr>
+          <p:cNvSpPr>
+            <a:spLocks noGrp="1"/>
+          </p:cNvSpPr>
+          <p:nvPr>
+            <p:ph idx="1"/>
+          </p:nvPr>
+        </p:nvSpPr>
+        <p:spPr>
+          <a:xfrm>
+            <a:off x="78584" y="1853754"/>
+            <a:ext cx="6499220" cy="4278689"/>
+          </a:xfrm>
+        </p:spPr>
+        <p:txBody>
+          <a:bodyPr>
+            <a:normAutofit/>
+          </a:bodyPr>
+          <a:lstStyle/>
+          <a:p>
+            <a:r>
+              <a:rPr lang="en-US" dirty="0"/>
+              <a:t>Sets are a basic unordered data structure. </a:t>
+            </a:r>
+          </a:p>
+          <a:p>
+            <a:r>
+              <a:rPr lang="en-US" dirty="0"/>
+              <a:t>Sets are largely an implementation of a math set. </a:t>
+            </a:r>
+          </a:p>
+          <a:p>
+            <a:r>
+              <a:rPr lang="en-US" dirty="0"/>
+              <a:t>Set operations allow us a one-step way to do some useful calculations on data. </a:t>
+            </a:r>
+          </a:p>
+          <a:p>
+            <a:r>
+              <a:rPr lang="en-US" dirty="0"/>
+              <a:t>This is also an example of operator overloading – sets redefine operators like “-” to work differently with them.</a:t>
+            </a:r>
+          </a:p>
+          <a:p>
+            <a:pPr lvl="1"/>
+            <a:r>
+              <a:rPr lang="en-US" dirty="0"/>
+              <a:t>Operators are often overloaded for data structures. </a:t>
+            </a:r>
+          </a:p>
+          <a:p>
+            <a:pPr lvl="1"/>
+            <a:r>
+              <a:rPr lang="en-US" dirty="0"/>
+              <a:t>There is a method in the class that says “here’s how subtraction works for this thing”. </a:t>
+            </a:r>
+          </a:p>
+          <a:p>
+            <a:pPr lvl="1"/>
+            <a:r>
+              <a:rPr lang="en-US" dirty="0"/>
+              <a:t>E.g. adding strings concatenates them, adding sets combines.</a:t>
+            </a:r>
+          </a:p>
+        </p:txBody>
+      </p:sp>
+      <p:pic>
+        <p:nvPicPr>
+          <p:cNvPr id="1026" name="Picture 2" descr="入門｜一文帶你了解Python集合與基本的集合運算- 每日頭條">
+            <a:extLst>
+              <a:ext uri="{FF2B5EF4-FFF2-40B4-BE49-F238E27FC236}">
+                <a16:creationId xmlns:a16="http://schemas.microsoft.com/office/drawing/2014/main" id="{4734A5A8-A1A3-1109-C475-462081E2B2C8}"/>
+              </a:ext>
+            </a:extLst>
+          </p:cNvPr>
+          <p:cNvPicPr>
+            <a:picLocks noChangeAspect="1" noChangeArrowheads="1"/>
+          </p:cNvPicPr>
+          <p:nvPr/>
+        </p:nvPicPr>
+        <p:blipFill>
+          <a:blip r:embed="rId2">
+            <a:extLst>
+              <a:ext uri="{28A0092B-C50C-407E-A947-70E740481C1C}">
+                <a14:useLocalDpi xmlns:a14="http://schemas.microsoft.com/office/drawing/2010/main" val="0"/>
+              </a:ext>
+            </a:extLst>
+          </a:blip>
+          <a:srcRect/>
+          <a:stretch>
+            <a:fillRect/>
+          </a:stretch>
+        </p:blipFill>
+        <p:spPr bwMode="auto">
+          <a:xfrm>
+            <a:off x="6577803" y="0"/>
+            <a:ext cx="5535613" cy="6858000"/>
+          </a:xfrm>
+          <a:prstGeom prst="rect">
+            <a:avLst/>
+          </a:prstGeom>
+          <a:noFill/>
+          <a:extLst>
+            <a:ext uri="{909E8E84-426E-40DD-AFC4-6F175D3DCCD1}">
+              <a14:hiddenFill xmlns:a14="http://schemas.microsoft.com/office/drawing/2010/main">
+                <a:solidFill>
+                  <a:srgbClr val="FFFFFF"/>
+                </a:solidFill>
+              </a14:hiddenFill>
+            </a:ext>
+          </a:extLst>
+        </p:spPr>
+      </p:pic>
+    </p:spTree>
+    <p:extLst>
+      <p:ext uri="{BB962C8B-B14F-4D97-AF65-F5344CB8AC3E}">
+        <p14:creationId xmlns:p14="http://schemas.microsoft.com/office/powerpoint/2010/main" val="2822183973"/>
+      </p:ext>
+    </p:extLst>
+  </p:cSld>
+  <p:clrMapOvr>
+    <a:masterClrMapping/>
+  </p:clrMapOvr>
+</p:sld>
+</file>
+
+<file path=ppt/slides/slide2.xml><?xml version="1.0" encoding="utf-8"?>
+<p:sld xmlns:a="http://schemas.openxmlformats.org/drawingml/2006/main" xmlns:r="http://schemas.openxmlformats.org/officeDocument/2006/relationships" xmlns:p="http://schemas.openxmlformats.org/presentationml/2006/main">
+  <p:cSld>
+    <p:spTree>
+      <p:nvGrpSpPr>
+        <p:cNvPr id="1" name=""/>
+        <p:cNvGrpSpPr/>
+        <p:nvPr/>
+      </p:nvGrpSpPr>
+      <p:grpSpPr>
+        <a:xfrm>
+          <a:off x="0" y="0"/>
+          <a:ext cx="0" cy="0"/>
+          <a:chOff x="0" y="0"/>
+          <a:chExt cx="0" cy="0"/>
+        </a:xfrm>
+      </p:grpSpPr>
+      <p:sp>
+        <p:nvSpPr>
+          <p:cNvPr id="2" name="Title 1">
+            <a:extLst>
+              <a:ext uri="{FF2B5EF4-FFF2-40B4-BE49-F238E27FC236}">
+                <a16:creationId xmlns:a16="http://schemas.microsoft.com/office/drawing/2014/main" id="{974AF395-C99D-8716-CC1F-B498D8758B50}"/>
+              </a:ext>
+            </a:extLst>
+          </p:cNvPr>
+          <p:cNvSpPr>
+            <a:spLocks noGrp="1"/>
+          </p:cNvSpPr>
+          <p:nvPr>
+            <p:ph type="title"/>
+          </p:nvPr>
+        </p:nvSpPr>
+        <p:spPr/>
+        <p:txBody>
+          <a:bodyPr/>
+          <a:lstStyle/>
+          <a:p>
+            <a:r>
+              <a:rPr lang="en-US" dirty="0"/>
+              <a:t>Objects and Classes - Review</a:t>
+            </a:r>
+          </a:p>
+        </p:txBody>
+      </p:sp>
+      <p:sp>
+        <p:nvSpPr>
+          <p:cNvPr id="3" name="Content Placeholder 2">
+            <a:extLst>
+              <a:ext uri="{FF2B5EF4-FFF2-40B4-BE49-F238E27FC236}">
+                <a16:creationId xmlns:a16="http://schemas.microsoft.com/office/drawing/2014/main" id="{FC87C400-EC50-0AD7-565D-A50DA23146D1}"/>
+              </a:ext>
+            </a:extLst>
+          </p:cNvPr>
+          <p:cNvSpPr>
+            <a:spLocks noGrp="1"/>
+          </p:cNvSpPr>
+          <p:nvPr>
+            <p:ph idx="1"/>
+          </p:nvPr>
+        </p:nvSpPr>
+        <p:spPr>
+          <a:xfrm>
+            <a:off x="1451579" y="2015732"/>
+            <a:ext cx="9603275" cy="4037749"/>
+          </a:xfrm>
+        </p:spPr>
+        <p:txBody>
+          <a:bodyPr/>
+          <a:lstStyle/>
+          <a:p>
+            <a:r>
+              <a:rPr lang="en-US" dirty="0"/>
+              <a:t>In python everything that we create is an object. </a:t>
+            </a:r>
+          </a:p>
+          <a:p>
+            <a:pPr lvl="1"/>
+            <a:r>
+              <a:rPr lang="en-US" dirty="0"/>
+              <a:t>A “thing” in the memory of the program that we refer to with a variable name. </a:t>
+            </a:r>
+          </a:p>
+          <a:p>
+            <a:pPr lvl="1"/>
+            <a:r>
+              <a:rPr lang="en-US" dirty="0"/>
+              <a:t>E.g. Strings, </a:t>
+            </a:r>
+            <a:r>
+              <a:rPr lang="en-US" dirty="0" err="1"/>
+              <a:t>dataframes</a:t>
+            </a:r>
+            <a:r>
+              <a:rPr lang="en-US" dirty="0"/>
+              <a:t>, lists, </a:t>
+            </a:r>
+            <a:r>
+              <a:rPr lang="en-US" dirty="0" err="1"/>
+              <a:t>etc</a:t>
+            </a:r>
+            <a:r>
+              <a:rPr lang="en-US" dirty="0"/>
+              <a:t>…</a:t>
+            </a:r>
+          </a:p>
+          <a:p>
+            <a:r>
+              <a:rPr lang="en-US" dirty="0"/>
+              <a:t>An object is defined by a class, where the code for that object lies. </a:t>
+            </a:r>
+          </a:p>
+          <a:p>
+            <a:r>
+              <a:rPr lang="en-US" dirty="0"/>
+              <a:t>In a class, we define an object (mainly) by two things:</a:t>
+            </a:r>
+          </a:p>
+          <a:p>
+            <a:pPr lvl="1"/>
+            <a:r>
+              <a:rPr lang="en-US" dirty="0"/>
+              <a:t>What an object “is” – the attributes (data) that it holds.  </a:t>
+            </a:r>
+          </a:p>
+          <a:p>
+            <a:pPr lvl="1"/>
+            <a:r>
+              <a:rPr lang="en-US" dirty="0"/>
+              <a:t>What an object “does” – the methods (functions) that we can call. </a:t>
+            </a:r>
+          </a:p>
+          <a:p>
+            <a:r>
+              <a:rPr lang="en-US" dirty="0"/>
+              <a:t>We can make this to model real (or ‘internal’ things) and reuse those things as needed.</a:t>
+            </a:r>
+          </a:p>
+        </p:txBody>
+      </p:sp>
+    </p:spTree>
+    <p:extLst>
+      <p:ext uri="{BB962C8B-B14F-4D97-AF65-F5344CB8AC3E}">
+        <p14:creationId xmlns:p14="http://schemas.microsoft.com/office/powerpoint/2010/main" val="1864580953"/>
+      </p:ext>
+    </p:extLst>
+  </p:cSld>
+  <p:clrMapOvr>
+    <a:masterClrMapping/>
+  </p:clrMapOvr>
+</p:sld>
+</file>
+
+<file path=ppt/slides/slide20.xml><?xml version="1.0" encoding="utf-8"?>
 <p:sld xmlns:a="http://schemas.openxmlformats.org/drawingml/2006/main" xmlns:r="http://schemas.openxmlformats.org/officeDocument/2006/relationships" xmlns:p="http://schemas.openxmlformats.org/presentationml/2006/main">
   <p:cSld>
     <p:spTree>
@@ -3912,7 +5765,7 @@
 </p:sld>
 </file>
 
-<file path=ppt/slides/slide11.xml><?xml version="1.0" encoding="utf-8"?>
+<file path=ppt/slides/slide21.xml><?xml version="1.0" encoding="utf-8"?>
 <p:sld xmlns:a="http://schemas.openxmlformats.org/drawingml/2006/main" xmlns:r="http://schemas.openxmlformats.org/officeDocument/2006/relationships" xmlns:p="http://schemas.openxmlformats.org/presentationml/2006/main">
   <p:cSld>
     <p:bg>
@@ -4006,13 +5859,13 @@
         </p:nvSpPr>
         <p:spPr>
           <a:xfrm>
-            <a:off x="1451579" y="2015734"/>
-            <a:ext cx="4162555" cy="4037747"/>
+            <a:off x="58336" y="1853754"/>
+            <a:ext cx="10996517" cy="4199727"/>
           </a:xfrm>
         </p:spPr>
         <p:txBody>
           <a:bodyPr>
-            <a:normAutofit/>
+            <a:normAutofit lnSpcReduction="10000"/>
           </a:bodyPr>
           <a:lstStyle/>
           <a:p>
@@ -4063,6 +5916,24 @@
             <a:r>
               <a:rPr lang="en-US" dirty="0"/>
               <a:t>[“Alex”]</a:t>
+            </a:r>
+          </a:p>
+          <a:p>
+            <a:r>
+              <a:rPr lang="en-US" dirty="0"/>
+              <a:t>Dictionaries are great for looking up specific items. </a:t>
+            </a:r>
+          </a:p>
+          <a:p>
+            <a:r>
+              <a:rPr lang="en-US" dirty="0"/>
+              <a:t>Common for providing ‘bundles’ of arguments, where some are optional. E.g. seaborn. </a:t>
+            </a:r>
+          </a:p>
+          <a:p>
+            <a:r>
+              <a:rPr lang="en-US" dirty="0"/>
+              <a:t>Dictionaries are recently ‘ordered’ – meaning that things will stay in the same order, like a list. </a:t>
             </a:r>
           </a:p>
         </p:txBody>
@@ -4126,7 +5997,7 @@
 </p:sld>
 </file>
 
-<file path=ppt/slides/slide12.xml><?xml version="1.0" encoding="utf-8"?>
+<file path=ppt/slides/slide22.xml><?xml version="1.0" encoding="utf-8"?>
 <p:sld xmlns:a="http://schemas.openxmlformats.org/drawingml/2006/main" xmlns:r="http://schemas.openxmlformats.org/officeDocument/2006/relationships" xmlns:p="http://schemas.openxmlformats.org/presentationml/2006/main">
   <p:cSld>
     <p:spTree>
@@ -4148,6 +6019,98 @@
           <p:cNvPr id="2" name="Title 1">
             <a:extLst>
               <a:ext uri="{FF2B5EF4-FFF2-40B4-BE49-F238E27FC236}">
+                <a16:creationId xmlns:a16="http://schemas.microsoft.com/office/drawing/2014/main" id="{836E4962-1A18-6FE5-85A9-F249B0507B60}"/>
+              </a:ext>
+            </a:extLst>
+          </p:cNvPr>
+          <p:cNvSpPr>
+            <a:spLocks noGrp="1"/>
+          </p:cNvSpPr>
+          <p:nvPr>
+            <p:ph type="title"/>
+          </p:nvPr>
+        </p:nvSpPr>
+        <p:spPr/>
+        <p:txBody>
+          <a:bodyPr/>
+          <a:lstStyle/>
+          <a:p>
+            <a:r>
+              <a:rPr lang="en-US" dirty="0"/>
+              <a:t>Less Common Data Structures</a:t>
+            </a:r>
+          </a:p>
+        </p:txBody>
+      </p:sp>
+      <p:sp>
+        <p:nvSpPr>
+          <p:cNvPr id="3" name="Content Placeholder 2">
+            <a:extLst>
+              <a:ext uri="{FF2B5EF4-FFF2-40B4-BE49-F238E27FC236}">
+                <a16:creationId xmlns:a16="http://schemas.microsoft.com/office/drawing/2014/main" id="{AA33D3B7-0389-6E5B-33CF-99944DD8854A}"/>
+              </a:ext>
+            </a:extLst>
+          </p:cNvPr>
+          <p:cNvSpPr>
+            <a:spLocks noGrp="1"/>
+          </p:cNvSpPr>
+          <p:nvPr>
+            <p:ph idx="1"/>
+          </p:nvPr>
+        </p:nvSpPr>
+        <p:spPr/>
+        <p:txBody>
+          <a:bodyPr/>
+          <a:lstStyle/>
+          <a:p>
+            <a:r>
+              <a:rPr lang="en-US" dirty="0"/>
+              <a:t>There are some other data structures that we don’t see that often for DS work…</a:t>
+            </a:r>
+          </a:p>
+          <a:p>
+            <a:r>
+              <a:rPr lang="en-US" dirty="0"/>
+              <a:t>These aren’t fundamental built-in types in Python, but there are common. </a:t>
+            </a:r>
+          </a:p>
+        </p:txBody>
+      </p:sp>
+    </p:spTree>
+    <p:extLst>
+      <p:ext uri="{BB962C8B-B14F-4D97-AF65-F5344CB8AC3E}">
+        <p14:creationId xmlns:p14="http://schemas.microsoft.com/office/powerpoint/2010/main" val="1286006945"/>
+      </p:ext>
+    </p:extLst>
+  </p:cSld>
+  <p:clrMapOvr>
+    <a:masterClrMapping/>
+  </p:clrMapOvr>
+</p:sld>
+</file>
+
+<file path=ppt/slides/slide23.xml><?xml version="1.0" encoding="utf-8"?>
+<p:sld xmlns:a="http://schemas.openxmlformats.org/drawingml/2006/main" xmlns:r="http://schemas.openxmlformats.org/officeDocument/2006/relationships" xmlns:p="http://schemas.openxmlformats.org/presentationml/2006/main">
+  <p:cSld>
+    <p:spTree>
+      <p:nvGrpSpPr>
+        <p:cNvPr id="1" name=""/>
+        <p:cNvGrpSpPr/>
+        <p:nvPr/>
+      </p:nvGrpSpPr>
+      <p:grpSpPr>
+        <a:xfrm>
+          <a:off x="0" y="0"/>
+          <a:ext cx="0" cy="0"/>
+          <a:chOff x="0" y="0"/>
+          <a:chExt cx="0" cy="0"/>
+        </a:xfrm>
+      </p:grpSpPr>
+      <p:sp>
+        <p:nvSpPr>
+          <p:cNvPr id="2" name="Title 1">
+            <a:extLst>
+              <a:ext uri="{FF2B5EF4-FFF2-40B4-BE49-F238E27FC236}">
                 <a16:creationId xmlns:a16="http://schemas.microsoft.com/office/drawing/2014/main" id="{30B7E84D-E3F7-7045-BB34-07CDEBF49E4E}"/>
               </a:ext>
             </a:extLst>
@@ -4190,7 +6153,7 @@
         <p:spPr>
           <a:xfrm>
             <a:off x="1451579" y="2658273"/>
-            <a:ext cx="9603275" cy="2808072"/>
+            <a:ext cx="9603275" cy="3395208"/>
           </a:xfrm>
         </p:spPr>
         <p:txBody>
@@ -4226,6 +6189,12 @@
             <a:r>
               <a:rPr lang="en-US" dirty="0"/>
               <a:t>We can import a queue module. </a:t>
+            </a:r>
+          </a:p>
+          <a:p>
+            <a:r>
+              <a:rPr lang="en-US" dirty="0"/>
+              <a:t>Efficiency example – an efficient queue doesn’t shift every item one position every time something is removed, especially as they get large. </a:t>
             </a:r>
           </a:p>
         </p:txBody>
@@ -4290,7 +6259,7 @@
 </p:sld>
 </file>
 
-<file path=ppt/slides/slide13.xml><?xml version="1.0" encoding="utf-8"?>
+<file path=ppt/slides/slide24.xml><?xml version="1.0" encoding="utf-8"?>
 <p:sld xmlns:a="http://schemas.openxmlformats.org/drawingml/2006/main" xmlns:r="http://schemas.openxmlformats.org/officeDocument/2006/relationships" xmlns:p="http://schemas.openxmlformats.org/presentationml/2006/main">
   <p:cSld>
     <p:bg>
@@ -4481,7 +6450,7 @@
 </p:sld>
 </file>
 
-<file path=ppt/slides/slide14.xml><?xml version="1.0" encoding="utf-8"?>
+<file path=ppt/slides/slide25.xml><?xml version="1.0" encoding="utf-8"?>
 <p:sld xmlns:a="http://schemas.openxmlformats.org/drawingml/2006/main" xmlns:r="http://schemas.openxmlformats.org/officeDocument/2006/relationships" xmlns:p="http://schemas.openxmlformats.org/presentationml/2006/main">
   <p:cSld>
     <p:spTree>
@@ -4544,12 +6513,14 @@
         </p:nvSpPr>
         <p:spPr>
           <a:xfrm>
-            <a:off x="1451579" y="2015732"/>
-            <a:ext cx="9603275" cy="4037749"/>
+            <a:off x="1212574" y="1928192"/>
+            <a:ext cx="10088217" cy="4125290"/>
           </a:xfrm>
         </p:spPr>
         <p:txBody>
-          <a:bodyPr/>
+          <a:bodyPr>
+            <a:normAutofit/>
+          </a:bodyPr>
           <a:lstStyle/>
           <a:p>
             <a:r>
@@ -4582,6 +6553,13 @@
             <a:r>
               <a:rPr lang="en-US" dirty="0"/>
               <a:t>If we need to track order, a dictionary is less useful than a list. </a:t>
+            </a:r>
+          </a:p>
+          <a:p>
+            <a:pPr lvl="1"/>
+            <a:r>
+              <a:rPr lang="en-US" dirty="0"/>
+              <a:t>For DS applications, it is usually pretty obvious. For other scenarios, we need to think. </a:t>
             </a:r>
           </a:p>
           <a:p>
@@ -4611,6 +6589,12 @@
             <a:r>
               <a:rPr lang="en-US" dirty="0"/>
               <a:t>()” function if needed. </a:t>
+            </a:r>
+          </a:p>
+          <a:p>
+            <a:r>
+              <a:rPr lang="en-US" dirty="0"/>
+              <a:t>Our new Class skills allow us to make a new data structure of container + what we want.</a:t>
             </a:r>
           </a:p>
         </p:txBody>
@@ -4628,7 +6612,7 @@
 </p:sld>
 </file>
 
-<file path=ppt/slides/slide15.xml><?xml version="1.0" encoding="utf-8"?>
+<file path=ppt/slides/slide26.xml><?xml version="1.0" encoding="utf-8"?>
 <p:sld xmlns:a="http://schemas.openxmlformats.org/drawingml/2006/main" xmlns:r="http://schemas.openxmlformats.org/officeDocument/2006/relationships" xmlns:p="http://schemas.openxmlformats.org/presentationml/2006/main">
   <p:cSld>
     <p:spTree>
@@ -4650,7 +6634,7 @@
           <p:cNvPr id="2" name="Title 1">
             <a:extLst>
               <a:ext uri="{FF2B5EF4-FFF2-40B4-BE49-F238E27FC236}">
-                <a16:creationId xmlns:a16="http://schemas.microsoft.com/office/drawing/2014/main" id="{F14A2F31-7AEC-4A26-4F6D-F9210889D928}"/>
+                <a16:creationId xmlns:a16="http://schemas.microsoft.com/office/drawing/2014/main" id="{CAEDF5F7-7A3F-F4B3-244A-CA9E437D2278}"/>
               </a:ext>
             </a:extLst>
           </p:cNvPr>
@@ -4661,14 +6645,19 @@
             <p:ph type="title"/>
           </p:nvPr>
         </p:nvSpPr>
-        <p:spPr/>
-        <p:txBody>
-          <a:bodyPr/>
-          <a:lstStyle/>
-          <a:p>
-            <a:r>
-              <a:rPr lang="en-US" dirty="0"/>
-              <a:t>Data Structure Life</a:t>
+        <p:spPr>
+          <a:xfrm>
+            <a:off x="4979773" y="804519"/>
+            <a:ext cx="6075081" cy="1049235"/>
+          </a:xfrm>
+        </p:spPr>
+        <p:txBody>
+          <a:bodyPr/>
+          <a:lstStyle/>
+          <a:p>
+            <a:r>
+              <a:rPr lang="en-US" dirty="0"/>
+              <a:t>Selecting Data Structures</a:t>
             </a:r>
           </a:p>
         </p:txBody>
@@ -4678,7 +6667,7 @@
           <p:cNvPr id="3" name="Content Placeholder 2">
             <a:extLst>
               <a:ext uri="{FF2B5EF4-FFF2-40B4-BE49-F238E27FC236}">
-                <a16:creationId xmlns:a16="http://schemas.microsoft.com/office/drawing/2014/main" id="{8AC7408A-3D10-2FEF-1794-22C105619E4E}"/>
+                <a16:creationId xmlns:a16="http://schemas.microsoft.com/office/drawing/2014/main" id="{47B2830C-DE73-C726-5302-1D1F538DA4D7}"/>
               </a:ext>
             </a:extLst>
           </p:cNvPr>
@@ -4691,8 +6680,8 @@
         </p:nvSpPr>
         <p:spPr>
           <a:xfrm>
-            <a:off x="1451579" y="1948070"/>
-            <a:ext cx="9603275" cy="3975652"/>
+            <a:off x="4979773" y="1853753"/>
+            <a:ext cx="6967062" cy="4199727"/>
           </a:xfrm>
         </p:spPr>
         <p:txBody>
@@ -4701,7 +6690,40 @@
           <a:p>
             <a:r>
               <a:rPr lang="en-US" dirty="0"/>
-              <a:t>In data science, we will mainly use </a:t>
+              <a:t>The ‘right’ data structure depends on usage. </a:t>
+            </a:r>
+          </a:p>
+          <a:p>
+            <a:r>
+              <a:rPr lang="en-US" dirty="0"/>
+              <a:t>Generally defined by ease or cost of doing typical actions:</a:t>
+            </a:r>
+          </a:p>
+          <a:p>
+            <a:pPr lvl="1"/>
+            <a:r>
+              <a:rPr lang="en-US" dirty="0"/>
+              <a:t>Looking things up by index is fast in a list. </a:t>
+            </a:r>
+          </a:p>
+          <a:p>
+            <a:pPr lvl="1"/>
+            <a:r>
+              <a:rPr lang="en-US" dirty="0"/>
+              <a:t>Searching for things by key is fast in a dictionary. </a:t>
+            </a:r>
+          </a:p>
+          <a:p>
+            <a:pPr lvl="1"/>
+            <a:r>
+              <a:rPr lang="en-US" dirty="0"/>
+              <a:t>Ensuring items are unique is fast in a set. </a:t>
+            </a:r>
+          </a:p>
+          <a:p>
+            <a:r>
+              <a:rPr lang="en-US" dirty="0"/>
+              <a:t>Lists, dictionaries, </a:t>
             </a:r>
             <a:r>
               <a:rPr lang="en-US" dirty="0" err="1"/>
@@ -4709,35 +6731,75 @@
             </a:r>
             <a:r>
               <a:rPr lang="en-US" dirty="0"/>
-              <a:t>, lists, arrays, and some dictionaries. </a:t>
-            </a:r>
-          </a:p>
-          <a:p>
-            <a:r>
-              <a:rPr lang="en-US" dirty="0"/>
-              <a:t>Considering the need for the data can dictate which container to use and save us time and effort.</a:t>
+              <a:t>, and arrays are the main ones we need to do data science stuff. </a:t>
+            </a:r>
+          </a:p>
+          <a:p>
+            <a:r>
+              <a:rPr lang="en-US" dirty="0"/>
+              <a:t>Becomes very important when data is large, and things repeat. </a:t>
             </a:r>
           </a:p>
           <a:p>
             <a:pPr lvl="1"/>
             <a:r>
               <a:rPr lang="en-US" dirty="0"/>
-              <a:t>We might write a loop for figure out which items or in two lists, or we could make them sets and it’ll do it for us with an intersection command. </a:t>
-            </a:r>
-          </a:p>
-          <a:p>
-            <a:pPr lvl="1"/>
-            <a:r>
-              <a:rPr lang="en-US" dirty="0"/>
-              <a:t>If we need to process thing in some order while adding and removing, a stack or queue might be useful. </a:t>
-            </a:r>
-          </a:p>
-        </p:txBody>
-      </p:sp>
+              <a:t>E.g. sorting large datasets, building tools that will be reused elsewhere. </a:t>
+            </a:r>
+          </a:p>
+        </p:txBody>
+      </p:sp>
+      <p:pic>
+        <p:nvPicPr>
+          <p:cNvPr id="2050" name="Picture 2">
+            <a:extLst>
+              <a:ext uri="{FF2B5EF4-FFF2-40B4-BE49-F238E27FC236}">
+                <a16:creationId xmlns:a16="http://schemas.microsoft.com/office/drawing/2014/main" id="{F9CD6674-54EA-B197-C1C7-B93C4BC06E83}"/>
+              </a:ext>
+            </a:extLst>
+          </p:cNvPr>
+          <p:cNvPicPr>
+            <a:picLocks noChangeAspect="1" noChangeArrowheads="1"/>
+          </p:cNvPicPr>
+          <p:nvPr/>
+        </p:nvPicPr>
+        <p:blipFill>
+          <a:blip r:embed="rId2">
+            <a:extLst>
+              <a:ext uri="{28A0092B-C50C-407E-A947-70E740481C1C}">
+                <a14:useLocalDpi xmlns:a14="http://schemas.microsoft.com/office/drawing/2010/main" val="0"/>
+              </a:ext>
+            </a:extLst>
+          </a:blip>
+          <a:srcRect/>
+          <a:stretch>
+            <a:fillRect/>
+          </a:stretch>
+        </p:blipFill>
+        <p:spPr bwMode="auto">
+          <a:xfrm>
+            <a:off x="0" y="0"/>
+            <a:ext cx="4848225" cy="6858000"/>
+          </a:xfrm>
+          <a:prstGeom prst="rect">
+            <a:avLst/>
+          </a:prstGeom>
+          <a:noFill/>
+          <a:extLst>
+            <a:ext uri="{909E8E84-426E-40DD-AFC4-6F175D3DCCD1}">
+              <a14:hiddenFill xmlns:a14="http://schemas.microsoft.com/office/drawing/2010/main">
+                <a:solidFill>
+                  <a:srgbClr val="FFFFFF"/>
+                </a:solidFill>
+              </a14:hiddenFill>
+            </a:ext>
+          </a:extLst>
+        </p:spPr>
+      </p:pic>
     </p:spTree>
     <p:extLst>
       <p:ext uri="{BB962C8B-B14F-4D97-AF65-F5344CB8AC3E}">
-        <p14:creationId xmlns:p14="http://schemas.microsoft.com/office/powerpoint/2010/main" val="1412906202"/>
+        <p14:creationId xmlns:p14="http://schemas.microsoft.com/office/powerpoint/2010/main" val="518870278"/>
       </p:ext>
     </p:extLst>
   </p:cSld>
@@ -4747,7 +6809,7 @@
 </p:sld>
 </file>
 
-<file path=ppt/slides/slide2.xml><?xml version="1.0" encoding="utf-8"?>
+<file path=ppt/slides/slide27.xml><?xml version="1.0" encoding="utf-8"?>
 <p:sld xmlns:a="http://schemas.openxmlformats.org/drawingml/2006/main" xmlns:r="http://schemas.openxmlformats.org/officeDocument/2006/relationships" xmlns:p="http://schemas.openxmlformats.org/presentationml/2006/main">
   <p:cSld>
     <p:spTree>
@@ -4769,7 +6831,7 @@
           <p:cNvPr id="2" name="Title 1">
             <a:extLst>
               <a:ext uri="{FF2B5EF4-FFF2-40B4-BE49-F238E27FC236}">
-                <a16:creationId xmlns:a16="http://schemas.microsoft.com/office/drawing/2014/main" id="{390DBD54-E87A-D087-B472-35F98D526F14}"/>
+                <a16:creationId xmlns:a16="http://schemas.microsoft.com/office/drawing/2014/main" id="{F14A2F31-7AEC-4A26-4F6D-F9210889D928}"/>
               </a:ext>
             </a:extLst>
           </p:cNvPr>
@@ -4777,7 +6839,7 @@
             <a:spLocks noGrp="1"/>
           </p:cNvSpPr>
           <p:nvPr>
-            <p:ph type="ctrTitle"/>
+            <p:ph type="title"/>
           </p:nvPr>
         </p:nvSpPr>
         <p:spPr/>
@@ -4787,17 +6849,17 @@
           <a:p>
             <a:r>
               <a:rPr lang="en-US" dirty="0"/>
-              <a:t>Data Structures</a:t>
-            </a:r>
-          </a:p>
-        </p:txBody>
-      </p:sp>
-      <p:sp>
-        <p:nvSpPr>
-          <p:cNvPr id="3" name="Subtitle 2">
+              <a:t>Data Structure Life</a:t>
+            </a:r>
+          </a:p>
+        </p:txBody>
+      </p:sp>
+      <p:sp>
+        <p:nvSpPr>
+          <p:cNvPr id="3" name="Content Placeholder 2">
             <a:extLst>
               <a:ext uri="{FF2B5EF4-FFF2-40B4-BE49-F238E27FC236}">
-                <a16:creationId xmlns:a16="http://schemas.microsoft.com/office/drawing/2014/main" id="{9CC550A2-1B20-D8F1-F3DD-6A8037D4BA8D}"/>
+                <a16:creationId xmlns:a16="http://schemas.microsoft.com/office/drawing/2014/main" id="{8AC7408A-3D10-2FEF-1794-22C105619E4E}"/>
               </a:ext>
             </a:extLst>
           </p:cNvPr>
@@ -4805,22 +6867,101 @@
             <a:spLocks noGrp="1"/>
           </p:cNvSpPr>
           <p:nvPr>
-            <p:ph type="subTitle" idx="1"/>
-          </p:nvPr>
-        </p:nvSpPr>
-        <p:spPr/>
-        <p:txBody>
-          <a:bodyPr/>
-          <a:lstStyle/>
-          <a:p>
-            <a:endParaRPr lang="en-US"/>
+            <p:ph idx="1"/>
+          </p:nvPr>
+        </p:nvSpPr>
+        <p:spPr>
+          <a:xfrm>
+            <a:off x="1097280" y="1853754"/>
+            <a:ext cx="10495721" cy="4276701"/>
+          </a:xfrm>
+        </p:spPr>
+        <p:txBody>
+          <a:bodyPr>
+            <a:normAutofit/>
+          </a:bodyPr>
+          <a:lstStyle/>
+          <a:p>
+            <a:r>
+              <a:rPr lang="en-US" dirty="0"/>
+              <a:t>In data science, we will mainly use </a:t>
+            </a:r>
+            <a:r>
+              <a:rPr lang="en-US" dirty="0" err="1"/>
+              <a:t>dataframes</a:t>
+            </a:r>
+            <a:r>
+              <a:rPr lang="en-US" dirty="0"/>
+              <a:t>, lists, arrays, and dictionaries. </a:t>
+            </a:r>
+          </a:p>
+          <a:p>
+            <a:r>
+              <a:rPr lang="en-US" dirty="0"/>
+              <a:t>In general, the data structures can be substituted for each other, so we can choose. </a:t>
+            </a:r>
+          </a:p>
+          <a:p>
+            <a:r>
+              <a:rPr lang="en-US" dirty="0"/>
+              <a:t>Considering the need for the data can dictate which container to use and save us time and effort.</a:t>
+            </a:r>
+          </a:p>
+          <a:p>
+            <a:pPr lvl="1"/>
+            <a:r>
+              <a:rPr lang="en-US" dirty="0"/>
+              <a:t>We might write a loop for figure out which items or in two lists, or we could make them sets and it’ll do it for us with an intersection command. </a:t>
+            </a:r>
+          </a:p>
+          <a:p>
+            <a:pPr lvl="1"/>
+            <a:r>
+              <a:rPr lang="en-US" dirty="0"/>
+              <a:t>If we need to process thing in some order while adding and removing, a stack or queue might be useful. </a:t>
+            </a:r>
+          </a:p>
+          <a:p>
+            <a:pPr lvl="1"/>
+            <a:r>
+              <a:rPr lang="en-US" dirty="0"/>
+              <a:t>This often doesn’t matter, but sometimes can </a:t>
+            </a:r>
+            <a:r>
+              <a:rPr lang="en-US" i="1" dirty="0"/>
+              <a:t>really</a:t>
+            </a:r>
+            <a:r>
+              <a:rPr lang="en-US" dirty="0"/>
+              <a:t> matter. </a:t>
+            </a:r>
+          </a:p>
+          <a:p>
+            <a:pPr lvl="1"/>
+            <a:r>
+              <a:rPr lang="en-US" dirty="0"/>
+              <a:t>If we use a container, and there is a lot of work involved in the logistics, maybe a different one is better. </a:t>
+            </a:r>
+          </a:p>
+          <a:p>
+            <a:r>
+              <a:rPr lang="en-US" dirty="0"/>
+              <a:t>The data structures are always well tested and often optimized for performance. </a:t>
+            </a:r>
+          </a:p>
+          <a:p>
+            <a:pPr lvl="1"/>
+            <a:r>
+              <a:rPr lang="en-US" dirty="0"/>
+              <a:t>We don’t want to recreate things that data structures already do natively. </a:t>
+            </a:r>
           </a:p>
         </p:txBody>
       </p:sp>
     </p:spTree>
     <p:extLst>
       <p:ext uri="{BB962C8B-B14F-4D97-AF65-F5344CB8AC3E}">
-        <p14:creationId xmlns:p14="http://schemas.microsoft.com/office/powerpoint/2010/main" val="4230728950"/>
+        <p14:creationId xmlns:p14="http://schemas.microsoft.com/office/powerpoint/2010/main" val="1412906202"/>
       </p:ext>
     </p:extLst>
   </p:cSld>
@@ -4847,122 +6988,57 @@
           <a:chExt cx="0" cy="0"/>
         </a:xfrm>
       </p:grpSpPr>
-      <p:sp>
-        <p:nvSpPr>
-          <p:cNvPr id="2" name="Title 1">
+      <p:pic>
+        <p:nvPicPr>
+          <p:cNvPr id="5122" name="Picture 2" descr="Object Oriented Python : Class(es) and Object(s) | by Daksh Gupta | Medium">
             <a:extLst>
               <a:ext uri="{FF2B5EF4-FFF2-40B4-BE49-F238E27FC236}">
-                <a16:creationId xmlns:a16="http://schemas.microsoft.com/office/drawing/2014/main" id="{09CEBACF-E011-0A8F-3950-77A42F801333}"/>
+                <a16:creationId xmlns:a16="http://schemas.microsoft.com/office/drawing/2014/main" id="{8425150A-B995-22F1-BFDC-A8FD028FAA21}"/>
               </a:ext>
             </a:extLst>
           </p:cNvPr>
-          <p:cNvSpPr>
-            <a:spLocks noGrp="1"/>
-          </p:cNvSpPr>
-          <p:nvPr>
-            <p:ph type="title"/>
-          </p:nvPr>
-        </p:nvSpPr>
-        <p:spPr/>
-        <p:txBody>
-          <a:bodyPr/>
-          <a:lstStyle/>
-          <a:p>
-            <a:r>
-              <a:rPr lang="en-US" dirty="0"/>
-              <a:t>Data Structures in Python</a:t>
-            </a:r>
-          </a:p>
-        </p:txBody>
-      </p:sp>
-      <p:sp>
-        <p:nvSpPr>
-          <p:cNvPr id="3" name="Content Placeholder 2">
+          <p:cNvPicPr>
+            <a:picLocks noChangeAspect="1" noChangeArrowheads="1"/>
+          </p:cNvPicPr>
+          <p:nvPr/>
+        </p:nvPicPr>
+        <p:blipFill>
+          <a:blip r:embed="rId2">
             <a:extLst>
-              <a:ext uri="{FF2B5EF4-FFF2-40B4-BE49-F238E27FC236}">
-                <a16:creationId xmlns:a16="http://schemas.microsoft.com/office/drawing/2014/main" id="{A9BFE846-CADA-DFA7-56FB-045DDB7B56B0}"/>
+              <a:ext uri="{28A0092B-C50C-407E-A947-70E740481C1C}">
+                <a14:useLocalDpi xmlns:a14="http://schemas.microsoft.com/office/drawing/2010/main" val="0"/>
               </a:ext>
             </a:extLst>
-          </p:cNvPr>
-          <p:cNvSpPr>
-            <a:spLocks noGrp="1"/>
-          </p:cNvSpPr>
-          <p:nvPr>
-            <p:ph idx="1"/>
-          </p:nvPr>
-        </p:nvSpPr>
-        <p:spPr>
+          </a:blip>
+          <a:srcRect/>
+          <a:stretch>
+            <a:fillRect/>
+          </a:stretch>
+        </p:blipFill>
+        <p:spPr bwMode="auto">
           <a:xfrm>
-            <a:off x="1451579" y="2015732"/>
-            <a:ext cx="9603275" cy="4037749"/>
+            <a:off x="739775" y="0"/>
+            <a:ext cx="10710863" cy="6858000"/>
           </a:xfrm>
+          <a:prstGeom prst="rect">
+            <a:avLst/>
+          </a:prstGeom>
+          <a:noFill/>
+          <a:extLst>
+            <a:ext uri="{909E8E84-426E-40DD-AFC4-6F175D3DCCD1}">
+              <a14:hiddenFill xmlns:a14="http://schemas.microsoft.com/office/drawing/2010/main">
+                <a:solidFill>
+                  <a:srgbClr val="FFFFFF"/>
+                </a:solidFill>
+              </a14:hiddenFill>
+            </a:ext>
+          </a:extLst>
         </p:spPr>
-        <p:txBody>
-          <a:bodyPr/>
-          <a:lstStyle/>
-          <a:p>
-            <a:r>
-              <a:rPr lang="en-US" dirty="0"/>
-              <a:t>All data structures do, more-or-less, the same thing – hold some data in a “package”. </a:t>
-            </a:r>
-          </a:p>
-          <a:p>
-            <a:r>
-              <a:rPr lang="en-US" dirty="0"/>
-              <a:t>It’s far easier to handle a list of products as a unit, rather than 37 billion individual items. </a:t>
-            </a:r>
-          </a:p>
-          <a:p>
-            <a:r>
-              <a:rPr lang="en-US" dirty="0"/>
-              <a:t>Most scenarios are well suited to familiar data structures:</a:t>
-            </a:r>
-          </a:p>
-          <a:p>
-            <a:pPr lvl="1"/>
-            <a:r>
-              <a:rPr lang="en-US" dirty="0"/>
-              <a:t>Lists – many items, totally flexible, find items by index. </a:t>
-            </a:r>
-          </a:p>
-          <a:p>
-            <a:pPr lvl="1"/>
-            <a:r>
-              <a:rPr lang="en-US" dirty="0" err="1"/>
-              <a:t>Dataframes</a:t>
-            </a:r>
-            <a:r>
-              <a:rPr lang="en-US" dirty="0"/>
-              <a:t> – using tabular data, as we commonly do in data science. </a:t>
-            </a:r>
-          </a:p>
-          <a:p>
-            <a:pPr lvl="1"/>
-            <a:r>
-              <a:rPr lang="en-US" dirty="0"/>
-              <a:t>Arrays – roughly a ”fixed” list, used a lot for machine learning. (Hopefully you’ll touch these in stats soon-</a:t>
-            </a:r>
-            <a:r>
-              <a:rPr lang="en-US" dirty="0" err="1"/>
-              <a:t>ish</a:t>
-            </a:r>
-            <a:r>
-              <a:rPr lang="en-US" dirty="0"/>
-              <a:t>). </a:t>
-            </a:r>
-          </a:p>
-          <a:p>
-            <a:r>
-              <a:rPr lang="en-US" dirty="0"/>
-              <a:t>Other times we may want or need a data structure with different functionality. </a:t>
-            </a:r>
-          </a:p>
-        </p:txBody>
-      </p:sp>
+      </p:pic>
     </p:spTree>
     <p:extLst>
       <p:ext uri="{BB962C8B-B14F-4D97-AF65-F5344CB8AC3E}">
-        <p14:creationId xmlns:p14="http://schemas.microsoft.com/office/powerpoint/2010/main" val="603940446"/>
+        <p14:creationId xmlns:p14="http://schemas.microsoft.com/office/powerpoint/2010/main" val="4173865993"/>
       </p:ext>
     </p:extLst>
   </p:cSld>
@@ -4994,7 +7070,7 @@
           <p:cNvPr id="2" name="Title 1">
             <a:extLst>
               <a:ext uri="{FF2B5EF4-FFF2-40B4-BE49-F238E27FC236}">
-                <a16:creationId xmlns:a16="http://schemas.microsoft.com/office/drawing/2014/main" id="{2D2EB987-265A-25BC-49B5-B7338CB4B685}"/>
+                <a16:creationId xmlns:a16="http://schemas.microsoft.com/office/drawing/2014/main" id="{491BD65D-F434-4654-54F7-9492FD7E44CC}"/>
               </a:ext>
             </a:extLst>
           </p:cNvPr>
@@ -5012,7 +7088,7 @@
           <a:p>
             <a:r>
               <a:rPr lang="en-US" dirty="0"/>
-              <a:t>Iterability</a:t>
+              <a:t>Catch some Static</a:t>
             </a:r>
           </a:p>
         </p:txBody>
@@ -5022,7 +7098,7 @@
           <p:cNvPr id="3" name="Content Placeholder 2">
             <a:extLst>
               <a:ext uri="{FF2B5EF4-FFF2-40B4-BE49-F238E27FC236}">
-                <a16:creationId xmlns:a16="http://schemas.microsoft.com/office/drawing/2014/main" id="{B2228F40-B540-A33A-1379-25582E5AD90B}"/>
+                <a16:creationId xmlns:a16="http://schemas.microsoft.com/office/drawing/2014/main" id="{C863DC6F-46EE-8526-FBD5-8557E378AAFF}"/>
               </a:ext>
             </a:extLst>
           </p:cNvPr>
@@ -5035,8 +7111,8 @@
         </p:nvSpPr>
         <p:spPr>
           <a:xfrm>
-            <a:off x="1451579" y="1853754"/>
-            <a:ext cx="9603275" cy="4199727"/>
+            <a:off x="1451579" y="1927412"/>
+            <a:ext cx="9603275" cy="4126069"/>
           </a:xfrm>
         </p:spPr>
         <p:txBody>
@@ -5045,33 +7121,63 @@
           <a:p>
             <a:r>
               <a:rPr lang="en-US" dirty="0"/>
-              <a:t>Later in machine learning, we have some methods that can accept an array, list, or </a:t>
+              <a:t>Static parts of a class. </a:t>
+            </a:r>
+          </a:p>
+          <a:p>
+            <a:pPr lvl="1"/>
+            <a:r>
+              <a:rPr lang="en-US" dirty="0"/>
+              <a:t>Classes often also contain static items - both variables and methods. </a:t>
+            </a:r>
+          </a:p>
+          <a:p>
+            <a:pPr lvl="1"/>
+            <a:r>
+              <a:rPr lang="en-US" dirty="0"/>
+              <a:t>Static things are the same for all instances of an object, as opposed to instance variables that differ for each new object created. </a:t>
+            </a:r>
+          </a:p>
+          <a:p>
+            <a:r>
+              <a:rPr lang="en-US" dirty="0"/>
+              <a:t>Static example – distances. </a:t>
+            </a:r>
+          </a:p>
+          <a:p>
+            <a:pPr lvl="1"/>
+            <a:r>
+              <a:rPr lang="en-US" dirty="0"/>
+              <a:t>Suppose you had some application like Google maps, and an object you kept was a ‘route’.</a:t>
+            </a:r>
+          </a:p>
+          <a:p>
+            <a:pPr lvl="1"/>
+            <a:r>
+              <a:rPr lang="en-US" dirty="0"/>
+              <a:t>This object likely has ’starting point’, ‘ending point’, ‘distance’, </a:t>
             </a:r>
             <a:r>
               <a:rPr lang="en-US" dirty="0" err="1"/>
-              <a:t>dataframe</a:t>
-            </a:r>
-            <a:r>
-              <a:rPr lang="en-US" dirty="0"/>
-              <a:t> without any adaptation on our end because of this interoperability. </a:t>
-            </a:r>
-          </a:p>
-          <a:p>
-            <a:r>
-              <a:rPr lang="en-US" dirty="0"/>
-              <a:t>These data structures can be iterated through. </a:t>
-            </a:r>
-          </a:p>
-          <a:p>
-            <a:r>
-              <a:rPr lang="en-US" dirty="0"/>
-              <a:t>Can use a for loop just as we would with a list. </a:t>
-            </a:r>
-          </a:p>
-          <a:p>
-            <a:r>
-              <a:rPr lang="en-US" dirty="0"/>
-              <a:t>Each data structure provides it’s own “next” (internally, we don’t need to worry about it now), so anything asking for the “next item”, like a loop, will work. </a:t>
+              <a:t>etc</a:t>
+            </a:r>
+            <a:r>
+              <a:rPr lang="en-US" dirty="0"/>
+              <a:t>… as attributes. </a:t>
+            </a:r>
+          </a:p>
+          <a:p>
+            <a:pPr lvl="1"/>
+            <a:r>
+              <a:rPr lang="en-US" dirty="0"/>
+              <a:t>This class may also have a static method to convert km/mi, and a static var with the rate. </a:t>
+            </a:r>
+          </a:p>
+          <a:p>
+            <a:pPr lvl="1"/>
+            <a:r>
+              <a:rPr lang="en-US" dirty="0"/>
+              <a:t>The action of converting is not tied to any instance, nor is the conversion rate. </a:t>
             </a:r>
           </a:p>
           <a:p>
@@ -5082,55 +7188,10 @@
           </a:p>
         </p:txBody>
       </p:sp>
-      <p:pic>
-        <p:nvPicPr>
-          <p:cNvPr id="5122" name="Picture 2" descr="A Step by Step Guide on Iterator in Python">
-            <a:extLst>
-              <a:ext uri="{FF2B5EF4-FFF2-40B4-BE49-F238E27FC236}">
-                <a16:creationId xmlns:a16="http://schemas.microsoft.com/office/drawing/2014/main" id="{9095753C-A229-DF7B-758D-05AEF544F4AB}"/>
-              </a:ext>
-            </a:extLst>
-          </p:cNvPr>
-          <p:cNvPicPr>
-            <a:picLocks noChangeAspect="1" noChangeArrowheads="1"/>
-          </p:cNvPicPr>
-          <p:nvPr/>
-        </p:nvPicPr>
-        <p:blipFill rotWithShape="1">
-          <a:blip r:embed="rId2">
-            <a:extLst>
-              <a:ext uri="{28A0092B-C50C-407E-A947-70E740481C1C}">
-                <a14:useLocalDpi xmlns:a14="http://schemas.microsoft.com/office/drawing/2010/main" val="0"/>
-              </a:ext>
-            </a:extLst>
-          </a:blip>
-          <a:srcRect t="11378" b="6299"/>
-          <a:stretch/>
-        </p:blipFill>
-        <p:spPr bwMode="auto">
-          <a:xfrm>
-            <a:off x="3189009" y="4538126"/>
-            <a:ext cx="5813981" cy="2319874"/>
-          </a:xfrm>
-          <a:prstGeom prst="rect">
-            <a:avLst/>
-          </a:prstGeom>
-          <a:noFill/>
-          <a:extLst>
-            <a:ext uri="{909E8E84-426E-40DD-AFC4-6F175D3DCCD1}">
-              <a14:hiddenFill xmlns:a14="http://schemas.microsoft.com/office/drawing/2010/main">
-                <a:solidFill>
-                  <a:srgbClr val="FFFFFF"/>
-                </a:solidFill>
-              </a14:hiddenFill>
-            </a:ext>
-          </a:extLst>
-        </p:spPr>
-      </p:pic>
     </p:spTree>
     <p:extLst>
       <p:ext uri="{BB962C8B-B14F-4D97-AF65-F5344CB8AC3E}">
-        <p14:creationId xmlns:p14="http://schemas.microsoft.com/office/powerpoint/2010/main" val="1626823428"/>
+        <p14:creationId xmlns:p14="http://schemas.microsoft.com/office/powerpoint/2010/main" val="1436415437"/>
       </p:ext>
     </p:extLst>
   </p:cSld>
@@ -5162,7 +7223,7 @@
           <p:cNvPr id="2" name="Title 1">
             <a:extLst>
               <a:ext uri="{FF2B5EF4-FFF2-40B4-BE49-F238E27FC236}">
-                <a16:creationId xmlns:a16="http://schemas.microsoft.com/office/drawing/2014/main" id="{D9972E24-1C11-4ED8-BB7F-BE2F8BFEFA4E}"/>
+                <a16:creationId xmlns:a16="http://schemas.microsoft.com/office/drawing/2014/main" id="{FF869D5F-FE9F-4256-A953-ABFC207C0A4F}"/>
               </a:ext>
             </a:extLst>
           </p:cNvPr>
@@ -5180,7 +7241,7 @@
           <a:p>
             <a:r>
               <a:rPr lang="en-US" dirty="0"/>
-              <a:t>Mutability</a:t>
+              <a:t>Dot Notation</a:t>
             </a:r>
           </a:p>
         </p:txBody>
@@ -5190,7 +7251,7 @@
           <p:cNvPr id="3" name="Content Placeholder 2">
             <a:extLst>
               <a:ext uri="{FF2B5EF4-FFF2-40B4-BE49-F238E27FC236}">
-                <a16:creationId xmlns:a16="http://schemas.microsoft.com/office/drawing/2014/main" id="{2BB717B3-289E-3F24-5A07-451F9478EBAE}"/>
+                <a16:creationId xmlns:a16="http://schemas.microsoft.com/office/drawing/2014/main" id="{BA6A24CE-16F5-BCB2-48A2-023D9F7ECA02}"/>
               </a:ext>
             </a:extLst>
           </p:cNvPr>
@@ -5201,61 +7262,91 @@
             <p:ph idx="1"/>
           </p:nvPr>
         </p:nvSpPr>
-        <p:spPr>
-          <a:xfrm>
-            <a:off x="1451579" y="2015732"/>
-            <a:ext cx="9603275" cy="4037749"/>
-          </a:xfrm>
-        </p:spPr>
-        <p:txBody>
-          <a:bodyPr/>
-          <a:lstStyle/>
-          <a:p>
-            <a:r>
-              <a:rPr lang="en-US" dirty="0"/>
-              <a:t>Another concept that is important in data structures is mutability, or the ability to be changed. </a:t>
-            </a:r>
-          </a:p>
-          <a:p>
-            <a:r>
-              <a:rPr lang="en-US" dirty="0"/>
-              <a:t>Different data structures have different rules on if their items are mutable. </a:t>
+        <p:spPr/>
+        <p:txBody>
+          <a:bodyPr/>
+          <a:lstStyle/>
+          <a:p>
+            <a:r>
+              <a:rPr lang="en-US" dirty="0"/>
+              <a:t>Calling things in an object uses dot notation. </a:t>
+            </a:r>
+          </a:p>
+          <a:p>
+            <a:r>
+              <a:rPr lang="en-US" dirty="0"/>
+              <a:t>For methods it’ll be </a:t>
+            </a:r>
+            <a:r>
+              <a:rPr lang="en-US" dirty="0" err="1"/>
+              <a:t>var_name.method</a:t>
+            </a:r>
+            <a:r>
+              <a:rPr lang="en-US" dirty="0"/>
+              <a:t>(), for static ones </a:t>
+            </a:r>
+            <a:r>
+              <a:rPr lang="en-US" dirty="0" err="1"/>
+              <a:t>class_name.method</a:t>
+            </a:r>
+            <a:r>
+              <a:rPr lang="en-US" dirty="0"/>
+              <a:t>(). </a:t>
+            </a:r>
+          </a:p>
+          <a:p>
+            <a:r>
+              <a:rPr lang="en-US" dirty="0"/>
+              <a:t>“Look inside this thing, for this other thing”. </a:t>
             </a:r>
           </a:p>
           <a:p>
             <a:pPr lvl="1"/>
             <a:r>
-              <a:rPr lang="en-US" dirty="0"/>
-              <a:t>Tuples are immutable – the items in a tuple can’t be changed. </a:t>
+              <a:rPr lang="en-US" dirty="0" err="1"/>
+              <a:t>Pandas.read_csv</a:t>
+            </a:r>
+            <a:r>
+              <a:rPr lang="en-US" dirty="0"/>
+              <a:t>() – look inside the class pandas for the method </a:t>
+            </a:r>
+            <a:r>
+              <a:rPr lang="en-US" dirty="0" err="1"/>
+              <a:t>read_csv</a:t>
+            </a:r>
+            <a:r>
+              <a:rPr lang="en-US" dirty="0"/>
+              <a:t>(). </a:t>
             </a:r>
           </a:p>
           <a:p>
             <a:pPr lvl="1"/>
             <a:r>
-              <a:rPr lang="en-US" dirty="0"/>
-              <a:t>Sets are immutable – we can add/remove, but not change the items. </a:t>
-            </a:r>
-          </a:p>
-          <a:p>
-            <a:pPr lvl="2"/>
-            <a:r>
-              <a:rPr lang="en-US" dirty="0"/>
-              <a:t>I.e. the set’s contents can change, but the items in it are fixed. </a:t>
-            </a:r>
-          </a:p>
-          <a:p>
-            <a:pPr lvl="1"/>
-            <a:r>
-              <a:rPr lang="en-US" dirty="0"/>
-              <a:t>Lists and Dictionaries are mutable – we can change anything we want. </a:t>
-            </a:r>
+              <a:rPr lang="en-US" dirty="0" err="1"/>
+              <a:t>Df.info</a:t>
+            </a:r>
+            <a:r>
+              <a:rPr lang="en-US" dirty="0"/>
+              <a:t>() – look inside the object </a:t>
+            </a:r>
+            <a:r>
+              <a:rPr lang="en-US" dirty="0" err="1"/>
+              <a:t>df</a:t>
+            </a:r>
+            <a:r>
+              <a:rPr lang="en-US" dirty="0"/>
+              <a:t> and call its method info(). </a:t>
+            </a:r>
+          </a:p>
+          <a:p>
+            <a:endParaRPr lang="en-US" dirty="0"/>
           </a:p>
         </p:txBody>
       </p:sp>
     </p:spTree>
     <p:extLst>
       <p:ext uri="{BB962C8B-B14F-4D97-AF65-F5344CB8AC3E}">
-        <p14:creationId xmlns:p14="http://schemas.microsoft.com/office/powerpoint/2010/main" val="137009437"/>
+        <p14:creationId xmlns:p14="http://schemas.microsoft.com/office/powerpoint/2010/main" val="2861579098"/>
       </p:ext>
     </p:extLst>
   </p:cSld>
@@ -5287,7 +7378,7 @@
           <p:cNvPr id="2" name="Title 1">
             <a:extLst>
               <a:ext uri="{FF2B5EF4-FFF2-40B4-BE49-F238E27FC236}">
-                <a16:creationId xmlns:a16="http://schemas.microsoft.com/office/drawing/2014/main" id="{F297E73D-CF79-511E-81E7-02BEFAE7A173}"/>
+                <a16:creationId xmlns:a16="http://schemas.microsoft.com/office/drawing/2014/main" id="{0D52FE39-CC93-1B94-2C11-39D942263CB0}"/>
               </a:ext>
             </a:extLst>
           </p:cNvPr>
@@ -5305,7 +7396,7 @@
           <a:p>
             <a:r>
               <a:rPr lang="en-US" dirty="0"/>
-              <a:t>Mutability Reasons</a:t>
+              <a:t>Object Oriented Thinking</a:t>
             </a:r>
           </a:p>
         </p:txBody>
@@ -5315,7 +7406,7 @@
           <p:cNvPr id="3" name="Content Placeholder 2">
             <a:extLst>
               <a:ext uri="{FF2B5EF4-FFF2-40B4-BE49-F238E27FC236}">
-                <a16:creationId xmlns:a16="http://schemas.microsoft.com/office/drawing/2014/main" id="{2181178B-202F-6EE0-A760-B36240A93A8C}"/>
+                <a16:creationId xmlns:a16="http://schemas.microsoft.com/office/drawing/2014/main" id="{982A1997-CAC3-6E71-6371-2F8C6049AF66}"/>
               </a:ext>
             </a:extLst>
           </p:cNvPr>
@@ -5328,81 +7419,92 @@
         </p:nvSpPr>
         <p:spPr>
           <a:xfrm>
-            <a:off x="1451579" y="1853754"/>
-            <a:ext cx="9603275" cy="4199727"/>
+            <a:off x="887506" y="1853754"/>
+            <a:ext cx="10784541" cy="4199727"/>
           </a:xfrm>
         </p:spPr>
         <p:txBody>
-          <a:bodyPr/>
-          <a:lstStyle/>
-          <a:p>
-            <a:r>
-              <a:rPr lang="en-US" dirty="0"/>
-              <a:t>Why would anyone want an unchanging variable?</a:t>
-            </a:r>
-          </a:p>
-          <a:p>
-            <a:r>
-              <a:rPr lang="en-US" dirty="0"/>
-              <a:t>Immutable objects can allow for:</a:t>
+          <a:bodyPr>
+            <a:normAutofit/>
+          </a:bodyPr>
+          <a:lstStyle/>
+          <a:p>
+            <a:r>
+              <a:rPr lang="en-US" dirty="0"/>
+              <a:t>We can create objects to model things in the world that we need to capture. </a:t>
             </a:r>
           </a:p>
           <a:p>
             <a:pPr lvl="1"/>
             <a:r>
               <a:rPr lang="en-US" dirty="0"/>
-              <a:t>Provability – if we need to mathematically prove a program works (e.g. mission-critical). </a:t>
+              <a:t>Can combine attributes and abilities for a real-world thing, into an object. </a:t>
             </a:r>
           </a:p>
           <a:p>
             <a:pPr lvl="1"/>
             <a:r>
               <a:rPr lang="en-US" dirty="0"/>
-              <a:t>Thread safe – programs that are multithreaded are easier with immutable variables. </a:t>
+              <a:t>Thought pattern is weird at first but makes it easier to create complex things. </a:t>
             </a:r>
           </a:p>
           <a:p>
             <a:pPr lvl="1"/>
             <a:r>
               <a:rPr lang="en-US" dirty="0"/>
-              <a:t>Efficiency - since immutable things don’t change, compilers* can allocate exact memory. </a:t>
-            </a:r>
-          </a:p>
-          <a:p>
-            <a:r>
-              <a:rPr lang="en-US" dirty="0"/>
-              <a:t>This stuff can matter a lot when doing lower-level coding. </a:t>
+              <a:t>A “product” in a store “is” a price, description, name, </a:t>
+            </a:r>
+            <a:r>
+              <a:rPr lang="en-US" dirty="0" err="1"/>
+              <a:t>etc</a:t>
+            </a:r>
+            <a:r>
+              <a:rPr lang="en-US" dirty="0"/>
+              <a:t>… and it can “do” a few things like change price. </a:t>
+            </a:r>
+          </a:p>
+          <a:p>
+            <a:r>
+              <a:rPr lang="en-US" dirty="0"/>
+              <a:t>Small and simple objects can be combined together to model more complex things. </a:t>
             </a:r>
           </a:p>
           <a:p>
             <a:pPr lvl="1"/>
             <a:r>
               <a:rPr lang="en-US" dirty="0"/>
-              <a:t>Can “fix” objects that we know will not need to change. </a:t>
+              <a:t>E.g. A school’s course calendar contains many class offerings. A class offering is made up of students, instructors, rooms, resources. A registration is a class and a student. One’s transcript is a collection of completed registrations. An instructor’s workload is a set of assigned classes. </a:t>
+            </a:r>
+            <a:r>
+              <a:rPr lang="en-US" dirty="0" err="1"/>
+              <a:t>Etc</a:t>
+            </a:r>
+            <a:r>
+              <a:rPr lang="en-US" dirty="0"/>
+              <a:t>…</a:t>
             </a:r>
           </a:p>
           <a:p>
             <a:pPr lvl="1"/>
             <a:r>
               <a:rPr lang="en-US" dirty="0"/>
-              <a:t>Compilers can rely on this non-changing rule, and optimize around it. </a:t>
-            </a:r>
-          </a:p>
-          <a:p>
-            <a:r>
-              <a:rPr lang="en-US" dirty="0"/>
-              <a:t>These concerns are not super relevant to us using Python for data science. </a:t>
-            </a:r>
-          </a:p>
-          <a:p>
-            <a:endParaRPr lang="en-US" dirty="0"/>
+              <a:t>Each of these objects can also do stuff – register, change major, check prerequisites, </a:t>
+            </a:r>
+            <a:r>
+              <a:rPr lang="en-US" dirty="0" err="1"/>
+              <a:t>etc</a:t>
+            </a:r>
+            <a:r>
+              <a:rPr lang="en-US" dirty="0"/>
+              <a:t>…</a:t>
+            </a:r>
           </a:p>
         </p:txBody>
       </p:sp>
     </p:spTree>
     <p:extLst>
       <p:ext uri="{BB962C8B-B14F-4D97-AF65-F5344CB8AC3E}">
-        <p14:creationId xmlns:p14="http://schemas.microsoft.com/office/powerpoint/2010/main" val="1049731650"/>
+        <p14:creationId xmlns:p14="http://schemas.microsoft.com/office/powerpoint/2010/main" val="4139205781"/>
       </p:ext>
     </p:extLst>
   </p:cSld>
@@ -5434,7 +7536,7 @@
           <p:cNvPr id="2" name="Title 1">
             <a:extLst>
               <a:ext uri="{FF2B5EF4-FFF2-40B4-BE49-F238E27FC236}">
-                <a16:creationId xmlns:a16="http://schemas.microsoft.com/office/drawing/2014/main" id="{8D1910CD-8C5C-33E4-5B51-17363D4AAEB7}"/>
+                <a16:creationId xmlns:a16="http://schemas.microsoft.com/office/drawing/2014/main" id="{5B62CEC6-FB05-68D4-0BD0-A8A906959A28}"/>
               </a:ext>
             </a:extLst>
           </p:cNvPr>
@@ -5452,7 +7554,7 @@
           <a:p>
             <a:r>
               <a:rPr lang="en-US" dirty="0"/>
-              <a:t>Computer Science Detour – Compliers and interpreters</a:t>
+              <a:t>Benefits and Motivations</a:t>
             </a:r>
           </a:p>
         </p:txBody>
@@ -5462,7 +7564,7 @@
           <p:cNvPr id="3" name="Content Placeholder 2">
             <a:extLst>
               <a:ext uri="{FF2B5EF4-FFF2-40B4-BE49-F238E27FC236}">
-                <a16:creationId xmlns:a16="http://schemas.microsoft.com/office/drawing/2014/main" id="{0FA45BBC-0529-7EE6-262E-727B2A58D171}"/>
+                <a16:creationId xmlns:a16="http://schemas.microsoft.com/office/drawing/2014/main" id="{C018029D-0F2F-4E1C-1B96-8D366C52753E}"/>
               </a:ext>
             </a:extLst>
           </p:cNvPr>
@@ -5475,126 +7577,88 @@
         </p:nvSpPr>
         <p:spPr>
           <a:xfrm>
-            <a:off x="4521051" y="1853754"/>
-            <a:ext cx="7670949" cy="4255053"/>
+            <a:off x="1451579" y="2015732"/>
+            <a:ext cx="9603275" cy="4037749"/>
           </a:xfrm>
         </p:spPr>
         <p:txBody>
-          <a:bodyPr>
-            <a:normAutofit lnSpcReduction="10000"/>
-          </a:bodyPr>
-          <a:lstStyle/>
-          <a:p>
-            <a:r>
-              <a:rPr lang="en-US" dirty="0"/>
-              <a:t>Python is an interpreted language – we run code and get results.  </a:t>
+          <a:bodyPr/>
+          <a:lstStyle/>
+          <a:p>
+            <a:r>
+              <a:rPr lang="en-US" dirty="0"/>
+              <a:t>Most complex modern software is (at least mostly) object oriented. </a:t>
+            </a:r>
+          </a:p>
+          <a:p>
+            <a:r>
+              <a:rPr lang="en-US" dirty="0"/>
+              <a:t>OOP has many benefits and reasons for us to use it, some initial ones:</a:t>
             </a:r>
           </a:p>
           <a:p>
             <a:pPr lvl="1"/>
             <a:r>
               <a:rPr lang="en-US" dirty="0"/>
-              <a:t>Also JavaScript, Ruby, PHP.  Sometimes called scripting languages. </a:t>
-            </a:r>
-          </a:p>
-          <a:p>
-            <a:r>
-              <a:rPr lang="en-US" dirty="0"/>
-              <a:t>Other languages are compiled – we compile our code into machine code then run that. </a:t>
+              <a:t>Encapsulation – we can build all of the required attributes and methods “into” an object. </a:t>
             </a:r>
           </a:p>
           <a:p>
             <a:pPr lvl="1"/>
             <a:r>
               <a:rPr lang="en-US" dirty="0"/>
-              <a:t>E.g. C/C++, Java, C#, most things that you install and run. </a:t>
-            </a:r>
-          </a:p>
-          <a:p>
-            <a:r>
-              <a:rPr lang="en-US" dirty="0"/>
-              <a:t>The compiler creates the code that the computer uses.  </a:t>
+              <a:t>Abstraction – we can allow user of an object to ignore the details. </a:t>
+            </a:r>
+          </a:p>
+          <a:p>
+            <a:pPr lvl="2"/>
+            <a:r>
+              <a:rPr lang="en-US" dirty="0"/>
+              <a:t>E.g. we can ask a </a:t>
+            </a:r>
+            <a:r>
+              <a:rPr lang="en-US" dirty="0" err="1"/>
+              <a:t>dataframe</a:t>
+            </a:r>
+            <a:r>
+              <a:rPr lang="en-US" dirty="0"/>
+              <a:t> to describe() without calculating stuff ourselves. </a:t>
             </a:r>
           </a:p>
           <a:p>
             <a:pPr lvl="1"/>
             <a:r>
               <a:rPr lang="en-US" dirty="0"/>
-              <a:t>The compiler is very smart – it makes our code better. </a:t>
+              <a:t>Reuse of Code – once we write something for an object, we never need to again. </a:t>
+            </a:r>
+          </a:p>
+          <a:p>
+            <a:r>
+              <a:rPr lang="en-US" dirty="0"/>
+              <a:t>We can focus on the higher level ideas, and embed the details in objects. </a:t>
             </a:r>
           </a:p>
           <a:p>
             <a:pPr lvl="1"/>
             <a:r>
               <a:rPr lang="en-US" dirty="0"/>
-              <a:t>It will try to optimize for efficiency, memory use, and errors. </a:t>
-            </a:r>
-          </a:p>
-          <a:p>
-            <a:r>
-              <a:rPr lang="en-US" dirty="0"/>
-              <a:t>Interpreted is easier to write, read, use, and revise. </a:t>
-            </a:r>
-          </a:p>
-          <a:p>
-            <a:r>
-              <a:rPr lang="en-US" dirty="0"/>
-              <a:t>Compiled is faster, more efficient, and better for “large” progs. </a:t>
-            </a:r>
-          </a:p>
-        </p:txBody>
-      </p:sp>
-      <p:pic>
-        <p:nvPicPr>
-          <p:cNvPr id="4104" name="Picture 8" descr="Blurred Lines: Is Ruby an interpreted language and what does that even  mean? | by Manuel Grullon | Medium">
-            <a:extLst>
-              <a:ext uri="{FF2B5EF4-FFF2-40B4-BE49-F238E27FC236}">
-                <a16:creationId xmlns:a16="http://schemas.microsoft.com/office/drawing/2014/main" id="{120213F4-F074-F5C5-4D3F-A3D1BA222AAE}"/>
-              </a:ext>
-            </a:extLst>
-          </p:cNvPr>
-          <p:cNvPicPr>
-            <a:picLocks noChangeAspect="1" noChangeArrowheads="1"/>
-          </p:cNvPicPr>
-          <p:nvPr/>
-        </p:nvPicPr>
-        <p:blipFill>
-          <a:blip r:embed="rId2">
-            <a:extLst>
-              <a:ext uri="{28A0092B-C50C-407E-A947-70E740481C1C}">
-                <a14:useLocalDpi xmlns:a14="http://schemas.microsoft.com/office/drawing/2010/main" val="0"/>
-              </a:ext>
-            </a:extLst>
-          </a:blip>
-          <a:srcRect/>
-          <a:stretch>
-            <a:fillRect/>
-          </a:stretch>
-        </p:blipFill>
-        <p:spPr bwMode="auto">
-          <a:xfrm>
-            <a:off x="0" y="1900242"/>
-            <a:ext cx="4521051" cy="3104005"/>
-          </a:xfrm>
-          <a:prstGeom prst="rect">
-            <a:avLst/>
-          </a:prstGeom>
-          <a:noFill/>
-          <a:extLst>
-            <a:ext uri="{909E8E84-426E-40DD-AFC4-6F175D3DCCD1}">
-              <a14:hiddenFill xmlns:a14="http://schemas.microsoft.com/office/drawing/2010/main">
-                <a:solidFill>
-                  <a:srgbClr val="FFFFFF"/>
-                </a:solidFill>
-              </a14:hiddenFill>
-            </a:ext>
-          </a:extLst>
-        </p:spPr>
-      </p:pic>
+              <a:t>We don’t need to care about how to read a csv or excel file, pandas gives us a </a:t>
+            </a:r>
+            <a:r>
+              <a:rPr lang="en-US" dirty="0" err="1"/>
+              <a:t>dataframe</a:t>
+            </a:r>
+            <a:r>
+              <a:rPr lang="en-US" dirty="0"/>
+              <a:t>. </a:t>
+            </a:r>
+          </a:p>
+        </p:txBody>
+      </p:sp>
     </p:spTree>
     <p:extLst>
       <p:ext uri="{BB962C8B-B14F-4D97-AF65-F5344CB8AC3E}">
-        <p14:creationId xmlns:p14="http://schemas.microsoft.com/office/powerpoint/2010/main" val="3821680289"/>
+        <p14:creationId xmlns:p14="http://schemas.microsoft.com/office/powerpoint/2010/main" val="4291398308"/>
       </p:ext>
     </p:extLst>
   </p:cSld>
@@ -5626,7 +7690,7 @@
           <p:cNvPr id="2" name="Title 1">
             <a:extLst>
               <a:ext uri="{FF2B5EF4-FFF2-40B4-BE49-F238E27FC236}">
-                <a16:creationId xmlns:a16="http://schemas.microsoft.com/office/drawing/2014/main" id="{2E155AB3-8F30-E97D-B111-21CEA59F12FA}"/>
+                <a16:creationId xmlns:a16="http://schemas.microsoft.com/office/drawing/2014/main" id="{390DBD54-E87A-D087-B472-35F98D526F14}"/>
               </a:ext>
             </a:extLst>
           </p:cNvPr>
@@ -5634,7 +7698,7 @@
             <a:spLocks noGrp="1"/>
           </p:cNvSpPr>
           <p:nvPr>
-            <p:ph type="title"/>
+            <p:ph type="ctrTitle"/>
           </p:nvPr>
         </p:nvSpPr>
         <p:spPr/>
@@ -5644,17 +7708,17 @@
           <a:p>
             <a:r>
               <a:rPr lang="en-US" dirty="0"/>
-              <a:t>Unordered Data Structures</a:t>
-            </a:r>
-          </a:p>
-        </p:txBody>
-      </p:sp>
-      <p:sp>
-        <p:nvSpPr>
-          <p:cNvPr id="3" name="Content Placeholder 2">
+              <a:t>Data Structures</a:t>
+            </a:r>
+          </a:p>
+        </p:txBody>
+      </p:sp>
+      <p:sp>
+        <p:nvSpPr>
+          <p:cNvPr id="3" name="Subtitle 2">
             <a:extLst>
               <a:ext uri="{FF2B5EF4-FFF2-40B4-BE49-F238E27FC236}">
-                <a16:creationId xmlns:a16="http://schemas.microsoft.com/office/drawing/2014/main" id="{D672F9F4-7DC6-EC62-5846-698947A5333D}"/>
+                <a16:creationId xmlns:a16="http://schemas.microsoft.com/office/drawing/2014/main" id="{9CC550A2-1B20-D8F1-F3DD-6A8037D4BA8D}"/>
               </a:ext>
             </a:extLst>
           </p:cNvPr>
@@ -5662,97 +7726,22 @@
             <a:spLocks noGrp="1"/>
           </p:cNvSpPr>
           <p:nvPr>
-            <p:ph idx="1"/>
-          </p:nvPr>
-        </p:nvSpPr>
-        <p:spPr>
-          <a:xfrm>
-            <a:off x="1451579" y="1977887"/>
-            <a:ext cx="9603275" cy="3925955"/>
-          </a:xfrm>
-        </p:spPr>
-        <p:txBody>
-          <a:bodyPr/>
-          <a:lstStyle/>
-          <a:p>
-            <a:r>
-              <a:rPr lang="en-US" dirty="0"/>
-              <a:t>Some data structures hold data without maintaining indices or positions for objects. </a:t>
-            </a:r>
-          </a:p>
-          <a:p>
-            <a:r>
-              <a:rPr lang="en-US" dirty="0"/>
-              <a:t>Interactions with unordered structures is different:</a:t>
-            </a:r>
-          </a:p>
-          <a:p>
-            <a:pPr lvl="1"/>
-            <a:r>
-              <a:rPr lang="en-US" dirty="0"/>
-              <a:t>Interactions with ordered data structures are oriented around the index. </a:t>
-            </a:r>
-          </a:p>
-          <a:p>
-            <a:pPr lvl="1"/>
-            <a:r>
-              <a:rPr lang="en-US" dirty="0"/>
-              <a:t>Interactions with unordered data structures are oriented around the item. </a:t>
-            </a:r>
-          </a:p>
-        </p:txBody>
-      </p:sp>
-      <p:pic>
-        <p:nvPicPr>
-          <p:cNvPr id="6146" name="Picture 2" descr="Programming in Python (Udacity). Lists in Python are equal to arrays in… |  by Farrukh Atabekov | Medium">
-            <a:extLst>
-              <a:ext uri="{FF2B5EF4-FFF2-40B4-BE49-F238E27FC236}">
-                <a16:creationId xmlns:a16="http://schemas.microsoft.com/office/drawing/2014/main" id="{9DD5AFBE-213B-8C3F-8D83-92E57CCE4EA0}"/>
-              </a:ext>
-            </a:extLst>
-          </p:cNvPr>
-          <p:cNvPicPr>
-            <a:picLocks noChangeAspect="1" noChangeArrowheads="1"/>
-          </p:cNvPicPr>
-          <p:nvPr/>
-        </p:nvPicPr>
-        <p:blipFill>
-          <a:blip r:embed="rId2">
-            <a:extLst>
-              <a:ext uri="{28A0092B-C50C-407E-A947-70E740481C1C}">
-                <a14:useLocalDpi xmlns:a14="http://schemas.microsoft.com/office/drawing/2010/main" val="0"/>
-              </a:ext>
-            </a:extLst>
-          </a:blip>
-          <a:srcRect/>
-          <a:stretch>
-            <a:fillRect/>
-          </a:stretch>
-        </p:blipFill>
-        <p:spPr bwMode="auto">
-          <a:xfrm>
-            <a:off x="1816100" y="3940864"/>
-            <a:ext cx="8559800" cy="2552700"/>
-          </a:xfrm>
-          <a:prstGeom prst="rect">
-            <a:avLst/>
-          </a:prstGeom>
-          <a:noFill/>
-          <a:extLst>
-            <a:ext uri="{909E8E84-426E-40DD-AFC4-6F175D3DCCD1}">
-              <a14:hiddenFill xmlns:a14="http://schemas.microsoft.com/office/drawing/2010/main">
-                <a:solidFill>
-                  <a:srgbClr val="FFFFFF"/>
-                </a:solidFill>
-              </a14:hiddenFill>
-            </a:ext>
-          </a:extLst>
-        </p:spPr>
-      </p:pic>
+            <p:ph type="subTitle" idx="1"/>
+          </p:nvPr>
+        </p:nvSpPr>
+        <p:spPr/>
+        <p:txBody>
+          <a:bodyPr/>
+          <a:lstStyle/>
+          <a:p>
+            <a:endParaRPr lang="en-US"/>
+          </a:p>
+        </p:txBody>
+      </p:sp>
     </p:spTree>
     <p:extLst>
       <p:ext uri="{BB962C8B-B14F-4D97-AF65-F5344CB8AC3E}">
-        <p14:creationId xmlns:p14="http://schemas.microsoft.com/office/powerpoint/2010/main" val="1615858933"/>
+        <p14:creationId xmlns:p14="http://schemas.microsoft.com/office/powerpoint/2010/main" val="4230728950"/>
       </p:ext>
     </p:extLst>
   </p:cSld>
@@ -5784,7 +7773,7 @@
           <p:cNvPr id="2" name="Title 1">
             <a:extLst>
               <a:ext uri="{FF2B5EF4-FFF2-40B4-BE49-F238E27FC236}">
-                <a16:creationId xmlns:a16="http://schemas.microsoft.com/office/drawing/2014/main" id="{B9928EEA-8A50-BF74-119E-91EC4BECCD13}"/>
+                <a16:creationId xmlns:a16="http://schemas.microsoft.com/office/drawing/2014/main" id="{09CEBACF-E011-0A8F-3950-77A42F801333}"/>
               </a:ext>
             </a:extLst>
           </p:cNvPr>
@@ -5802,7 +7791,7 @@
           <a:p>
             <a:r>
               <a:rPr lang="en-US" dirty="0"/>
-              <a:t>Sets</a:t>
+              <a:t>Data Structures in Python</a:t>
             </a:r>
           </a:p>
         </p:txBody>
@@ -5812,7 +7801,7 @@
           <p:cNvPr id="3" name="Content Placeholder 2">
             <a:extLst>
               <a:ext uri="{FF2B5EF4-FFF2-40B4-BE49-F238E27FC236}">
-                <a16:creationId xmlns:a16="http://schemas.microsoft.com/office/drawing/2014/main" id="{2952F8A5-C80F-8461-B924-594EF7FB5AF4}"/>
+                <a16:creationId xmlns:a16="http://schemas.microsoft.com/office/drawing/2014/main" id="{A9BFE846-CADA-DFA7-56FB-045DDB7B56B0}"/>
               </a:ext>
             </a:extLst>
           </p:cNvPr>
@@ -5825,8 +7814,8 @@
         </p:nvSpPr>
         <p:spPr>
           <a:xfrm>
-            <a:off x="679622" y="1958009"/>
-            <a:ext cx="5898182" cy="3985591"/>
+            <a:off x="1451579" y="2015732"/>
+            <a:ext cx="9603275" cy="4037749"/>
           </a:xfrm>
         </p:spPr>
         <p:txBody>
@@ -5835,80 +7824,66 @@
           <a:p>
             <a:r>
               <a:rPr lang="en-US" dirty="0"/>
-              <a:t>Sets are a basic unordered data structure. </a:t>
-            </a:r>
-          </a:p>
-          <a:p>
-            <a:r>
-              <a:rPr lang="en-US" dirty="0"/>
-              <a:t>Sets are largely an implementation of a math set. </a:t>
-            </a:r>
-          </a:p>
-          <a:p>
-            <a:r>
-              <a:rPr lang="en-US" dirty="0"/>
-              <a:t>Set operations allow us a one-step way to do some useful calculations on data. </a:t>
-            </a:r>
-          </a:p>
-          <a:p>
-            <a:r>
-              <a:rPr lang="en-US" dirty="0"/>
-              <a:t>This is also an example of operator overloading – sets redefine operators like “-” to do something specific for them. </a:t>
-            </a:r>
-          </a:p>
-        </p:txBody>
-      </p:sp>
-      <p:pic>
-        <p:nvPicPr>
-          <p:cNvPr id="1026" name="Picture 2" descr="入門｜一文帶你了解Python集合與基本的集合運算- 每日頭條">
-            <a:extLst>
-              <a:ext uri="{FF2B5EF4-FFF2-40B4-BE49-F238E27FC236}">
-                <a16:creationId xmlns:a16="http://schemas.microsoft.com/office/drawing/2014/main" id="{4734A5A8-A1A3-1109-C475-462081E2B2C8}"/>
-              </a:ext>
-            </a:extLst>
-          </p:cNvPr>
-          <p:cNvPicPr>
-            <a:picLocks noChangeAspect="1" noChangeArrowheads="1"/>
-          </p:cNvPicPr>
-          <p:nvPr/>
-        </p:nvPicPr>
-        <p:blipFill>
-          <a:blip r:embed="rId2">
-            <a:extLst>
-              <a:ext uri="{28A0092B-C50C-407E-A947-70E740481C1C}">
-                <a14:useLocalDpi xmlns:a14="http://schemas.microsoft.com/office/drawing/2010/main" val="0"/>
-              </a:ext>
-            </a:extLst>
-          </a:blip>
-          <a:srcRect/>
-          <a:stretch>
-            <a:fillRect/>
-          </a:stretch>
-        </p:blipFill>
-        <p:spPr bwMode="auto">
-          <a:xfrm>
-            <a:off x="6577803" y="0"/>
-            <a:ext cx="5535613" cy="6858000"/>
-          </a:xfrm>
-          <a:prstGeom prst="rect">
-            <a:avLst/>
-          </a:prstGeom>
-          <a:noFill/>
-          <a:extLst>
-            <a:ext uri="{909E8E84-426E-40DD-AFC4-6F175D3DCCD1}">
-              <a14:hiddenFill xmlns:a14="http://schemas.microsoft.com/office/drawing/2010/main">
-                <a:solidFill>
-                  <a:srgbClr val="FFFFFF"/>
-                </a:solidFill>
-              </a14:hiddenFill>
-            </a:ext>
-          </a:extLst>
-        </p:spPr>
-      </p:pic>
+              <a:t>All data structures do, more-or-less, the same thing – hold some data in a “package”. </a:t>
+            </a:r>
+          </a:p>
+          <a:p>
+            <a:r>
+              <a:rPr lang="en-US" dirty="0"/>
+              <a:t>It’s far easier to handle a list of products as a unit, rather than 37 billion individual items. </a:t>
+            </a:r>
+          </a:p>
+          <a:p>
+            <a:r>
+              <a:rPr lang="en-US" dirty="0"/>
+              <a:t>Most scenarios are well suited to familiar data structures:</a:t>
+            </a:r>
+          </a:p>
+          <a:p>
+            <a:pPr lvl="1"/>
+            <a:r>
+              <a:rPr lang="en-US" dirty="0"/>
+              <a:t>Lists – many items, totally flexible, find items by index. </a:t>
+            </a:r>
+          </a:p>
+          <a:p>
+            <a:pPr lvl="1"/>
+            <a:r>
+              <a:rPr lang="en-US" dirty="0" err="1"/>
+              <a:t>Dataframes</a:t>
+            </a:r>
+            <a:r>
+              <a:rPr lang="en-US" dirty="0"/>
+              <a:t> – using tabular data, as we commonly do in data science. </a:t>
+            </a:r>
+          </a:p>
+          <a:p>
+            <a:pPr lvl="1"/>
+            <a:r>
+              <a:rPr lang="en-US" dirty="0"/>
+              <a:t>Arrays – roughly a ”fixed” list, used a lot for machine learning. (Hopefully you’ll touch these in stats soon-</a:t>
+            </a:r>
+            <a:r>
+              <a:rPr lang="en-US" dirty="0" err="1"/>
+              <a:t>ish</a:t>
+            </a:r>
+            <a:r>
+              <a:rPr lang="en-US" dirty="0"/>
+              <a:t>). </a:t>
+            </a:r>
+          </a:p>
+          <a:p>
+            <a:r>
+              <a:rPr lang="en-US" dirty="0"/>
+              <a:t>Other times we may want or need a data structure with different functionality. </a:t>
+            </a:r>
+          </a:p>
+        </p:txBody>
+      </p:sp>
     </p:spTree>
     <p:extLst>
       <p:ext uri="{BB962C8B-B14F-4D97-AF65-F5344CB8AC3E}">
-        <p14:creationId xmlns:p14="http://schemas.microsoft.com/office/powerpoint/2010/main" val="2822183973"/>
+        <p14:creationId xmlns:p14="http://schemas.microsoft.com/office/powerpoint/2010/main" val="603940446"/>
       </p:ext>
     </p:extLst>
   </p:cSld>

--- a/reference_material/slides/007_other_data_structures.pptx
+++ b/reference_material/slides/007_other_data_structures.pptx
@@ -6,32 +6,33 @@
   </p:sldMasterIdLst>
   <p:sldIdLst>
     <p:sldId id="270" r:id="rId2"/>
-    <p:sldId id="277" r:id="rId3"/>
-    <p:sldId id="282" r:id="rId4"/>
-    <p:sldId id="278" r:id="rId5"/>
-    <p:sldId id="279" r:id="rId6"/>
-    <p:sldId id="280" r:id="rId7"/>
-    <p:sldId id="281" r:id="rId8"/>
-    <p:sldId id="256" r:id="rId9"/>
-    <p:sldId id="257" r:id="rId10"/>
-    <p:sldId id="273" r:id="rId11"/>
-    <p:sldId id="259" r:id="rId12"/>
-    <p:sldId id="266" r:id="rId13"/>
-    <p:sldId id="267" r:id="rId14"/>
-    <p:sldId id="275" r:id="rId15"/>
-    <p:sldId id="276" r:id="rId16"/>
-    <p:sldId id="271" r:id="rId17"/>
-    <p:sldId id="268" r:id="rId18"/>
-    <p:sldId id="258" r:id="rId19"/>
-    <p:sldId id="260" r:id="rId20"/>
-    <p:sldId id="261" r:id="rId21"/>
-    <p:sldId id="269" r:id="rId22"/>
-    <p:sldId id="274" r:id="rId23"/>
-    <p:sldId id="262" r:id="rId24"/>
-    <p:sldId id="263" r:id="rId25"/>
-    <p:sldId id="264" r:id="rId26"/>
-    <p:sldId id="272" r:id="rId27"/>
-    <p:sldId id="265" r:id="rId28"/>
+    <p:sldId id="283" r:id="rId3"/>
+    <p:sldId id="277" r:id="rId4"/>
+    <p:sldId id="282" r:id="rId5"/>
+    <p:sldId id="278" r:id="rId6"/>
+    <p:sldId id="279" r:id="rId7"/>
+    <p:sldId id="280" r:id="rId8"/>
+    <p:sldId id="281" r:id="rId9"/>
+    <p:sldId id="256" r:id="rId10"/>
+    <p:sldId id="257" r:id="rId11"/>
+    <p:sldId id="273" r:id="rId12"/>
+    <p:sldId id="259" r:id="rId13"/>
+    <p:sldId id="266" r:id="rId14"/>
+    <p:sldId id="267" r:id="rId15"/>
+    <p:sldId id="275" r:id="rId16"/>
+    <p:sldId id="276" r:id="rId17"/>
+    <p:sldId id="271" r:id="rId18"/>
+    <p:sldId id="268" r:id="rId19"/>
+    <p:sldId id="258" r:id="rId20"/>
+    <p:sldId id="260" r:id="rId21"/>
+    <p:sldId id="261" r:id="rId22"/>
+    <p:sldId id="269" r:id="rId23"/>
+    <p:sldId id="274" r:id="rId24"/>
+    <p:sldId id="262" r:id="rId25"/>
+    <p:sldId id="263" r:id="rId26"/>
+    <p:sldId id="264" r:id="rId27"/>
+    <p:sldId id="272" r:id="rId28"/>
+    <p:sldId id="265" r:id="rId29"/>
   </p:sldIdLst>
   <p:sldSz cx="12192000" cy="6858000"/>
   <p:notesSz cx="6858000" cy="9144000"/>
@@ -136,6 +137,7 @@
         <p14:section name="Default Section" id="{C90AF663-26B5-A94E-A532-10FD4C98C2D8}">
           <p14:sldIdLst>
             <p14:sldId id="270"/>
+            <p14:sldId id="283"/>
           </p14:sldIdLst>
         </p14:section>
         <p14:section name="Object Review" id="{9BA41C80-6C22-A540-B8E9-3A6D167751FD}">
@@ -3752,12 +3754,14 @@
         </p:nvSpPr>
         <p:spPr>
           <a:xfrm>
-            <a:off x="1242391" y="1924216"/>
-            <a:ext cx="10048461" cy="4129265"/>
+            <a:off x="1242391" y="1853754"/>
+            <a:ext cx="10048461" cy="4287070"/>
           </a:xfrm>
         </p:spPr>
         <p:txBody>
-          <a:bodyPr/>
+          <a:bodyPr>
+            <a:normAutofit lnSpcReduction="10000"/>
+          </a:bodyPr>
           <a:lstStyle/>
           <a:p>
             <a:r>
@@ -3801,6 +3805,18 @@
             </a:r>
           </a:p>
           <a:p>
+            <a:pPr lvl="1"/>
+            <a:r>
+              <a:rPr lang="en-US" dirty="0"/>
+              <a:t>If you want to add your name to the GitHub profile, that helps. I get if you </a:t>
+            </a:r>
+            <a:r>
+              <a:rPr lang="en-US"/>
+              <a:t>don’t want to. </a:t>
+            </a:r>
+            <a:endParaRPr lang="en-US" dirty="0"/>
+          </a:p>
+          <a:p>
             <a:r>
               <a:rPr lang="en-US" dirty="0"/>
               <a:t>Lab repository access issues – there’s an announcement on the LMS. </a:t>
@@ -3818,6 +3834,12 @@
             <a:r>
               <a:rPr lang="en-US" dirty="0"/>
               <a:t>Click yourself when accepting a lab the first time, if you aren’t there let me know. </a:t>
+            </a:r>
+          </a:p>
+          <a:p>
+            <a:r>
+              <a:rPr lang="en-US" dirty="0"/>
+              <a:t>For lab 1 I posted a sample solution to the repository, the sync/pull request thing will get it. </a:t>
             </a:r>
           </a:p>
           <a:p>
@@ -3843,6 +3865,148 @@
 </file>
 
 <file path=ppt/slides/slide10.xml><?xml version="1.0" encoding="utf-8"?>
+<p:sld xmlns:a="http://schemas.openxmlformats.org/drawingml/2006/main" xmlns:r="http://schemas.openxmlformats.org/officeDocument/2006/relationships" xmlns:p="http://schemas.openxmlformats.org/presentationml/2006/main">
+  <p:cSld>
+    <p:spTree>
+      <p:nvGrpSpPr>
+        <p:cNvPr id="1" name=""/>
+        <p:cNvGrpSpPr/>
+        <p:nvPr/>
+      </p:nvGrpSpPr>
+      <p:grpSpPr>
+        <a:xfrm>
+          <a:off x="0" y="0"/>
+          <a:ext cx="0" cy="0"/>
+          <a:chOff x="0" y="0"/>
+          <a:chExt cx="0" cy="0"/>
+        </a:xfrm>
+      </p:grpSpPr>
+      <p:sp>
+        <p:nvSpPr>
+          <p:cNvPr id="2" name="Title 1">
+            <a:extLst>
+              <a:ext uri="{FF2B5EF4-FFF2-40B4-BE49-F238E27FC236}">
+                <a16:creationId xmlns:a16="http://schemas.microsoft.com/office/drawing/2014/main" id="{09CEBACF-E011-0A8F-3950-77A42F801333}"/>
+              </a:ext>
+            </a:extLst>
+          </p:cNvPr>
+          <p:cNvSpPr>
+            <a:spLocks noGrp="1"/>
+          </p:cNvSpPr>
+          <p:nvPr>
+            <p:ph type="title"/>
+          </p:nvPr>
+        </p:nvSpPr>
+        <p:spPr/>
+        <p:txBody>
+          <a:bodyPr/>
+          <a:lstStyle/>
+          <a:p>
+            <a:r>
+              <a:rPr lang="en-US" dirty="0"/>
+              <a:t>Data Structures in Python</a:t>
+            </a:r>
+          </a:p>
+        </p:txBody>
+      </p:sp>
+      <p:sp>
+        <p:nvSpPr>
+          <p:cNvPr id="3" name="Content Placeholder 2">
+            <a:extLst>
+              <a:ext uri="{FF2B5EF4-FFF2-40B4-BE49-F238E27FC236}">
+                <a16:creationId xmlns:a16="http://schemas.microsoft.com/office/drawing/2014/main" id="{A9BFE846-CADA-DFA7-56FB-045DDB7B56B0}"/>
+              </a:ext>
+            </a:extLst>
+          </p:cNvPr>
+          <p:cNvSpPr>
+            <a:spLocks noGrp="1"/>
+          </p:cNvSpPr>
+          <p:nvPr>
+            <p:ph idx="1"/>
+          </p:nvPr>
+        </p:nvSpPr>
+        <p:spPr>
+          <a:xfrm>
+            <a:off x="1451579" y="2015732"/>
+            <a:ext cx="9603275" cy="4037749"/>
+          </a:xfrm>
+        </p:spPr>
+        <p:txBody>
+          <a:bodyPr/>
+          <a:lstStyle/>
+          <a:p>
+            <a:r>
+              <a:rPr lang="en-US" dirty="0"/>
+              <a:t>All data structures do, more-or-less, the same thing – hold some data in a “package”. </a:t>
+            </a:r>
+          </a:p>
+          <a:p>
+            <a:r>
+              <a:rPr lang="en-US" dirty="0"/>
+              <a:t>It’s far easier to handle a list of products as a unit, rather than 37 billion individual items. </a:t>
+            </a:r>
+          </a:p>
+          <a:p>
+            <a:r>
+              <a:rPr lang="en-US" dirty="0"/>
+              <a:t>Most scenarios are well suited to familiar data structures:</a:t>
+            </a:r>
+          </a:p>
+          <a:p>
+            <a:pPr lvl="1"/>
+            <a:r>
+              <a:rPr lang="en-US" dirty="0"/>
+              <a:t>Lists – many items, totally flexible, find items by index. </a:t>
+            </a:r>
+          </a:p>
+          <a:p>
+            <a:pPr lvl="1"/>
+            <a:r>
+              <a:rPr lang="en-US" dirty="0" err="1"/>
+              <a:t>Dataframes</a:t>
+            </a:r>
+            <a:r>
+              <a:rPr lang="en-US" dirty="0"/>
+              <a:t> – using tabular data, as we commonly do in data science. </a:t>
+            </a:r>
+          </a:p>
+          <a:p>
+            <a:pPr lvl="1"/>
+            <a:r>
+              <a:rPr lang="en-US" dirty="0"/>
+              <a:t>Arrays – roughly a ”fixed” list, used a lot for machine learning. (Hopefully you’ll touch these in stats soon-</a:t>
+            </a:r>
+            <a:r>
+              <a:rPr lang="en-US" dirty="0" err="1"/>
+              <a:t>ish</a:t>
+            </a:r>
+            <a:r>
+              <a:rPr lang="en-US" dirty="0"/>
+              <a:t>). </a:t>
+            </a:r>
+          </a:p>
+          <a:p>
+            <a:r>
+              <a:rPr lang="en-US" dirty="0"/>
+              <a:t>Other times we may want or need a data structure with different functionality. </a:t>
+            </a:r>
+          </a:p>
+        </p:txBody>
+      </p:sp>
+    </p:spTree>
+    <p:extLst>
+      <p:ext uri="{BB962C8B-B14F-4D97-AF65-F5344CB8AC3E}">
+        <p14:creationId xmlns:p14="http://schemas.microsoft.com/office/powerpoint/2010/main" val="603940446"/>
+      </p:ext>
+    </p:extLst>
+  </p:cSld>
+  <p:clrMapOvr>
+    <a:masterClrMapping/>
+  </p:clrMapOvr>
+</p:sld>
+</file>
+
+<file path=ppt/slides/slide11.xml><?xml version="1.0" encoding="utf-8"?>
 <p:sld xmlns:a="http://schemas.openxmlformats.org/drawingml/2006/main" xmlns:r="http://schemas.openxmlformats.org/officeDocument/2006/relationships" xmlns:p="http://schemas.openxmlformats.org/presentationml/2006/main" show="0">
   <p:cSld>
     <p:spTree>
@@ -3931,7 +4095,7 @@
 </p:sld>
 </file>
 
-<file path=ppt/slides/slide11.xml><?xml version="1.0" encoding="utf-8"?>
+<file path=ppt/slides/slide12.xml><?xml version="1.0" encoding="utf-8"?>
 <p:sld xmlns:a="http://schemas.openxmlformats.org/drawingml/2006/main" xmlns:r="http://schemas.openxmlformats.org/officeDocument/2006/relationships" xmlns:p="http://schemas.openxmlformats.org/presentationml/2006/main">
   <p:cSld>
     <p:spTree>
@@ -4099,7 +4263,7 @@
 </p:sld>
 </file>
 
-<file path=ppt/slides/slide12.xml><?xml version="1.0" encoding="utf-8"?>
+<file path=ppt/slides/slide13.xml><?xml version="1.0" encoding="utf-8"?>
 <p:sld xmlns:a="http://schemas.openxmlformats.org/drawingml/2006/main" xmlns:r="http://schemas.openxmlformats.org/officeDocument/2006/relationships" xmlns:p="http://schemas.openxmlformats.org/presentationml/2006/main">
   <p:cSld>
     <p:spTree>
@@ -4270,153 +4434,6 @@
 </p:sld>
 </file>
 
-<file path=ppt/slides/slide13.xml><?xml version="1.0" encoding="utf-8"?>
-<p:sld xmlns:a="http://schemas.openxmlformats.org/drawingml/2006/main" xmlns:r="http://schemas.openxmlformats.org/officeDocument/2006/relationships" xmlns:p="http://schemas.openxmlformats.org/presentationml/2006/main">
-  <p:cSld>
-    <p:spTree>
-      <p:nvGrpSpPr>
-        <p:cNvPr id="1" name=""/>
-        <p:cNvGrpSpPr/>
-        <p:nvPr/>
-      </p:nvGrpSpPr>
-      <p:grpSpPr>
-        <a:xfrm>
-          <a:off x="0" y="0"/>
-          <a:ext cx="0" cy="0"/>
-          <a:chOff x="0" y="0"/>
-          <a:chExt cx="0" cy="0"/>
-        </a:xfrm>
-      </p:grpSpPr>
-      <p:sp>
-        <p:nvSpPr>
-          <p:cNvPr id="2" name="Title 1">
-            <a:extLst>
-              <a:ext uri="{FF2B5EF4-FFF2-40B4-BE49-F238E27FC236}">
-                <a16:creationId xmlns:a16="http://schemas.microsoft.com/office/drawing/2014/main" id="{F297E73D-CF79-511E-81E7-02BEFAE7A173}"/>
-              </a:ext>
-            </a:extLst>
-          </p:cNvPr>
-          <p:cNvSpPr>
-            <a:spLocks noGrp="1"/>
-          </p:cNvSpPr>
-          <p:nvPr>
-            <p:ph type="title"/>
-          </p:nvPr>
-        </p:nvSpPr>
-        <p:spPr/>
-        <p:txBody>
-          <a:bodyPr/>
-          <a:lstStyle/>
-          <a:p>
-            <a:r>
-              <a:rPr lang="en-US" dirty="0"/>
-              <a:t>Mutability Reasons</a:t>
-            </a:r>
-          </a:p>
-        </p:txBody>
-      </p:sp>
-      <p:sp>
-        <p:nvSpPr>
-          <p:cNvPr id="3" name="Content Placeholder 2">
-            <a:extLst>
-              <a:ext uri="{FF2B5EF4-FFF2-40B4-BE49-F238E27FC236}">
-                <a16:creationId xmlns:a16="http://schemas.microsoft.com/office/drawing/2014/main" id="{2181178B-202F-6EE0-A760-B36240A93A8C}"/>
-              </a:ext>
-            </a:extLst>
-          </p:cNvPr>
-          <p:cNvSpPr>
-            <a:spLocks noGrp="1"/>
-          </p:cNvSpPr>
-          <p:nvPr>
-            <p:ph idx="1"/>
-          </p:nvPr>
-        </p:nvSpPr>
-        <p:spPr>
-          <a:xfrm>
-            <a:off x="1451579" y="1853754"/>
-            <a:ext cx="9603275" cy="4199727"/>
-          </a:xfrm>
-        </p:spPr>
-        <p:txBody>
-          <a:bodyPr/>
-          <a:lstStyle/>
-          <a:p>
-            <a:r>
-              <a:rPr lang="en-US" dirty="0"/>
-              <a:t>Why would anyone want an unchanging variable?</a:t>
-            </a:r>
-          </a:p>
-          <a:p>
-            <a:r>
-              <a:rPr lang="en-US" dirty="0"/>
-              <a:t>Immutable objects can allow for:</a:t>
-            </a:r>
-          </a:p>
-          <a:p>
-            <a:pPr lvl="1"/>
-            <a:r>
-              <a:rPr lang="en-US" dirty="0"/>
-              <a:t>Provability – if we need to mathematically prove a program works (e.g. mission-critical). </a:t>
-            </a:r>
-          </a:p>
-          <a:p>
-            <a:pPr lvl="1"/>
-            <a:r>
-              <a:rPr lang="en-US" dirty="0"/>
-              <a:t>Thread safe – programs that are multithreaded are easier with immutable variables. </a:t>
-            </a:r>
-          </a:p>
-          <a:p>
-            <a:pPr lvl="1"/>
-            <a:r>
-              <a:rPr lang="en-US" dirty="0"/>
-              <a:t>Efficiency - since immutable things don’t change, compilers* can allocate exact memory. </a:t>
-            </a:r>
-          </a:p>
-          <a:p>
-            <a:r>
-              <a:rPr lang="en-US" dirty="0"/>
-              <a:t>This stuff can matter a lot when doing lower-level coding. </a:t>
-            </a:r>
-          </a:p>
-          <a:p>
-            <a:pPr lvl="1"/>
-            <a:r>
-              <a:rPr lang="en-US" dirty="0"/>
-              <a:t>Can “fix” objects that we know will not need to change. </a:t>
-            </a:r>
-          </a:p>
-          <a:p>
-            <a:pPr lvl="1"/>
-            <a:r>
-              <a:rPr lang="en-US" dirty="0"/>
-              <a:t>Compilers can rely on this non-changing rule, and optimize around it. </a:t>
-            </a:r>
-          </a:p>
-          <a:p>
-            <a:r>
-              <a:rPr lang="en-US" dirty="0"/>
-              <a:t>These concerns are usually not super relevant to us using Python for data science. </a:t>
-            </a:r>
-          </a:p>
-          <a:p>
-            <a:endParaRPr lang="en-US" dirty="0"/>
-          </a:p>
-        </p:txBody>
-      </p:sp>
-    </p:spTree>
-    <p:extLst>
-      <p:ext uri="{BB962C8B-B14F-4D97-AF65-F5344CB8AC3E}">
-        <p14:creationId xmlns:p14="http://schemas.microsoft.com/office/powerpoint/2010/main" val="1049731650"/>
-      </p:ext>
-    </p:extLst>
-  </p:cSld>
-  <p:clrMapOvr>
-    <a:masterClrMapping/>
-  </p:clrMapOvr>
-</p:sld>
-</file>
-
 <file path=ppt/slides/slide14.xml><?xml version="1.0" encoding="utf-8"?>
 <p:sld xmlns:a="http://schemas.openxmlformats.org/drawingml/2006/main" xmlns:r="http://schemas.openxmlformats.org/officeDocument/2006/relationships" xmlns:p="http://schemas.openxmlformats.org/presentationml/2006/main">
   <p:cSld>
@@ -4439,6 +4456,153 @@
           <p:cNvPr id="2" name="Title 1">
             <a:extLst>
               <a:ext uri="{FF2B5EF4-FFF2-40B4-BE49-F238E27FC236}">
+                <a16:creationId xmlns:a16="http://schemas.microsoft.com/office/drawing/2014/main" id="{F297E73D-CF79-511E-81E7-02BEFAE7A173}"/>
+              </a:ext>
+            </a:extLst>
+          </p:cNvPr>
+          <p:cNvSpPr>
+            <a:spLocks noGrp="1"/>
+          </p:cNvSpPr>
+          <p:nvPr>
+            <p:ph type="title"/>
+          </p:nvPr>
+        </p:nvSpPr>
+        <p:spPr/>
+        <p:txBody>
+          <a:bodyPr/>
+          <a:lstStyle/>
+          <a:p>
+            <a:r>
+              <a:rPr lang="en-US" dirty="0"/>
+              <a:t>Mutability Reasons</a:t>
+            </a:r>
+          </a:p>
+        </p:txBody>
+      </p:sp>
+      <p:sp>
+        <p:nvSpPr>
+          <p:cNvPr id="3" name="Content Placeholder 2">
+            <a:extLst>
+              <a:ext uri="{FF2B5EF4-FFF2-40B4-BE49-F238E27FC236}">
+                <a16:creationId xmlns:a16="http://schemas.microsoft.com/office/drawing/2014/main" id="{2181178B-202F-6EE0-A760-B36240A93A8C}"/>
+              </a:ext>
+            </a:extLst>
+          </p:cNvPr>
+          <p:cNvSpPr>
+            <a:spLocks noGrp="1"/>
+          </p:cNvSpPr>
+          <p:nvPr>
+            <p:ph idx="1"/>
+          </p:nvPr>
+        </p:nvSpPr>
+        <p:spPr>
+          <a:xfrm>
+            <a:off x="1451579" y="1853754"/>
+            <a:ext cx="9603275" cy="4199727"/>
+          </a:xfrm>
+        </p:spPr>
+        <p:txBody>
+          <a:bodyPr/>
+          <a:lstStyle/>
+          <a:p>
+            <a:r>
+              <a:rPr lang="en-US" dirty="0"/>
+              <a:t>Why would anyone want an unchanging variable?</a:t>
+            </a:r>
+          </a:p>
+          <a:p>
+            <a:r>
+              <a:rPr lang="en-US" dirty="0"/>
+              <a:t>Immutable objects can allow for:</a:t>
+            </a:r>
+          </a:p>
+          <a:p>
+            <a:pPr lvl="1"/>
+            <a:r>
+              <a:rPr lang="en-US" dirty="0"/>
+              <a:t>Provability – if we need to mathematically prove a program works (e.g. mission-critical). </a:t>
+            </a:r>
+          </a:p>
+          <a:p>
+            <a:pPr lvl="1"/>
+            <a:r>
+              <a:rPr lang="en-US" dirty="0"/>
+              <a:t>Thread safe – programs that are multithreaded are easier with immutable variables. </a:t>
+            </a:r>
+          </a:p>
+          <a:p>
+            <a:pPr lvl="1"/>
+            <a:r>
+              <a:rPr lang="en-US" dirty="0"/>
+              <a:t>Efficiency - since immutable things don’t change, compilers* can allocate exact memory. </a:t>
+            </a:r>
+          </a:p>
+          <a:p>
+            <a:r>
+              <a:rPr lang="en-US" dirty="0"/>
+              <a:t>This stuff can matter a lot when doing lower-level coding. </a:t>
+            </a:r>
+          </a:p>
+          <a:p>
+            <a:pPr lvl="1"/>
+            <a:r>
+              <a:rPr lang="en-US" dirty="0"/>
+              <a:t>Can “fix” objects that we know will not need to change. </a:t>
+            </a:r>
+          </a:p>
+          <a:p>
+            <a:pPr lvl="1"/>
+            <a:r>
+              <a:rPr lang="en-US" dirty="0"/>
+              <a:t>Compilers can rely on this non-changing rule, and optimize around it. </a:t>
+            </a:r>
+          </a:p>
+          <a:p>
+            <a:r>
+              <a:rPr lang="en-US" dirty="0"/>
+              <a:t>These concerns are usually not super relevant to us using Python for data science. </a:t>
+            </a:r>
+          </a:p>
+          <a:p>
+            <a:endParaRPr lang="en-US" dirty="0"/>
+          </a:p>
+        </p:txBody>
+      </p:sp>
+    </p:spTree>
+    <p:extLst>
+      <p:ext uri="{BB962C8B-B14F-4D97-AF65-F5344CB8AC3E}">
+        <p14:creationId xmlns:p14="http://schemas.microsoft.com/office/powerpoint/2010/main" val="1049731650"/>
+      </p:ext>
+    </p:extLst>
+  </p:cSld>
+  <p:clrMapOvr>
+    <a:masterClrMapping/>
+  </p:clrMapOvr>
+</p:sld>
+</file>
+
+<file path=ppt/slides/slide15.xml><?xml version="1.0" encoding="utf-8"?>
+<p:sld xmlns:a="http://schemas.openxmlformats.org/drawingml/2006/main" xmlns:r="http://schemas.openxmlformats.org/officeDocument/2006/relationships" xmlns:p="http://schemas.openxmlformats.org/presentationml/2006/main">
+  <p:cSld>
+    <p:spTree>
+      <p:nvGrpSpPr>
+        <p:cNvPr id="1" name=""/>
+        <p:cNvGrpSpPr/>
+        <p:nvPr/>
+      </p:nvGrpSpPr>
+      <p:grpSpPr>
+        <a:xfrm>
+          <a:off x="0" y="0"/>
+          <a:ext cx="0" cy="0"/>
+          <a:chOff x="0" y="0"/>
+          <a:chExt cx="0" cy="0"/>
+        </a:xfrm>
+      </p:grpSpPr>
+      <p:sp>
+        <p:nvSpPr>
+          <p:cNvPr id="2" name="Title 1">
+            <a:extLst>
+              <a:ext uri="{FF2B5EF4-FFF2-40B4-BE49-F238E27FC236}">
                 <a16:creationId xmlns:a16="http://schemas.microsoft.com/office/drawing/2014/main" id="{FAE3B593-6B8A-7D72-2DBC-392EFB462940}"/>
               </a:ext>
             </a:extLst>
@@ -4556,7 +4720,7 @@
 </p:sld>
 </file>
 
-<file path=ppt/slides/slide15.xml><?xml version="1.0" encoding="utf-8"?>
+<file path=ppt/slides/slide16.xml><?xml version="1.0" encoding="utf-8"?>
 <p:sld xmlns:a="http://schemas.openxmlformats.org/drawingml/2006/main" xmlns:r="http://schemas.openxmlformats.org/officeDocument/2006/relationships" xmlns:p="http://schemas.openxmlformats.org/presentationml/2006/main">
   <p:cSld>
     <p:bg>
@@ -4800,7 +4964,7 @@
 </p:sld>
 </file>
 
-<file path=ppt/slides/slide16.xml><?xml version="1.0" encoding="utf-8"?>
+<file path=ppt/slides/slide17.xml><?xml version="1.0" encoding="utf-8"?>
 <p:sld xmlns:a="http://schemas.openxmlformats.org/drawingml/2006/main" xmlns:r="http://schemas.openxmlformats.org/officeDocument/2006/relationships" xmlns:p="http://schemas.openxmlformats.org/presentationml/2006/main">
   <p:cSld>
     <p:spTree>
@@ -4927,7 +5091,7 @@
 </p:sld>
 </file>
 
-<file path=ppt/slides/slide17.xml><?xml version="1.0" encoding="utf-8"?>
+<file path=ppt/slides/slide18.xml><?xml version="1.0" encoding="utf-8"?>
 <p:sld xmlns:a="http://schemas.openxmlformats.org/drawingml/2006/main" xmlns:r="http://schemas.openxmlformats.org/officeDocument/2006/relationships" xmlns:p="http://schemas.openxmlformats.org/presentationml/2006/main">
   <p:cSld>
     <p:spTree>
@@ -5119,7 +5283,7 @@
 </p:sld>
 </file>
 
-<file path=ppt/slides/slide18.xml><?xml version="1.0" encoding="utf-8"?>
+<file path=ppt/slides/slide19.xml><?xml version="1.0" encoding="utf-8"?>
 <p:sld xmlns:a="http://schemas.openxmlformats.org/drawingml/2006/main" xmlns:r="http://schemas.openxmlformats.org/officeDocument/2006/relationships" xmlns:p="http://schemas.openxmlformats.org/presentationml/2006/main">
   <p:cSld>
     <p:spTree>
@@ -5277,7 +5441,145 @@
 </p:sld>
 </file>
 
-<file path=ppt/slides/slide19.xml><?xml version="1.0" encoding="utf-8"?>
+<file path=ppt/slides/slide2.xml><?xml version="1.0" encoding="utf-8"?>
+<p:sld xmlns:a="http://schemas.openxmlformats.org/drawingml/2006/main" xmlns:r="http://schemas.openxmlformats.org/officeDocument/2006/relationships" xmlns:p="http://schemas.openxmlformats.org/presentationml/2006/main">
+  <p:cSld>
+    <p:spTree>
+      <p:nvGrpSpPr>
+        <p:cNvPr id="1" name=""/>
+        <p:cNvGrpSpPr/>
+        <p:nvPr/>
+      </p:nvGrpSpPr>
+      <p:grpSpPr>
+        <a:xfrm>
+          <a:off x="0" y="0"/>
+          <a:ext cx="0" cy="0"/>
+          <a:chOff x="0" y="0"/>
+          <a:chExt cx="0" cy="0"/>
+        </a:xfrm>
+      </p:grpSpPr>
+      <p:sp>
+        <p:nvSpPr>
+          <p:cNvPr id="2" name="Title 1">
+            <a:extLst>
+              <a:ext uri="{FF2B5EF4-FFF2-40B4-BE49-F238E27FC236}">
+                <a16:creationId xmlns:a16="http://schemas.microsoft.com/office/drawing/2014/main" id="{8FE2FF10-0E7D-3204-B04F-B9A2A0C6690B}"/>
+              </a:ext>
+            </a:extLst>
+          </p:cNvPr>
+          <p:cNvSpPr>
+            <a:spLocks noGrp="1"/>
+          </p:cNvSpPr>
+          <p:nvPr>
+            <p:ph type="title"/>
+          </p:nvPr>
+        </p:nvSpPr>
+        <p:spPr/>
+        <p:txBody>
+          <a:bodyPr/>
+          <a:lstStyle/>
+          <a:p>
+            <a:r>
+              <a:rPr lang="en-US" dirty="0"/>
+              <a:t>You’re Supposed to Have a Test Next Week!</a:t>
+            </a:r>
+          </a:p>
+        </p:txBody>
+      </p:sp>
+      <p:sp>
+        <p:nvSpPr>
+          <p:cNvPr id="3" name="Content Placeholder 2">
+            <a:extLst>
+              <a:ext uri="{FF2B5EF4-FFF2-40B4-BE49-F238E27FC236}">
+                <a16:creationId xmlns:a16="http://schemas.microsoft.com/office/drawing/2014/main" id="{F9BF1766-805C-7C12-FAC2-4968CAE21C01}"/>
+              </a:ext>
+            </a:extLst>
+          </p:cNvPr>
+          <p:cNvSpPr>
+            <a:spLocks noGrp="1"/>
+          </p:cNvSpPr>
+          <p:nvPr>
+            <p:ph idx="1"/>
+          </p:nvPr>
+        </p:nvSpPr>
+        <p:spPr>
+          <a:xfrm>
+            <a:off x="993913" y="1926522"/>
+            <a:ext cx="10336696" cy="4126959"/>
+          </a:xfrm>
+        </p:spPr>
+        <p:txBody>
+          <a:bodyPr/>
+          <a:lstStyle/>
+          <a:p>
+            <a:r>
+              <a:rPr lang="en-US" dirty="0"/>
+              <a:t>The exams have two parts – theory and applied. </a:t>
+            </a:r>
+          </a:p>
+          <a:p>
+            <a:pPr lvl="1"/>
+            <a:r>
+              <a:rPr lang="en-US" dirty="0"/>
+              <a:t>The theory is multiple choice on the concepts we’ve covered. </a:t>
+            </a:r>
+          </a:p>
+          <a:p>
+            <a:pPr lvl="2"/>
+            <a:r>
+              <a:rPr lang="en-US" dirty="0"/>
+              <a:t>There’s a review quiz before it on the LMS. This review isn’t exactly the same question banks, but it is close. </a:t>
+            </a:r>
+          </a:p>
+          <a:p>
+            <a:pPr lvl="1"/>
+            <a:r>
+              <a:rPr lang="en-US" dirty="0"/>
+              <a:t>There’s an applied part that has a couple of challenges that you need to code. </a:t>
+            </a:r>
+          </a:p>
+          <a:p>
+            <a:pPr lvl="2"/>
+            <a:r>
+              <a:rPr lang="en-US" dirty="0"/>
+              <a:t>Please make sure that you’re added to the GitHub class so we can avoid issues. </a:t>
+            </a:r>
+          </a:p>
+          <a:p>
+            <a:r>
+              <a:rPr lang="en-US" dirty="0"/>
+              <a:t>Covers python basics, variables and data types, conditional execution, loops. </a:t>
+            </a:r>
+          </a:p>
+          <a:p>
+            <a:pPr lvl="1"/>
+            <a:r>
+              <a:rPr lang="en-US" dirty="0"/>
+              <a:t>No object/class stuff. </a:t>
+            </a:r>
+          </a:p>
+          <a:p>
+            <a:r>
+              <a:rPr lang="en-US" dirty="0"/>
+              <a:t>Open book/internet/whatever, please be good people and don’t communicate with each other. </a:t>
+            </a:r>
+          </a:p>
+        </p:txBody>
+      </p:sp>
+    </p:spTree>
+    <p:extLst>
+      <p:ext uri="{BB962C8B-B14F-4D97-AF65-F5344CB8AC3E}">
+        <p14:creationId xmlns:p14="http://schemas.microsoft.com/office/powerpoint/2010/main" val="3714557201"/>
+      </p:ext>
+    </p:extLst>
+  </p:cSld>
+  <p:clrMapOvr>
+    <a:masterClrMapping/>
+  </p:clrMapOvr>
+</p:sld>
+</file>
+
+<file path=ppt/slides/slide20.xml><?xml version="1.0" encoding="utf-8"?>
 <p:sld xmlns:a="http://schemas.openxmlformats.org/drawingml/2006/main" xmlns:r="http://schemas.openxmlformats.org/officeDocument/2006/relationships" xmlns:p="http://schemas.openxmlformats.org/presentationml/2006/main">
   <p:cSld>
     <p:spTree>
@@ -5456,160 +5758,7 @@
 </p:sld>
 </file>
 
-<file path=ppt/slides/slide2.xml><?xml version="1.0" encoding="utf-8"?>
-<p:sld xmlns:a="http://schemas.openxmlformats.org/drawingml/2006/main" xmlns:r="http://schemas.openxmlformats.org/officeDocument/2006/relationships" xmlns:p="http://schemas.openxmlformats.org/presentationml/2006/main">
-  <p:cSld>
-    <p:spTree>
-      <p:nvGrpSpPr>
-        <p:cNvPr id="1" name=""/>
-        <p:cNvGrpSpPr/>
-        <p:nvPr/>
-      </p:nvGrpSpPr>
-      <p:grpSpPr>
-        <a:xfrm>
-          <a:off x="0" y="0"/>
-          <a:ext cx="0" cy="0"/>
-          <a:chOff x="0" y="0"/>
-          <a:chExt cx="0" cy="0"/>
-        </a:xfrm>
-      </p:grpSpPr>
-      <p:sp>
-        <p:nvSpPr>
-          <p:cNvPr id="2" name="Title 1">
-            <a:extLst>
-              <a:ext uri="{FF2B5EF4-FFF2-40B4-BE49-F238E27FC236}">
-                <a16:creationId xmlns:a16="http://schemas.microsoft.com/office/drawing/2014/main" id="{974AF395-C99D-8716-CC1F-B498D8758B50}"/>
-              </a:ext>
-            </a:extLst>
-          </p:cNvPr>
-          <p:cNvSpPr>
-            <a:spLocks noGrp="1"/>
-          </p:cNvSpPr>
-          <p:nvPr>
-            <p:ph type="title"/>
-          </p:nvPr>
-        </p:nvSpPr>
-        <p:spPr/>
-        <p:txBody>
-          <a:bodyPr/>
-          <a:lstStyle/>
-          <a:p>
-            <a:r>
-              <a:rPr lang="en-US" dirty="0"/>
-              <a:t>Objects and Classes - Review</a:t>
-            </a:r>
-          </a:p>
-        </p:txBody>
-      </p:sp>
-      <p:sp>
-        <p:nvSpPr>
-          <p:cNvPr id="3" name="Content Placeholder 2">
-            <a:extLst>
-              <a:ext uri="{FF2B5EF4-FFF2-40B4-BE49-F238E27FC236}">
-                <a16:creationId xmlns:a16="http://schemas.microsoft.com/office/drawing/2014/main" id="{FC87C400-EC50-0AD7-565D-A50DA23146D1}"/>
-              </a:ext>
-            </a:extLst>
-          </p:cNvPr>
-          <p:cNvSpPr>
-            <a:spLocks noGrp="1"/>
-          </p:cNvSpPr>
-          <p:nvPr>
-            <p:ph idx="1"/>
-          </p:nvPr>
-        </p:nvSpPr>
-        <p:spPr>
-          <a:xfrm>
-            <a:off x="1451579" y="2015732"/>
-            <a:ext cx="9603275" cy="4037749"/>
-          </a:xfrm>
-        </p:spPr>
-        <p:txBody>
-          <a:bodyPr/>
-          <a:lstStyle/>
-          <a:p>
-            <a:r>
-              <a:rPr lang="en-US" dirty="0"/>
-              <a:t>In python everything that we create is an object. </a:t>
-            </a:r>
-          </a:p>
-          <a:p>
-            <a:pPr lvl="1"/>
-            <a:r>
-              <a:rPr lang="en-US" dirty="0"/>
-              <a:t>A “thing” in the memory of the program that we refer to with a variable name. </a:t>
-            </a:r>
-          </a:p>
-          <a:p>
-            <a:pPr lvl="1"/>
-            <a:r>
-              <a:rPr lang="en-US" dirty="0"/>
-              <a:t>E.g. Strings, </a:t>
-            </a:r>
-            <a:r>
-              <a:rPr lang="en-US" dirty="0" err="1"/>
-              <a:t>dataframes</a:t>
-            </a:r>
-            <a:r>
-              <a:rPr lang="en-US" dirty="0"/>
-              <a:t>, lists, </a:t>
-            </a:r>
-            <a:r>
-              <a:rPr lang="en-US" dirty="0" err="1"/>
-              <a:t>etc</a:t>
-            </a:r>
-            <a:r>
-              <a:rPr lang="en-US" dirty="0"/>
-              <a:t>…</a:t>
-            </a:r>
-          </a:p>
-          <a:p>
-            <a:r>
-              <a:rPr lang="en-US" dirty="0"/>
-              <a:t>An object is defined by a class, where the code for that object lies. </a:t>
-            </a:r>
-          </a:p>
-          <a:p>
-            <a:r>
-              <a:rPr lang="en-US" dirty="0"/>
-              <a:t>In a class, we define an object (mainly) by two things:</a:t>
-            </a:r>
-          </a:p>
-          <a:p>
-            <a:pPr lvl="1"/>
-            <a:r>
-              <a:rPr lang="en-US" dirty="0"/>
-              <a:t>What an object “is” – the attributes (data) that it holds.  </a:t>
-            </a:r>
-          </a:p>
-          <a:p>
-            <a:pPr lvl="1"/>
-            <a:r>
-              <a:rPr lang="en-US" dirty="0"/>
-              <a:t>What an object “does” – the methods (functions) that we can call. </a:t>
-            </a:r>
-          </a:p>
-          <a:p>
-            <a:r>
-              <a:rPr lang="en-US" dirty="0"/>
-              <a:t>We can make this to model real (or ‘internal’ things) and reuse those things as needed.</a:t>
-            </a:r>
-          </a:p>
-        </p:txBody>
-      </p:sp>
-    </p:spTree>
-    <p:extLst>
-      <p:ext uri="{BB962C8B-B14F-4D97-AF65-F5344CB8AC3E}">
-        <p14:creationId xmlns:p14="http://schemas.microsoft.com/office/powerpoint/2010/main" val="1864580953"/>
-      </p:ext>
-    </p:extLst>
-  </p:cSld>
-  <p:clrMapOvr>
-    <a:masterClrMapping/>
-  </p:clrMapOvr>
-</p:sld>
-</file>
-
-<file path=ppt/slides/slide20.xml><?xml version="1.0" encoding="utf-8"?>
+<file path=ppt/slides/slide21.xml><?xml version="1.0" encoding="utf-8"?>
 <p:sld xmlns:a="http://schemas.openxmlformats.org/drawingml/2006/main" xmlns:r="http://schemas.openxmlformats.org/officeDocument/2006/relationships" xmlns:p="http://schemas.openxmlformats.org/presentationml/2006/main">
   <p:cSld>
     <p:spTree>
@@ -5765,7 +5914,7 @@
 </p:sld>
 </file>
 
-<file path=ppt/slides/slide21.xml><?xml version="1.0" encoding="utf-8"?>
+<file path=ppt/slides/slide22.xml><?xml version="1.0" encoding="utf-8"?>
 <p:sld xmlns:a="http://schemas.openxmlformats.org/drawingml/2006/main" xmlns:r="http://schemas.openxmlformats.org/officeDocument/2006/relationships" xmlns:p="http://schemas.openxmlformats.org/presentationml/2006/main">
   <p:cSld>
     <p:bg>
@@ -5997,7 +6146,7 @@
 </p:sld>
 </file>
 
-<file path=ppt/slides/slide22.xml><?xml version="1.0" encoding="utf-8"?>
+<file path=ppt/slides/slide23.xml><?xml version="1.0" encoding="utf-8"?>
 <p:sld xmlns:a="http://schemas.openxmlformats.org/drawingml/2006/main" xmlns:r="http://schemas.openxmlformats.org/officeDocument/2006/relationships" xmlns:p="http://schemas.openxmlformats.org/presentationml/2006/main">
   <p:cSld>
     <p:spTree>
@@ -6089,7 +6238,7 @@
 </p:sld>
 </file>
 
-<file path=ppt/slides/slide23.xml><?xml version="1.0" encoding="utf-8"?>
+<file path=ppt/slides/slide24.xml><?xml version="1.0" encoding="utf-8"?>
 <p:sld xmlns:a="http://schemas.openxmlformats.org/drawingml/2006/main" xmlns:r="http://schemas.openxmlformats.org/officeDocument/2006/relationships" xmlns:p="http://schemas.openxmlformats.org/presentationml/2006/main">
   <p:cSld>
     <p:spTree>
@@ -6259,7 +6408,7 @@
 </p:sld>
 </file>
 
-<file path=ppt/slides/slide24.xml><?xml version="1.0" encoding="utf-8"?>
+<file path=ppt/slides/slide25.xml><?xml version="1.0" encoding="utf-8"?>
 <p:sld xmlns:a="http://schemas.openxmlformats.org/drawingml/2006/main" xmlns:r="http://schemas.openxmlformats.org/officeDocument/2006/relationships" xmlns:p="http://schemas.openxmlformats.org/presentationml/2006/main">
   <p:cSld>
     <p:bg>
@@ -6450,7 +6599,7 @@
 </p:sld>
 </file>
 
-<file path=ppt/slides/slide25.xml><?xml version="1.0" encoding="utf-8"?>
+<file path=ppt/slides/slide26.xml><?xml version="1.0" encoding="utf-8"?>
 <p:sld xmlns:a="http://schemas.openxmlformats.org/drawingml/2006/main" xmlns:r="http://schemas.openxmlformats.org/officeDocument/2006/relationships" xmlns:p="http://schemas.openxmlformats.org/presentationml/2006/main">
   <p:cSld>
     <p:spTree>
@@ -6612,7 +6761,7 @@
 </p:sld>
 </file>
 
-<file path=ppt/slides/slide26.xml><?xml version="1.0" encoding="utf-8"?>
+<file path=ppt/slides/slide27.xml><?xml version="1.0" encoding="utf-8"?>
 <p:sld xmlns:a="http://schemas.openxmlformats.org/drawingml/2006/main" xmlns:r="http://schemas.openxmlformats.org/officeDocument/2006/relationships" xmlns:p="http://schemas.openxmlformats.org/presentationml/2006/main">
   <p:cSld>
     <p:spTree>
@@ -6809,7 +6958,7 @@
 </p:sld>
 </file>
 
-<file path=ppt/slides/slide27.xml><?xml version="1.0" encoding="utf-8"?>
+<file path=ppt/slides/slide28.xml><?xml version="1.0" encoding="utf-8"?>
 <p:sld xmlns:a="http://schemas.openxmlformats.org/drawingml/2006/main" xmlns:r="http://schemas.openxmlformats.org/officeDocument/2006/relationships" xmlns:p="http://schemas.openxmlformats.org/presentationml/2006/main">
   <p:cSld>
     <p:spTree>
@@ -6972,6 +7121,159 @@
 </file>
 
 <file path=ppt/slides/slide3.xml><?xml version="1.0" encoding="utf-8"?>
+<p:sld xmlns:a="http://schemas.openxmlformats.org/drawingml/2006/main" xmlns:r="http://schemas.openxmlformats.org/officeDocument/2006/relationships" xmlns:p="http://schemas.openxmlformats.org/presentationml/2006/main">
+  <p:cSld>
+    <p:spTree>
+      <p:nvGrpSpPr>
+        <p:cNvPr id="1" name=""/>
+        <p:cNvGrpSpPr/>
+        <p:nvPr/>
+      </p:nvGrpSpPr>
+      <p:grpSpPr>
+        <a:xfrm>
+          <a:off x="0" y="0"/>
+          <a:ext cx="0" cy="0"/>
+          <a:chOff x="0" y="0"/>
+          <a:chExt cx="0" cy="0"/>
+        </a:xfrm>
+      </p:grpSpPr>
+      <p:sp>
+        <p:nvSpPr>
+          <p:cNvPr id="2" name="Title 1">
+            <a:extLst>
+              <a:ext uri="{FF2B5EF4-FFF2-40B4-BE49-F238E27FC236}">
+                <a16:creationId xmlns:a16="http://schemas.microsoft.com/office/drawing/2014/main" id="{974AF395-C99D-8716-CC1F-B498D8758B50}"/>
+              </a:ext>
+            </a:extLst>
+          </p:cNvPr>
+          <p:cNvSpPr>
+            <a:spLocks noGrp="1"/>
+          </p:cNvSpPr>
+          <p:nvPr>
+            <p:ph type="title"/>
+          </p:nvPr>
+        </p:nvSpPr>
+        <p:spPr/>
+        <p:txBody>
+          <a:bodyPr/>
+          <a:lstStyle/>
+          <a:p>
+            <a:r>
+              <a:rPr lang="en-US" dirty="0"/>
+              <a:t>Objects and Classes - Review</a:t>
+            </a:r>
+          </a:p>
+        </p:txBody>
+      </p:sp>
+      <p:sp>
+        <p:nvSpPr>
+          <p:cNvPr id="3" name="Content Placeholder 2">
+            <a:extLst>
+              <a:ext uri="{FF2B5EF4-FFF2-40B4-BE49-F238E27FC236}">
+                <a16:creationId xmlns:a16="http://schemas.microsoft.com/office/drawing/2014/main" id="{FC87C400-EC50-0AD7-565D-A50DA23146D1}"/>
+              </a:ext>
+            </a:extLst>
+          </p:cNvPr>
+          <p:cNvSpPr>
+            <a:spLocks noGrp="1"/>
+          </p:cNvSpPr>
+          <p:nvPr>
+            <p:ph idx="1"/>
+          </p:nvPr>
+        </p:nvSpPr>
+        <p:spPr>
+          <a:xfrm>
+            <a:off x="1451579" y="2015732"/>
+            <a:ext cx="9603275" cy="4037749"/>
+          </a:xfrm>
+        </p:spPr>
+        <p:txBody>
+          <a:bodyPr/>
+          <a:lstStyle/>
+          <a:p>
+            <a:r>
+              <a:rPr lang="en-US" dirty="0"/>
+              <a:t>In python everything that we create is an object. </a:t>
+            </a:r>
+          </a:p>
+          <a:p>
+            <a:pPr lvl="1"/>
+            <a:r>
+              <a:rPr lang="en-US" dirty="0"/>
+              <a:t>A “thing” in the memory of the program that we refer to with a variable name. </a:t>
+            </a:r>
+          </a:p>
+          <a:p>
+            <a:pPr lvl="1"/>
+            <a:r>
+              <a:rPr lang="en-US" dirty="0"/>
+              <a:t>E.g. Strings, </a:t>
+            </a:r>
+            <a:r>
+              <a:rPr lang="en-US" dirty="0" err="1"/>
+              <a:t>dataframes</a:t>
+            </a:r>
+            <a:r>
+              <a:rPr lang="en-US" dirty="0"/>
+              <a:t>, lists, </a:t>
+            </a:r>
+            <a:r>
+              <a:rPr lang="en-US" dirty="0" err="1"/>
+              <a:t>etc</a:t>
+            </a:r>
+            <a:r>
+              <a:rPr lang="en-US" dirty="0"/>
+              <a:t>…</a:t>
+            </a:r>
+          </a:p>
+          <a:p>
+            <a:r>
+              <a:rPr lang="en-US" dirty="0"/>
+              <a:t>An object is defined by a class, where the code for that object lies. </a:t>
+            </a:r>
+          </a:p>
+          <a:p>
+            <a:r>
+              <a:rPr lang="en-US" dirty="0"/>
+              <a:t>In a class, we define an object (mainly) by two things:</a:t>
+            </a:r>
+          </a:p>
+          <a:p>
+            <a:pPr lvl="1"/>
+            <a:r>
+              <a:rPr lang="en-US" dirty="0"/>
+              <a:t>What an object “is” – the attributes (data) that it holds.  </a:t>
+            </a:r>
+          </a:p>
+          <a:p>
+            <a:pPr lvl="1"/>
+            <a:r>
+              <a:rPr lang="en-US" dirty="0"/>
+              <a:t>What an object “does” – the methods (functions) that we can call. </a:t>
+            </a:r>
+          </a:p>
+          <a:p>
+            <a:r>
+              <a:rPr lang="en-US" dirty="0"/>
+              <a:t>We can make this to model real (or ‘internal’ things) and reuse those things as needed.</a:t>
+            </a:r>
+          </a:p>
+        </p:txBody>
+      </p:sp>
+    </p:spTree>
+    <p:extLst>
+      <p:ext uri="{BB962C8B-B14F-4D97-AF65-F5344CB8AC3E}">
+        <p14:creationId xmlns:p14="http://schemas.microsoft.com/office/powerpoint/2010/main" val="1864580953"/>
+      </p:ext>
+    </p:extLst>
+  </p:cSld>
+  <p:clrMapOvr>
+    <a:masterClrMapping/>
+  </p:clrMapOvr>
+</p:sld>
+</file>
+
+<file path=ppt/slides/slide4.xml><?xml version="1.0" encoding="utf-8"?>
 <p:sld xmlns:a="http://schemas.openxmlformats.org/drawingml/2006/main" xmlns:r="http://schemas.openxmlformats.org/officeDocument/2006/relationships" xmlns:p="http://schemas.openxmlformats.org/presentationml/2006/main">
   <p:cSld>
     <p:spTree>
@@ -7048,159 +7350,6 @@
 </p:sld>
 </file>
 
-<file path=ppt/slides/slide4.xml><?xml version="1.0" encoding="utf-8"?>
-<p:sld xmlns:a="http://schemas.openxmlformats.org/drawingml/2006/main" xmlns:r="http://schemas.openxmlformats.org/officeDocument/2006/relationships" xmlns:p="http://schemas.openxmlformats.org/presentationml/2006/main">
-  <p:cSld>
-    <p:spTree>
-      <p:nvGrpSpPr>
-        <p:cNvPr id="1" name=""/>
-        <p:cNvGrpSpPr/>
-        <p:nvPr/>
-      </p:nvGrpSpPr>
-      <p:grpSpPr>
-        <a:xfrm>
-          <a:off x="0" y="0"/>
-          <a:ext cx="0" cy="0"/>
-          <a:chOff x="0" y="0"/>
-          <a:chExt cx="0" cy="0"/>
-        </a:xfrm>
-      </p:grpSpPr>
-      <p:sp>
-        <p:nvSpPr>
-          <p:cNvPr id="2" name="Title 1">
-            <a:extLst>
-              <a:ext uri="{FF2B5EF4-FFF2-40B4-BE49-F238E27FC236}">
-                <a16:creationId xmlns:a16="http://schemas.microsoft.com/office/drawing/2014/main" id="{491BD65D-F434-4654-54F7-9492FD7E44CC}"/>
-              </a:ext>
-            </a:extLst>
-          </p:cNvPr>
-          <p:cNvSpPr>
-            <a:spLocks noGrp="1"/>
-          </p:cNvSpPr>
-          <p:nvPr>
-            <p:ph type="title"/>
-          </p:nvPr>
-        </p:nvSpPr>
-        <p:spPr/>
-        <p:txBody>
-          <a:bodyPr/>
-          <a:lstStyle/>
-          <a:p>
-            <a:r>
-              <a:rPr lang="en-US" dirty="0"/>
-              <a:t>Catch some Static</a:t>
-            </a:r>
-          </a:p>
-        </p:txBody>
-      </p:sp>
-      <p:sp>
-        <p:nvSpPr>
-          <p:cNvPr id="3" name="Content Placeholder 2">
-            <a:extLst>
-              <a:ext uri="{FF2B5EF4-FFF2-40B4-BE49-F238E27FC236}">
-                <a16:creationId xmlns:a16="http://schemas.microsoft.com/office/drawing/2014/main" id="{C863DC6F-46EE-8526-FBD5-8557E378AAFF}"/>
-              </a:ext>
-            </a:extLst>
-          </p:cNvPr>
-          <p:cNvSpPr>
-            <a:spLocks noGrp="1"/>
-          </p:cNvSpPr>
-          <p:nvPr>
-            <p:ph idx="1"/>
-          </p:nvPr>
-        </p:nvSpPr>
-        <p:spPr>
-          <a:xfrm>
-            <a:off x="1451579" y="1927412"/>
-            <a:ext cx="9603275" cy="4126069"/>
-          </a:xfrm>
-        </p:spPr>
-        <p:txBody>
-          <a:bodyPr/>
-          <a:lstStyle/>
-          <a:p>
-            <a:r>
-              <a:rPr lang="en-US" dirty="0"/>
-              <a:t>Static parts of a class. </a:t>
-            </a:r>
-          </a:p>
-          <a:p>
-            <a:pPr lvl="1"/>
-            <a:r>
-              <a:rPr lang="en-US" dirty="0"/>
-              <a:t>Classes often also contain static items - both variables and methods. </a:t>
-            </a:r>
-          </a:p>
-          <a:p>
-            <a:pPr lvl="1"/>
-            <a:r>
-              <a:rPr lang="en-US" dirty="0"/>
-              <a:t>Static things are the same for all instances of an object, as opposed to instance variables that differ for each new object created. </a:t>
-            </a:r>
-          </a:p>
-          <a:p>
-            <a:r>
-              <a:rPr lang="en-US" dirty="0"/>
-              <a:t>Static example – distances. </a:t>
-            </a:r>
-          </a:p>
-          <a:p>
-            <a:pPr lvl="1"/>
-            <a:r>
-              <a:rPr lang="en-US" dirty="0"/>
-              <a:t>Suppose you had some application like Google maps, and an object you kept was a ‘route’.</a:t>
-            </a:r>
-          </a:p>
-          <a:p>
-            <a:pPr lvl="1"/>
-            <a:r>
-              <a:rPr lang="en-US" dirty="0"/>
-              <a:t>This object likely has ’starting point’, ‘ending point’, ‘distance’, </a:t>
-            </a:r>
-            <a:r>
-              <a:rPr lang="en-US" dirty="0" err="1"/>
-              <a:t>etc</a:t>
-            </a:r>
-            <a:r>
-              <a:rPr lang="en-US" dirty="0"/>
-              <a:t>… as attributes. </a:t>
-            </a:r>
-          </a:p>
-          <a:p>
-            <a:pPr lvl="1"/>
-            <a:r>
-              <a:rPr lang="en-US" dirty="0"/>
-              <a:t>This class may also have a static method to convert km/mi, and a static var with the rate. </a:t>
-            </a:r>
-          </a:p>
-          <a:p>
-            <a:pPr lvl="1"/>
-            <a:r>
-              <a:rPr lang="en-US" dirty="0"/>
-              <a:t>The action of converting is not tied to any instance, nor is the conversion rate. </a:t>
-            </a:r>
-          </a:p>
-          <a:p>
-            <a:pPr marL="0" indent="0">
-              <a:buNone/>
-            </a:pPr>
-            <a:endParaRPr lang="en-US" dirty="0"/>
-          </a:p>
-        </p:txBody>
-      </p:sp>
-    </p:spTree>
-    <p:extLst>
-      <p:ext uri="{BB962C8B-B14F-4D97-AF65-F5344CB8AC3E}">
-        <p14:creationId xmlns:p14="http://schemas.microsoft.com/office/powerpoint/2010/main" val="1436415437"/>
-      </p:ext>
-    </p:extLst>
-  </p:cSld>
-  <p:clrMapOvr>
-    <a:masterClrMapping/>
-  </p:clrMapOvr>
-</p:sld>
-</file>
-
 <file path=ppt/slides/slide5.xml><?xml version="1.0" encoding="utf-8"?>
 <p:sld xmlns:a="http://schemas.openxmlformats.org/drawingml/2006/main" xmlns:r="http://schemas.openxmlformats.org/officeDocument/2006/relationships" xmlns:p="http://schemas.openxmlformats.org/presentationml/2006/main">
   <p:cSld>
@@ -7223,7 +7372,7 @@
           <p:cNvPr id="2" name="Title 1">
             <a:extLst>
               <a:ext uri="{FF2B5EF4-FFF2-40B4-BE49-F238E27FC236}">
-                <a16:creationId xmlns:a16="http://schemas.microsoft.com/office/drawing/2014/main" id="{FF869D5F-FE9F-4256-A953-ABFC207C0A4F}"/>
+                <a16:creationId xmlns:a16="http://schemas.microsoft.com/office/drawing/2014/main" id="{491BD65D-F434-4654-54F7-9492FD7E44CC}"/>
               </a:ext>
             </a:extLst>
           </p:cNvPr>
@@ -7241,7 +7390,7 @@
           <a:p>
             <a:r>
               <a:rPr lang="en-US" dirty="0"/>
-              <a:t>Dot Notation</a:t>
+              <a:t>Catch some Static</a:t>
             </a:r>
           </a:p>
         </p:txBody>
@@ -7251,7 +7400,7 @@
           <p:cNvPr id="3" name="Content Placeholder 2">
             <a:extLst>
               <a:ext uri="{FF2B5EF4-FFF2-40B4-BE49-F238E27FC236}">
-                <a16:creationId xmlns:a16="http://schemas.microsoft.com/office/drawing/2014/main" id="{BA6A24CE-16F5-BCB2-48A2-023D9F7ECA02}"/>
+                <a16:creationId xmlns:a16="http://schemas.microsoft.com/office/drawing/2014/main" id="{C863DC6F-46EE-8526-FBD5-8557E378AAFF}"/>
               </a:ext>
             </a:extLst>
           </p:cNvPr>
@@ -7262,83 +7411,81 @@
             <p:ph idx="1"/>
           </p:nvPr>
         </p:nvSpPr>
-        <p:spPr/>
+        <p:spPr>
+          <a:xfrm>
+            <a:off x="1451579" y="1927412"/>
+            <a:ext cx="9603275" cy="4126069"/>
+          </a:xfrm>
+        </p:spPr>
         <p:txBody>
           <a:bodyPr/>
           <a:lstStyle/>
           <a:p>
             <a:r>
               <a:rPr lang="en-US" dirty="0"/>
-              <a:t>Calling things in an object uses dot notation. </a:t>
-            </a:r>
-          </a:p>
-          <a:p>
-            <a:r>
-              <a:rPr lang="en-US" dirty="0"/>
-              <a:t>For methods it’ll be </a:t>
+              <a:t>Static parts of a class. </a:t>
+            </a:r>
+          </a:p>
+          <a:p>
+            <a:pPr lvl="1"/>
+            <a:r>
+              <a:rPr lang="en-US" dirty="0"/>
+              <a:t>Classes often also contain static items - both variables and methods. </a:t>
+            </a:r>
+          </a:p>
+          <a:p>
+            <a:pPr lvl="1"/>
+            <a:r>
+              <a:rPr lang="en-US" dirty="0"/>
+              <a:t>Static things are the same for all instances of an object, as opposed to instance variables that differ for each new object created. </a:t>
+            </a:r>
+          </a:p>
+          <a:p>
+            <a:r>
+              <a:rPr lang="en-US" dirty="0"/>
+              <a:t>Static example – distances. </a:t>
+            </a:r>
+          </a:p>
+          <a:p>
+            <a:pPr lvl="1"/>
+            <a:r>
+              <a:rPr lang="en-US" dirty="0"/>
+              <a:t>Suppose you had some application like Google maps, and an object you kept was a ‘route’.</a:t>
+            </a:r>
+          </a:p>
+          <a:p>
+            <a:pPr lvl="1"/>
+            <a:r>
+              <a:rPr lang="en-US" dirty="0"/>
+              <a:t>This object likely has ’starting point’, ‘ending point’, ‘distance’, </a:t>
             </a:r>
             <a:r>
               <a:rPr lang="en-US" dirty="0" err="1"/>
-              <a:t>var_name.method</a:t>
-            </a:r>
-            <a:r>
-              <a:rPr lang="en-US" dirty="0"/>
-              <a:t>(), for static ones </a:t>
-            </a:r>
-            <a:r>
-              <a:rPr lang="en-US" dirty="0" err="1"/>
-              <a:t>class_name.method</a:t>
-            </a:r>
-            <a:r>
-              <a:rPr lang="en-US" dirty="0"/>
-              <a:t>(). </a:t>
-            </a:r>
-          </a:p>
-          <a:p>
-            <a:r>
-              <a:rPr lang="en-US" dirty="0"/>
-              <a:t>“Look inside this thing, for this other thing”. </a:t>
-            </a:r>
-          </a:p>
-          <a:p>
-            <a:pPr lvl="1"/>
-            <a:r>
-              <a:rPr lang="en-US" dirty="0" err="1"/>
-              <a:t>Pandas.read_csv</a:t>
-            </a:r>
-            <a:r>
-              <a:rPr lang="en-US" dirty="0"/>
-              <a:t>() – look inside the class pandas for the method </a:t>
-            </a:r>
-            <a:r>
-              <a:rPr lang="en-US" dirty="0" err="1"/>
-              <a:t>read_csv</a:t>
-            </a:r>
-            <a:r>
-              <a:rPr lang="en-US" dirty="0"/>
-              <a:t>(). </a:t>
-            </a:r>
-          </a:p>
-          <a:p>
-            <a:pPr lvl="1"/>
-            <a:r>
-              <a:rPr lang="en-US" dirty="0" err="1"/>
-              <a:t>Df.info</a:t>
-            </a:r>
-            <a:r>
-              <a:rPr lang="en-US" dirty="0"/>
-              <a:t>() – look inside the object </a:t>
-            </a:r>
-            <a:r>
-              <a:rPr lang="en-US" dirty="0" err="1"/>
-              <a:t>df</a:t>
-            </a:r>
-            <a:r>
-              <a:rPr lang="en-US" dirty="0"/>
-              <a:t> and call its method info(). </a:t>
-            </a:r>
-          </a:p>
-          <a:p>
+              <a:t>etc</a:t>
+            </a:r>
+            <a:r>
+              <a:rPr lang="en-US" dirty="0"/>
+              <a:t>… as attributes. </a:t>
+            </a:r>
+          </a:p>
+          <a:p>
+            <a:pPr lvl="1"/>
+            <a:r>
+              <a:rPr lang="en-US" dirty="0"/>
+              <a:t>This class may also have a static method to convert km/mi, and a static var with the rate. </a:t>
+            </a:r>
+          </a:p>
+          <a:p>
+            <a:pPr lvl="1"/>
+            <a:r>
+              <a:rPr lang="en-US" dirty="0"/>
+              <a:t>The action of converting is not tied to any instance, nor is the conversion rate. </a:t>
+            </a:r>
+          </a:p>
+          <a:p>
+            <a:pPr marL="0" indent="0">
+              <a:buNone/>
+            </a:pPr>
             <a:endParaRPr lang="en-US" dirty="0"/>
           </a:p>
         </p:txBody>
@@ -7346,7 +7493,7 @@
     </p:spTree>
     <p:extLst>
       <p:ext uri="{BB962C8B-B14F-4D97-AF65-F5344CB8AC3E}">
-        <p14:creationId xmlns:p14="http://schemas.microsoft.com/office/powerpoint/2010/main" val="2861579098"/>
+        <p14:creationId xmlns:p14="http://schemas.microsoft.com/office/powerpoint/2010/main" val="1436415437"/>
       </p:ext>
     </p:extLst>
   </p:cSld>
@@ -7378,7 +7525,7 @@
           <p:cNvPr id="2" name="Title 1">
             <a:extLst>
               <a:ext uri="{FF2B5EF4-FFF2-40B4-BE49-F238E27FC236}">
-                <a16:creationId xmlns:a16="http://schemas.microsoft.com/office/drawing/2014/main" id="{0D52FE39-CC93-1B94-2C11-39D942263CB0}"/>
+                <a16:creationId xmlns:a16="http://schemas.microsoft.com/office/drawing/2014/main" id="{FF869D5F-FE9F-4256-A953-ABFC207C0A4F}"/>
               </a:ext>
             </a:extLst>
           </p:cNvPr>
@@ -7396,7 +7543,7 @@
           <a:p>
             <a:r>
               <a:rPr lang="en-US" dirty="0"/>
-              <a:t>Object Oriented Thinking</a:t>
+              <a:t>Dot Notation</a:t>
             </a:r>
           </a:p>
         </p:txBody>
@@ -7406,7 +7553,7 @@
           <p:cNvPr id="3" name="Content Placeholder 2">
             <a:extLst>
               <a:ext uri="{FF2B5EF4-FFF2-40B4-BE49-F238E27FC236}">
-                <a16:creationId xmlns:a16="http://schemas.microsoft.com/office/drawing/2014/main" id="{982A1997-CAC3-6E71-6371-2F8C6049AF66}"/>
+                <a16:creationId xmlns:a16="http://schemas.microsoft.com/office/drawing/2014/main" id="{BA6A24CE-16F5-BCB2-48A2-023D9F7ECA02}"/>
               </a:ext>
             </a:extLst>
           </p:cNvPr>
@@ -7417,94 +7564,91 @@
             <p:ph idx="1"/>
           </p:nvPr>
         </p:nvSpPr>
-        <p:spPr>
-          <a:xfrm>
-            <a:off x="887506" y="1853754"/>
-            <a:ext cx="10784541" cy="4199727"/>
-          </a:xfrm>
-        </p:spPr>
-        <p:txBody>
-          <a:bodyPr>
-            <a:normAutofit/>
-          </a:bodyPr>
-          <a:lstStyle/>
-          <a:p>
-            <a:r>
-              <a:rPr lang="en-US" dirty="0"/>
-              <a:t>We can create objects to model things in the world that we need to capture. </a:t>
-            </a:r>
-          </a:p>
-          <a:p>
-            <a:pPr lvl="1"/>
-            <a:r>
-              <a:rPr lang="en-US" dirty="0"/>
-              <a:t>Can combine attributes and abilities for a real-world thing, into an object. </a:t>
-            </a:r>
-          </a:p>
-          <a:p>
-            <a:pPr lvl="1"/>
-            <a:r>
-              <a:rPr lang="en-US" dirty="0"/>
-              <a:t>Thought pattern is weird at first but makes it easier to create complex things. </a:t>
-            </a:r>
-          </a:p>
-          <a:p>
-            <a:pPr lvl="1"/>
-            <a:r>
-              <a:rPr lang="en-US" dirty="0"/>
-              <a:t>A “product” in a store “is” a price, description, name, </a:t>
+        <p:spPr/>
+        <p:txBody>
+          <a:bodyPr/>
+          <a:lstStyle/>
+          <a:p>
+            <a:r>
+              <a:rPr lang="en-US" dirty="0"/>
+              <a:t>Calling things in an object uses dot notation. </a:t>
+            </a:r>
+          </a:p>
+          <a:p>
+            <a:r>
+              <a:rPr lang="en-US" dirty="0"/>
+              <a:t>For methods it’ll be </a:t>
             </a:r>
             <a:r>
               <a:rPr lang="en-US" dirty="0" err="1"/>
-              <a:t>etc</a:t>
-            </a:r>
-            <a:r>
-              <a:rPr lang="en-US" dirty="0"/>
-              <a:t>… and it can “do” a few things like change price. </a:t>
-            </a:r>
-          </a:p>
-          <a:p>
-            <a:r>
-              <a:rPr lang="en-US" dirty="0"/>
-              <a:t>Small and simple objects can be combined together to model more complex things. </a:t>
-            </a:r>
-          </a:p>
-          <a:p>
-            <a:pPr lvl="1"/>
-            <a:r>
-              <a:rPr lang="en-US" dirty="0"/>
-              <a:t>E.g. A school’s course calendar contains many class offerings. A class offering is made up of students, instructors, rooms, resources. A registration is a class and a student. One’s transcript is a collection of completed registrations. An instructor’s workload is a set of assigned classes. </a:t>
+              <a:t>var_name.method</a:t>
+            </a:r>
+            <a:r>
+              <a:rPr lang="en-US" dirty="0"/>
+              <a:t>(), for static ones </a:t>
             </a:r>
             <a:r>
               <a:rPr lang="en-US" dirty="0" err="1"/>
-              <a:t>Etc</a:t>
-            </a:r>
-            <a:r>
-              <a:rPr lang="en-US" dirty="0"/>
-              <a:t>…</a:t>
-            </a:r>
-          </a:p>
-          <a:p>
-            <a:pPr lvl="1"/>
-            <a:r>
-              <a:rPr lang="en-US" dirty="0"/>
-              <a:t>Each of these objects can also do stuff – register, change major, check prerequisites, </a:t>
-            </a:r>
+              <a:t>class_name.method</a:t>
+            </a:r>
+            <a:r>
+              <a:rPr lang="en-US" dirty="0"/>
+              <a:t>(). </a:t>
+            </a:r>
+          </a:p>
+          <a:p>
+            <a:r>
+              <a:rPr lang="en-US" dirty="0"/>
+              <a:t>“Look inside this thing, for this other thing”. </a:t>
+            </a:r>
+          </a:p>
+          <a:p>
+            <a:pPr lvl="1"/>
             <a:r>
               <a:rPr lang="en-US" dirty="0" err="1"/>
-              <a:t>etc</a:t>
-            </a:r>
-            <a:r>
-              <a:rPr lang="en-US" dirty="0"/>
-              <a:t>…</a:t>
-            </a:r>
+              <a:t>Pandas.read_csv</a:t>
+            </a:r>
+            <a:r>
+              <a:rPr lang="en-US" dirty="0"/>
+              <a:t>() – look inside the class pandas for the method </a:t>
+            </a:r>
+            <a:r>
+              <a:rPr lang="en-US" dirty="0" err="1"/>
+              <a:t>read_csv</a:t>
+            </a:r>
+            <a:r>
+              <a:rPr lang="en-US" dirty="0"/>
+              <a:t>(). </a:t>
+            </a:r>
+          </a:p>
+          <a:p>
+            <a:pPr lvl="1"/>
+            <a:r>
+              <a:rPr lang="en-US" dirty="0" err="1"/>
+              <a:t>Df.info</a:t>
+            </a:r>
+            <a:r>
+              <a:rPr lang="en-US" dirty="0"/>
+              <a:t>() – look inside the object </a:t>
+            </a:r>
+            <a:r>
+              <a:rPr lang="en-US" dirty="0" err="1"/>
+              <a:t>df</a:t>
+            </a:r>
+            <a:r>
+              <a:rPr lang="en-US" dirty="0"/>
+              <a:t> and call its method info(). </a:t>
+            </a:r>
+          </a:p>
+          <a:p>
+            <a:endParaRPr lang="en-US" dirty="0"/>
           </a:p>
         </p:txBody>
       </p:sp>
     </p:spTree>
     <p:extLst>
       <p:ext uri="{BB962C8B-B14F-4D97-AF65-F5344CB8AC3E}">
-        <p14:creationId xmlns:p14="http://schemas.microsoft.com/office/powerpoint/2010/main" val="4139205781"/>
+        <p14:creationId xmlns:p14="http://schemas.microsoft.com/office/powerpoint/2010/main" val="2861579098"/>
       </p:ext>
     </p:extLst>
   </p:cSld>
@@ -7536,7 +7680,7 @@
           <p:cNvPr id="2" name="Title 1">
             <a:extLst>
               <a:ext uri="{FF2B5EF4-FFF2-40B4-BE49-F238E27FC236}">
-                <a16:creationId xmlns:a16="http://schemas.microsoft.com/office/drawing/2014/main" id="{5B62CEC6-FB05-68D4-0BD0-A8A906959A28}"/>
+                <a16:creationId xmlns:a16="http://schemas.microsoft.com/office/drawing/2014/main" id="{0D52FE39-CC93-1B94-2C11-39D942263CB0}"/>
               </a:ext>
             </a:extLst>
           </p:cNvPr>
@@ -7554,7 +7698,7 @@
           <a:p>
             <a:r>
               <a:rPr lang="en-US" dirty="0"/>
-              <a:t>Benefits and Motivations</a:t>
+              <a:t>Object Oriented Thinking</a:t>
             </a:r>
           </a:p>
         </p:txBody>
@@ -7564,7 +7708,7 @@
           <p:cNvPr id="3" name="Content Placeholder 2">
             <a:extLst>
               <a:ext uri="{FF2B5EF4-FFF2-40B4-BE49-F238E27FC236}">
-                <a16:creationId xmlns:a16="http://schemas.microsoft.com/office/drawing/2014/main" id="{C018029D-0F2F-4E1C-1B96-8D366C52753E}"/>
+                <a16:creationId xmlns:a16="http://schemas.microsoft.com/office/drawing/2014/main" id="{982A1997-CAC3-6E71-6371-2F8C6049AF66}"/>
               </a:ext>
             </a:extLst>
           </p:cNvPr>
@@ -7577,80 +7721,84 @@
         </p:nvSpPr>
         <p:spPr>
           <a:xfrm>
-            <a:off x="1451579" y="2015732"/>
-            <a:ext cx="9603275" cy="4037749"/>
+            <a:off x="887506" y="1853754"/>
+            <a:ext cx="10784541" cy="4199727"/>
           </a:xfrm>
         </p:spPr>
         <p:txBody>
-          <a:bodyPr/>
-          <a:lstStyle/>
-          <a:p>
-            <a:r>
-              <a:rPr lang="en-US" dirty="0"/>
-              <a:t>Most complex modern software is (at least mostly) object oriented. </a:t>
-            </a:r>
-          </a:p>
-          <a:p>
-            <a:r>
-              <a:rPr lang="en-US" dirty="0"/>
-              <a:t>OOP has many benefits and reasons for us to use it, some initial ones:</a:t>
-            </a:r>
-          </a:p>
-          <a:p>
-            <a:pPr lvl="1"/>
-            <a:r>
-              <a:rPr lang="en-US" dirty="0"/>
-              <a:t>Encapsulation – we can build all of the required attributes and methods “into” an object. </a:t>
-            </a:r>
-          </a:p>
-          <a:p>
-            <a:pPr lvl="1"/>
-            <a:r>
-              <a:rPr lang="en-US" dirty="0"/>
-              <a:t>Abstraction – we can allow user of an object to ignore the details. </a:t>
-            </a:r>
-          </a:p>
-          <a:p>
-            <a:pPr lvl="2"/>
-            <a:r>
-              <a:rPr lang="en-US" dirty="0"/>
-              <a:t>E.g. we can ask a </a:t>
+          <a:bodyPr>
+            <a:normAutofit/>
+          </a:bodyPr>
+          <a:lstStyle/>
+          <a:p>
+            <a:r>
+              <a:rPr lang="en-US" dirty="0"/>
+              <a:t>We can create objects to model things in the world that we need to capture. </a:t>
+            </a:r>
+          </a:p>
+          <a:p>
+            <a:pPr lvl="1"/>
+            <a:r>
+              <a:rPr lang="en-US" dirty="0"/>
+              <a:t>Can combine attributes and abilities for a real-world thing, into an object. </a:t>
+            </a:r>
+          </a:p>
+          <a:p>
+            <a:pPr lvl="1"/>
+            <a:r>
+              <a:rPr lang="en-US" dirty="0"/>
+              <a:t>Thought pattern is weird at first but makes it easier to create complex things. </a:t>
+            </a:r>
+          </a:p>
+          <a:p>
+            <a:pPr lvl="1"/>
+            <a:r>
+              <a:rPr lang="en-US" dirty="0"/>
+              <a:t>A “product” in a store “is” a price, description, name, </a:t>
             </a:r>
             <a:r>
               <a:rPr lang="en-US" dirty="0" err="1"/>
-              <a:t>dataframe</a:t>
-            </a:r>
-            <a:r>
-              <a:rPr lang="en-US" dirty="0"/>
-              <a:t> to describe() without calculating stuff ourselves. </a:t>
-            </a:r>
-          </a:p>
-          <a:p>
-            <a:pPr lvl="1"/>
-            <a:r>
-              <a:rPr lang="en-US" dirty="0"/>
-              <a:t>Reuse of Code – once we write something for an object, we never need to again. </a:t>
-            </a:r>
-          </a:p>
-          <a:p>
-            <a:r>
-              <a:rPr lang="en-US" dirty="0"/>
-              <a:t>We can focus on the higher level ideas, and embed the details in objects. </a:t>
-            </a:r>
-          </a:p>
-          <a:p>
-            <a:pPr lvl="1"/>
-            <a:r>
-              <a:rPr lang="en-US" dirty="0"/>
-              <a:t>We don’t need to care about how to read a csv or excel file, pandas gives us a </a:t>
+              <a:t>etc</a:t>
+            </a:r>
+            <a:r>
+              <a:rPr lang="en-US" dirty="0"/>
+              <a:t>… and it can “do” a few things like change price. </a:t>
+            </a:r>
+          </a:p>
+          <a:p>
+            <a:r>
+              <a:rPr lang="en-US" dirty="0"/>
+              <a:t>Small and simple objects can be combined together to model more complex things. </a:t>
+            </a:r>
+          </a:p>
+          <a:p>
+            <a:pPr lvl="1"/>
+            <a:r>
+              <a:rPr lang="en-US" dirty="0"/>
+              <a:t>E.g. A school’s course calendar contains many class offerings. A class offering is made up of students, instructors, rooms, resources. A registration is a class and a student. One’s transcript is a collection of completed registrations. An instructor’s workload is a set of assigned classes. </a:t>
             </a:r>
             <a:r>
               <a:rPr lang="en-US" dirty="0" err="1"/>
-              <a:t>dataframe</a:t>
-            </a:r>
-            <a:r>
-              <a:rPr lang="en-US" dirty="0"/>
-              <a:t>. </a:t>
+              <a:t>Etc</a:t>
+            </a:r>
+            <a:r>
+              <a:rPr lang="en-US" dirty="0"/>
+              <a:t>…</a:t>
+            </a:r>
+          </a:p>
+          <a:p>
+            <a:pPr lvl="1"/>
+            <a:r>
+              <a:rPr lang="en-US" dirty="0"/>
+              <a:t>Each of these objects can also do stuff – register, change major, check prerequisites, </a:t>
+            </a:r>
+            <a:r>
+              <a:rPr lang="en-US" dirty="0" err="1"/>
+              <a:t>etc</a:t>
+            </a:r>
+            <a:r>
+              <a:rPr lang="en-US" dirty="0"/>
+              <a:t>…</a:t>
             </a:r>
           </a:p>
         </p:txBody>
@@ -7658,7 +7806,7 @@
     </p:spTree>
     <p:extLst>
       <p:ext uri="{BB962C8B-B14F-4D97-AF65-F5344CB8AC3E}">
-        <p14:creationId xmlns:p14="http://schemas.microsoft.com/office/powerpoint/2010/main" val="4291398308"/>
+        <p14:creationId xmlns:p14="http://schemas.microsoft.com/office/powerpoint/2010/main" val="4139205781"/>
       </p:ext>
     </p:extLst>
   </p:cSld>
@@ -7690,7 +7838,7 @@
           <p:cNvPr id="2" name="Title 1">
             <a:extLst>
               <a:ext uri="{FF2B5EF4-FFF2-40B4-BE49-F238E27FC236}">
-                <a16:creationId xmlns:a16="http://schemas.microsoft.com/office/drawing/2014/main" id="{390DBD54-E87A-D087-B472-35F98D526F14}"/>
+                <a16:creationId xmlns:a16="http://schemas.microsoft.com/office/drawing/2014/main" id="{5B62CEC6-FB05-68D4-0BD0-A8A906959A28}"/>
               </a:ext>
             </a:extLst>
           </p:cNvPr>
@@ -7698,7 +7846,7 @@
             <a:spLocks noGrp="1"/>
           </p:cNvSpPr>
           <p:nvPr>
-            <p:ph type="ctrTitle"/>
+            <p:ph type="title"/>
           </p:nvPr>
         </p:nvSpPr>
         <p:spPr/>
@@ -7708,17 +7856,17 @@
           <a:p>
             <a:r>
               <a:rPr lang="en-US" dirty="0"/>
-              <a:t>Data Structures</a:t>
-            </a:r>
-          </a:p>
-        </p:txBody>
-      </p:sp>
-      <p:sp>
-        <p:nvSpPr>
-          <p:cNvPr id="3" name="Subtitle 2">
+              <a:t>Benefits and Motivations</a:t>
+            </a:r>
+          </a:p>
+        </p:txBody>
+      </p:sp>
+      <p:sp>
+        <p:nvSpPr>
+          <p:cNvPr id="3" name="Content Placeholder 2">
             <a:extLst>
               <a:ext uri="{FF2B5EF4-FFF2-40B4-BE49-F238E27FC236}">
-                <a16:creationId xmlns:a16="http://schemas.microsoft.com/office/drawing/2014/main" id="{9CC550A2-1B20-D8F1-F3DD-6A8037D4BA8D}"/>
+                <a16:creationId xmlns:a16="http://schemas.microsoft.com/office/drawing/2014/main" id="{C018029D-0F2F-4E1C-1B96-8D366C52753E}"/>
               </a:ext>
             </a:extLst>
           </p:cNvPr>
@@ -7726,22 +7874,93 @@
             <a:spLocks noGrp="1"/>
           </p:cNvSpPr>
           <p:nvPr>
-            <p:ph type="subTitle" idx="1"/>
-          </p:nvPr>
-        </p:nvSpPr>
-        <p:spPr/>
+            <p:ph idx="1"/>
+          </p:nvPr>
+        </p:nvSpPr>
+        <p:spPr>
+          <a:xfrm>
+            <a:off x="1451579" y="2015732"/>
+            <a:ext cx="9603275" cy="4037749"/>
+          </a:xfrm>
+        </p:spPr>
         <p:txBody>
           <a:bodyPr/>
           <a:lstStyle/>
           <a:p>
-            <a:endParaRPr lang="en-US"/>
+            <a:r>
+              <a:rPr lang="en-US" dirty="0"/>
+              <a:t>Most complex modern software is (at least mostly) object oriented. </a:t>
+            </a:r>
+          </a:p>
+          <a:p>
+            <a:r>
+              <a:rPr lang="en-US" dirty="0"/>
+              <a:t>OOP has many benefits and reasons for us to use it, some initial ones:</a:t>
+            </a:r>
+          </a:p>
+          <a:p>
+            <a:pPr lvl="1"/>
+            <a:r>
+              <a:rPr lang="en-US" dirty="0"/>
+              <a:t>Encapsulation – we can build all of the required attributes and methods “into” an object. </a:t>
+            </a:r>
+          </a:p>
+          <a:p>
+            <a:pPr lvl="1"/>
+            <a:r>
+              <a:rPr lang="en-US" dirty="0"/>
+              <a:t>Abstraction – we can allow user of an object to ignore the details. </a:t>
+            </a:r>
+          </a:p>
+          <a:p>
+            <a:pPr lvl="2"/>
+            <a:r>
+              <a:rPr lang="en-US" dirty="0"/>
+              <a:t>E.g. we can ask a </a:t>
+            </a:r>
+            <a:r>
+              <a:rPr lang="en-US" dirty="0" err="1"/>
+              <a:t>dataframe</a:t>
+            </a:r>
+            <a:r>
+              <a:rPr lang="en-US" dirty="0"/>
+              <a:t> to describe() without calculating stuff ourselves. </a:t>
+            </a:r>
+          </a:p>
+          <a:p>
+            <a:pPr lvl="1"/>
+            <a:r>
+              <a:rPr lang="en-US" dirty="0"/>
+              <a:t>Reuse of Code – once we write something for an object, we never need to again. </a:t>
+            </a:r>
+          </a:p>
+          <a:p>
+            <a:r>
+              <a:rPr lang="en-US" dirty="0"/>
+              <a:t>We can focus on the higher level ideas, and embed the details in objects. </a:t>
+            </a:r>
+          </a:p>
+          <a:p>
+            <a:pPr lvl="1"/>
+            <a:r>
+              <a:rPr lang="en-US" dirty="0"/>
+              <a:t>We don’t need to care about how to read a csv or excel file, pandas gives us a </a:t>
+            </a:r>
+            <a:r>
+              <a:rPr lang="en-US" dirty="0" err="1"/>
+              <a:t>dataframe</a:t>
+            </a:r>
+            <a:r>
+              <a:rPr lang="en-US" dirty="0"/>
+              <a:t>. </a:t>
+            </a:r>
           </a:p>
         </p:txBody>
       </p:sp>
     </p:spTree>
     <p:extLst>
       <p:ext uri="{BB962C8B-B14F-4D97-AF65-F5344CB8AC3E}">
-        <p14:creationId xmlns:p14="http://schemas.microsoft.com/office/powerpoint/2010/main" val="4230728950"/>
+        <p14:creationId xmlns:p14="http://schemas.microsoft.com/office/powerpoint/2010/main" val="4291398308"/>
       </p:ext>
     </p:extLst>
   </p:cSld>
@@ -7773,7 +7992,7 @@
           <p:cNvPr id="2" name="Title 1">
             <a:extLst>
               <a:ext uri="{FF2B5EF4-FFF2-40B4-BE49-F238E27FC236}">
-                <a16:creationId xmlns:a16="http://schemas.microsoft.com/office/drawing/2014/main" id="{09CEBACF-E011-0A8F-3950-77A42F801333}"/>
+                <a16:creationId xmlns:a16="http://schemas.microsoft.com/office/drawing/2014/main" id="{390DBD54-E87A-D087-B472-35F98D526F14}"/>
               </a:ext>
             </a:extLst>
           </p:cNvPr>
@@ -7781,7 +8000,7 @@
             <a:spLocks noGrp="1"/>
           </p:cNvSpPr>
           <p:nvPr>
-            <p:ph type="title"/>
+            <p:ph type="ctrTitle"/>
           </p:nvPr>
         </p:nvSpPr>
         <p:spPr/>
@@ -7791,17 +8010,17 @@
           <a:p>
             <a:r>
               <a:rPr lang="en-US" dirty="0"/>
-              <a:t>Data Structures in Python</a:t>
-            </a:r>
-          </a:p>
-        </p:txBody>
-      </p:sp>
-      <p:sp>
-        <p:nvSpPr>
-          <p:cNvPr id="3" name="Content Placeholder 2">
+              <a:t>Data Structures</a:t>
+            </a:r>
+          </a:p>
+        </p:txBody>
+      </p:sp>
+      <p:sp>
+        <p:nvSpPr>
+          <p:cNvPr id="3" name="Subtitle 2">
             <a:extLst>
               <a:ext uri="{FF2B5EF4-FFF2-40B4-BE49-F238E27FC236}">
-                <a16:creationId xmlns:a16="http://schemas.microsoft.com/office/drawing/2014/main" id="{A9BFE846-CADA-DFA7-56FB-045DDB7B56B0}"/>
+                <a16:creationId xmlns:a16="http://schemas.microsoft.com/office/drawing/2014/main" id="{9CC550A2-1B20-D8F1-F3DD-6A8037D4BA8D}"/>
               </a:ext>
             </a:extLst>
           </p:cNvPr>
@@ -7809,81 +8028,22 @@
             <a:spLocks noGrp="1"/>
           </p:cNvSpPr>
           <p:nvPr>
-            <p:ph idx="1"/>
-          </p:nvPr>
-        </p:nvSpPr>
-        <p:spPr>
-          <a:xfrm>
-            <a:off x="1451579" y="2015732"/>
-            <a:ext cx="9603275" cy="4037749"/>
-          </a:xfrm>
-        </p:spPr>
+            <p:ph type="subTitle" idx="1"/>
+          </p:nvPr>
+        </p:nvSpPr>
+        <p:spPr/>
         <p:txBody>
           <a:bodyPr/>
           <a:lstStyle/>
           <a:p>
-            <a:r>
-              <a:rPr lang="en-US" dirty="0"/>
-              <a:t>All data structures do, more-or-less, the same thing – hold some data in a “package”. </a:t>
-            </a:r>
-          </a:p>
-          <a:p>
-            <a:r>
-              <a:rPr lang="en-US" dirty="0"/>
-              <a:t>It’s far easier to handle a list of products as a unit, rather than 37 billion individual items. </a:t>
-            </a:r>
-          </a:p>
-          <a:p>
-            <a:r>
-              <a:rPr lang="en-US" dirty="0"/>
-              <a:t>Most scenarios are well suited to familiar data structures:</a:t>
-            </a:r>
-          </a:p>
-          <a:p>
-            <a:pPr lvl="1"/>
-            <a:r>
-              <a:rPr lang="en-US" dirty="0"/>
-              <a:t>Lists – many items, totally flexible, find items by index. </a:t>
-            </a:r>
-          </a:p>
-          <a:p>
-            <a:pPr lvl="1"/>
-            <a:r>
-              <a:rPr lang="en-US" dirty="0" err="1"/>
-              <a:t>Dataframes</a:t>
-            </a:r>
-            <a:r>
-              <a:rPr lang="en-US" dirty="0"/>
-              <a:t> – using tabular data, as we commonly do in data science. </a:t>
-            </a:r>
-          </a:p>
-          <a:p>
-            <a:pPr lvl="1"/>
-            <a:r>
-              <a:rPr lang="en-US" dirty="0"/>
-              <a:t>Arrays – roughly a ”fixed” list, used a lot for machine learning. (Hopefully you’ll touch these in stats soon-</a:t>
-            </a:r>
-            <a:r>
-              <a:rPr lang="en-US" dirty="0" err="1"/>
-              <a:t>ish</a:t>
-            </a:r>
-            <a:r>
-              <a:rPr lang="en-US" dirty="0"/>
-              <a:t>). </a:t>
-            </a:r>
-          </a:p>
-          <a:p>
-            <a:r>
-              <a:rPr lang="en-US" dirty="0"/>
-              <a:t>Other times we may want or need a data structure with different functionality. </a:t>
-            </a:r>
+            <a:endParaRPr lang="en-US"/>
           </a:p>
         </p:txBody>
       </p:sp>
     </p:spTree>
     <p:extLst>
       <p:ext uri="{BB962C8B-B14F-4D97-AF65-F5344CB8AC3E}">
-        <p14:creationId xmlns:p14="http://schemas.microsoft.com/office/powerpoint/2010/main" val="603940446"/>
+        <p14:creationId xmlns:p14="http://schemas.microsoft.com/office/powerpoint/2010/main" val="4230728950"/>
       </p:ext>
     </p:extLst>
   </p:cSld>
